--- a/static/images/git-dvc/git_dvc_ff.pptx
+++ b/static/images/git-dvc/git_dvc_ff.pptx
@@ -291,7 +291,7 @@
           <a:p>
             <a:fld id="{B5CA565D-B2B5-478A-B2C3-113F166969BB}" type="datetimeFigureOut">
               <a:rPr kumimoji="1" lang="ja-JP" altLang="en-US" smtClean="0"/>
-              <a:t>2015/12/30</a:t>
+              <a:t>2016/4/17</a:t>
             </a:fld>
             <a:endParaRPr kumimoji="1" lang="ja-JP" altLang="en-US"/>
           </a:p>
@@ -493,7 +493,7 @@
           <a:p>
             <a:fld id="{B5CA565D-B2B5-478A-B2C3-113F166969BB}" type="datetimeFigureOut">
               <a:rPr kumimoji="1" lang="ja-JP" altLang="en-US" smtClean="0"/>
-              <a:t>2015/12/30</a:t>
+              <a:t>2016/4/17</a:t>
             </a:fld>
             <a:endParaRPr kumimoji="1" lang="ja-JP" altLang="en-US"/>
           </a:p>
@@ -705,7 +705,7 @@
           <a:p>
             <a:fld id="{B5CA565D-B2B5-478A-B2C3-113F166969BB}" type="datetimeFigureOut">
               <a:rPr kumimoji="1" lang="ja-JP" altLang="en-US" smtClean="0"/>
-              <a:t>2015/12/30</a:t>
+              <a:t>2016/4/17</a:t>
             </a:fld>
             <a:endParaRPr kumimoji="1" lang="ja-JP" altLang="en-US"/>
           </a:p>
@@ -907,7 +907,7 @@
           <a:p>
             <a:fld id="{B5CA565D-B2B5-478A-B2C3-113F166969BB}" type="datetimeFigureOut">
               <a:rPr kumimoji="1" lang="ja-JP" altLang="en-US" smtClean="0"/>
-              <a:t>2015/12/30</a:t>
+              <a:t>2016/4/17</a:t>
             </a:fld>
             <a:endParaRPr kumimoji="1" lang="ja-JP" altLang="en-US"/>
           </a:p>
@@ -1153,7 +1153,7 @@
           <a:p>
             <a:fld id="{B5CA565D-B2B5-478A-B2C3-113F166969BB}" type="datetimeFigureOut">
               <a:rPr kumimoji="1" lang="ja-JP" altLang="en-US" smtClean="0"/>
-              <a:t>2015/12/30</a:t>
+              <a:t>2016/4/17</a:t>
             </a:fld>
             <a:endParaRPr kumimoji="1" lang="ja-JP" altLang="en-US"/>
           </a:p>
@@ -1505,7 +1505,7 @@
           <a:p>
             <a:fld id="{B5CA565D-B2B5-478A-B2C3-113F166969BB}" type="datetimeFigureOut">
               <a:rPr kumimoji="1" lang="ja-JP" altLang="en-US" smtClean="0"/>
-              <a:t>2015/12/30</a:t>
+              <a:t>2016/4/17</a:t>
             </a:fld>
             <a:endParaRPr kumimoji="1" lang="ja-JP" altLang="en-US"/>
           </a:p>
@@ -1991,7 +1991,7 @@
           <a:p>
             <a:fld id="{B5CA565D-B2B5-478A-B2C3-113F166969BB}" type="datetimeFigureOut">
               <a:rPr kumimoji="1" lang="ja-JP" altLang="en-US" smtClean="0"/>
-              <a:t>2015/12/30</a:t>
+              <a:t>2016/4/17</a:t>
             </a:fld>
             <a:endParaRPr kumimoji="1" lang="ja-JP" altLang="en-US"/>
           </a:p>
@@ -2109,7 +2109,7 @@
           <a:p>
             <a:fld id="{B5CA565D-B2B5-478A-B2C3-113F166969BB}" type="datetimeFigureOut">
               <a:rPr kumimoji="1" lang="ja-JP" altLang="en-US" smtClean="0"/>
-              <a:t>2015/12/30</a:t>
+              <a:t>2016/4/17</a:t>
             </a:fld>
             <a:endParaRPr kumimoji="1" lang="ja-JP" altLang="en-US"/>
           </a:p>
@@ -2204,7 +2204,7 @@
           <a:p>
             <a:fld id="{B5CA565D-B2B5-478A-B2C3-113F166969BB}" type="datetimeFigureOut">
               <a:rPr kumimoji="1" lang="ja-JP" altLang="en-US" smtClean="0"/>
-              <a:t>2015/12/30</a:t>
+              <a:t>2016/4/17</a:t>
             </a:fld>
             <a:endParaRPr kumimoji="1" lang="ja-JP" altLang="en-US"/>
           </a:p>
@@ -2513,7 +2513,7 @@
           <a:p>
             <a:fld id="{B5CA565D-B2B5-478A-B2C3-113F166969BB}" type="datetimeFigureOut">
               <a:rPr kumimoji="1" lang="ja-JP" altLang="en-US" smtClean="0"/>
-              <a:t>2015/12/30</a:t>
+              <a:t>2016/4/17</a:t>
             </a:fld>
             <a:endParaRPr kumimoji="1" lang="ja-JP" altLang="en-US"/>
           </a:p>
@@ -2766,7 +2766,7 @@
           <a:p>
             <a:fld id="{B5CA565D-B2B5-478A-B2C3-113F166969BB}" type="datetimeFigureOut">
               <a:rPr kumimoji="1" lang="ja-JP" altLang="en-US" smtClean="0"/>
-              <a:t>2015/12/30</a:t>
+              <a:t>2016/4/17</a:t>
             </a:fld>
             <a:endParaRPr kumimoji="1" lang="ja-JP" altLang="en-US"/>
           </a:p>
@@ -3011,7 +3011,7 @@
           <a:p>
             <a:fld id="{B5CA565D-B2B5-478A-B2C3-113F166969BB}" type="datetimeFigureOut">
               <a:rPr kumimoji="1" lang="ja-JP" altLang="en-US" smtClean="0"/>
-              <a:t>2015/12/30</a:t>
+              <a:t>2016/4/17</a:t>
             </a:fld>
             <a:endParaRPr kumimoji="1" lang="ja-JP" altLang="en-US"/>
           </a:p>
@@ -3388,18 +3388,85 @@
       </p:grpSpPr>
       <p:sp>
         <p:nvSpPr>
-          <p:cNvPr id="21" name="円/楕円 20"/>
+          <p:cNvPr id="32" name="正方形/長方形 31"/>
           <p:cNvSpPr/>
           <p:nvPr/>
         </p:nvSpPr>
         <p:spPr>
           <a:xfrm>
-            <a:off x="1554987" y="4741592"/>
+            <a:off x="395536" y="4260185"/>
+            <a:ext cx="8352928" cy="2508893"/>
+          </a:xfrm>
+          <a:prstGeom prst="rect">
+            <a:avLst/>
+          </a:prstGeom>
+          <a:solidFill>
+            <a:srgbClr val="F8AD3E"/>
+          </a:solidFill>
+          <a:ln>
+            <a:noFill/>
+          </a:ln>
+        </p:spPr>
+        <p:style>
+          <a:lnRef idx="2">
+            <a:schemeClr val="accent5">
+              <a:shade val="50000"/>
+            </a:schemeClr>
+          </a:lnRef>
+          <a:fillRef idx="1">
+            <a:schemeClr val="accent5"/>
+          </a:fillRef>
+          <a:effectRef idx="0">
+            <a:schemeClr val="accent5"/>
+          </a:effectRef>
+          <a:fontRef idx="minor">
+            <a:schemeClr val="lt1"/>
+          </a:fontRef>
+        </p:style>
+        <p:txBody>
+          <a:bodyPr rtlCol="0" anchor="t" anchorCtr="0"/>
+          <a:lstStyle/>
+          <a:p>
+            <a:r>
+              <a:rPr lang="ja-JP" altLang="en-US" b="1" dirty="0">
+                <a:solidFill>
+                  <a:schemeClr val="bg1"/>
+                </a:solidFill>
+                <a:latin typeface="ＭＳ ゴシック" panose="020B0609070205080204" pitchFamily="49" charset="-128"/>
+                <a:ea typeface="ＭＳ ゴシック" panose="020B0609070205080204" pitchFamily="49" charset="-128"/>
+              </a:rPr>
+              <a:t>ローカルリポジトリ</a:t>
+            </a:r>
+            <a:endParaRPr lang="ja-JP" altLang="en-US" b="1" dirty="0">
+              <a:solidFill>
+                <a:schemeClr val="bg1"/>
+              </a:solidFill>
+              <a:latin typeface="ＭＳ ゴシック" panose="020B0609070205080204" pitchFamily="49" charset="-128"/>
+              <a:ea typeface="ＭＳ ゴシック" panose="020B0609070205080204" pitchFamily="49" charset="-128"/>
+            </a:endParaRPr>
+          </a:p>
+        </p:txBody>
+      </p:sp>
+      <p:sp>
+        <p:nvSpPr>
+          <p:cNvPr id="33" name="円/楕円 32"/>
+          <p:cNvSpPr/>
+          <p:nvPr/>
+        </p:nvSpPr>
+        <p:spPr>
+          <a:xfrm>
+            <a:off x="1554987" y="4841310"/>
             <a:ext cx="540000" cy="540000"/>
           </a:xfrm>
           <a:prstGeom prst="ellipse">
             <a:avLst/>
           </a:prstGeom>
+          <a:solidFill>
+            <a:srgbClr val="FF0066"/>
+          </a:solidFill>
+          <a:ln>
+            <a:noFill/>
+          </a:ln>
         </p:spPr>
         <p:style>
           <a:lnRef idx="2">
@@ -3418,40 +3485,40 @@
           </a:fontRef>
         </p:style>
         <p:txBody>
-          <a:bodyPr rtlCol="0" anchor="ctr"/>
-          <a:lstStyle/>
-          <a:p>
-            <a:pPr algn="ctr"/>
-            <a:r>
-              <a:rPr kumimoji="1" lang="en-US" altLang="ja-JP" dirty="0" smtClean="0"/>
+          <a:bodyPr lIns="91429" tIns="45715" rIns="91429" bIns="45715" rtlCol="0" anchor="ctr"/>
+          <a:lstStyle/>
+          <a:p>
+            <a:pPr algn="ctr" defTabSz="914295"/>
+            <a:r>
+              <a:rPr lang="en-US" altLang="ja-JP" dirty="0"/>
               <a:t>A</a:t>
             </a:r>
-            <a:endParaRPr kumimoji="1" lang="ja-JP" altLang="en-US" dirty="0"/>
+            <a:endParaRPr lang="ja-JP" altLang="en-US" dirty="0"/>
           </a:p>
         </p:txBody>
       </p:sp>
       <p:cxnSp>
         <p:nvCxnSpPr>
-          <p:cNvPr id="22" name="直線矢印コネクタ 21"/>
+          <p:cNvPr id="34" name="直線矢印コネクタ 33"/>
           <p:cNvCxnSpPr>
-            <a:stCxn id="23" idx="2"/>
-            <a:endCxn id="21" idx="6"/>
+            <a:stCxn id="35" idx="2"/>
+            <a:endCxn id="33" idx="6"/>
           </p:cNvCxnSpPr>
           <p:nvPr/>
         </p:nvCxnSpPr>
         <p:spPr>
           <a:xfrm flipH="1">
-            <a:off x="2094987" y="5011592"/>
+            <a:off x="2094987" y="5111310"/>
             <a:ext cx="432168" cy="0"/>
           </a:xfrm>
           <a:prstGeom prst="straightConnector1">
             <a:avLst/>
           </a:prstGeom>
-          <a:ln w="19050">
+          <a:ln w="31750">
             <a:solidFill>
               <a:schemeClr val="tx1"/>
             </a:solidFill>
-            <a:prstDash val="sysDash"/>
+            <a:prstDash val="sysDot"/>
             <a:tailEnd type="triangle" w="lg" len="med"/>
           </a:ln>
         </p:spPr>
@@ -3472,18 +3539,24 @@
       </p:cxnSp>
       <p:sp>
         <p:nvSpPr>
-          <p:cNvPr id="23" name="円/楕円 22"/>
+          <p:cNvPr id="35" name="円/楕円 34"/>
           <p:cNvSpPr/>
           <p:nvPr/>
         </p:nvSpPr>
         <p:spPr>
           <a:xfrm>
-            <a:off x="2527155" y="4741592"/>
+            <a:off x="2527155" y="4841310"/>
             <a:ext cx="540000" cy="540000"/>
           </a:xfrm>
           <a:prstGeom prst="ellipse">
             <a:avLst/>
           </a:prstGeom>
+          <a:solidFill>
+            <a:srgbClr val="FF0066"/>
+          </a:solidFill>
+          <a:ln>
+            <a:noFill/>
+          </a:ln>
         </p:spPr>
         <p:style>
           <a:lnRef idx="2">
@@ -3502,32 +3575,38 @@
           </a:fontRef>
         </p:style>
         <p:txBody>
-          <a:bodyPr rtlCol="0" anchor="ctr"/>
-          <a:lstStyle/>
-          <a:p>
-            <a:pPr algn="ctr"/>
-            <a:r>
-              <a:rPr kumimoji="1" lang="en-US" altLang="ja-JP" dirty="0" smtClean="0"/>
+          <a:bodyPr lIns="91429" tIns="45715" rIns="91429" bIns="45715" rtlCol="0" anchor="ctr"/>
+          <a:lstStyle/>
+          <a:p>
+            <a:pPr algn="ctr" defTabSz="914295"/>
+            <a:r>
+              <a:rPr lang="en-US" altLang="ja-JP" dirty="0"/>
               <a:t>B</a:t>
             </a:r>
-            <a:endParaRPr kumimoji="1" lang="ja-JP" altLang="en-US" dirty="0"/>
-          </a:p>
-        </p:txBody>
-      </p:sp>
-      <p:sp>
-        <p:nvSpPr>
-          <p:cNvPr id="24" name="円/楕円 23"/>
+            <a:endParaRPr lang="ja-JP" altLang="en-US" dirty="0"/>
+          </a:p>
+        </p:txBody>
+      </p:sp>
+      <p:sp>
+        <p:nvSpPr>
+          <p:cNvPr id="36" name="円/楕円 35"/>
           <p:cNvSpPr/>
           <p:nvPr/>
         </p:nvSpPr>
         <p:spPr>
           <a:xfrm>
-            <a:off x="3499323" y="4741592"/>
+            <a:off x="3499323" y="4841310"/>
             <a:ext cx="540000" cy="540000"/>
           </a:xfrm>
           <a:prstGeom prst="ellipse">
             <a:avLst/>
           </a:prstGeom>
+          <a:solidFill>
+            <a:srgbClr val="FF0066"/>
+          </a:solidFill>
+          <a:ln>
+            <a:noFill/>
+          </a:ln>
         </p:spPr>
         <p:style>
           <a:lnRef idx="2">
@@ -3546,40 +3625,40 @@
           </a:fontRef>
         </p:style>
         <p:txBody>
-          <a:bodyPr rtlCol="0" anchor="ctr"/>
-          <a:lstStyle/>
-          <a:p>
-            <a:pPr algn="ctr"/>
-            <a:r>
-              <a:rPr kumimoji="1" lang="en-US" altLang="ja-JP" dirty="0" smtClean="0"/>
+          <a:bodyPr lIns="91429" tIns="45715" rIns="91429" bIns="45715" rtlCol="0" anchor="ctr"/>
+          <a:lstStyle/>
+          <a:p>
+            <a:pPr algn="ctr" defTabSz="914295"/>
+            <a:r>
+              <a:rPr lang="en-US" altLang="ja-JP" dirty="0"/>
               <a:t>C</a:t>
             </a:r>
-            <a:endParaRPr kumimoji="1" lang="ja-JP" altLang="en-US" dirty="0"/>
+            <a:endParaRPr lang="ja-JP" altLang="en-US" dirty="0"/>
           </a:p>
         </p:txBody>
       </p:sp>
       <p:cxnSp>
         <p:nvCxnSpPr>
-          <p:cNvPr id="25" name="直線矢印コネクタ 24"/>
+          <p:cNvPr id="38" name="直線矢印コネクタ 37"/>
           <p:cNvCxnSpPr>
-            <a:stCxn id="24" idx="2"/>
-            <a:endCxn id="23" idx="6"/>
+            <a:stCxn id="36" idx="2"/>
+            <a:endCxn id="35" idx="6"/>
           </p:cNvCxnSpPr>
           <p:nvPr/>
         </p:nvCxnSpPr>
         <p:spPr>
           <a:xfrm flipH="1">
-            <a:off x="3067155" y="5011592"/>
+            <a:off x="3067155" y="5111310"/>
             <a:ext cx="432168" cy="0"/>
           </a:xfrm>
           <a:prstGeom prst="straightConnector1">
             <a:avLst/>
           </a:prstGeom>
-          <a:ln w="19050">
+          <a:ln w="31750">
             <a:solidFill>
               <a:schemeClr val="tx1"/>
             </a:solidFill>
-            <a:prstDash val="sysDash"/>
+            <a:prstDash val="sysDot"/>
             <a:tailEnd type="triangle" w="lg" len="med"/>
           </a:ln>
         </p:spPr>
@@ -3600,18 +3679,24 @@
       </p:cxnSp>
       <p:sp>
         <p:nvSpPr>
-          <p:cNvPr id="28" name="円/楕円 27"/>
+          <p:cNvPr id="39" name="円/楕円 38"/>
           <p:cNvSpPr/>
           <p:nvPr/>
         </p:nvSpPr>
         <p:spPr>
           <a:xfrm>
-            <a:off x="4453429" y="4741592"/>
+            <a:off x="4453429" y="4841310"/>
             <a:ext cx="540000" cy="540000"/>
           </a:xfrm>
           <a:prstGeom prst="ellipse">
             <a:avLst/>
           </a:prstGeom>
+          <a:solidFill>
+            <a:srgbClr val="FF0066"/>
+          </a:solidFill>
+          <a:ln>
+            <a:noFill/>
+          </a:ln>
         </p:spPr>
         <p:style>
           <a:lnRef idx="2">
@@ -3630,40 +3715,40 @@
           </a:fontRef>
         </p:style>
         <p:txBody>
-          <a:bodyPr rtlCol="0" anchor="ctr"/>
-          <a:lstStyle/>
-          <a:p>
-            <a:pPr algn="ctr"/>
-            <a:r>
-              <a:rPr kumimoji="1" lang="en-US" altLang="ja-JP" dirty="0" smtClean="0"/>
+          <a:bodyPr lIns="91429" tIns="45715" rIns="91429" bIns="45715" rtlCol="0" anchor="ctr"/>
+          <a:lstStyle/>
+          <a:p>
+            <a:pPr algn="ctr" defTabSz="914295"/>
+            <a:r>
+              <a:rPr lang="en-US" altLang="ja-JP" dirty="0"/>
               <a:t>D</a:t>
             </a:r>
-            <a:endParaRPr kumimoji="1" lang="ja-JP" altLang="en-US" dirty="0"/>
+            <a:endParaRPr lang="ja-JP" altLang="en-US" dirty="0"/>
           </a:p>
         </p:txBody>
       </p:sp>
       <p:cxnSp>
         <p:nvCxnSpPr>
-          <p:cNvPr id="29" name="直線矢印コネクタ 28"/>
+          <p:cNvPr id="40" name="直線矢印コネクタ 39"/>
           <p:cNvCxnSpPr>
-            <a:stCxn id="28" idx="2"/>
-            <a:endCxn id="24" idx="6"/>
+            <a:stCxn id="39" idx="2"/>
+            <a:endCxn id="36" idx="6"/>
           </p:cNvCxnSpPr>
           <p:nvPr/>
         </p:nvCxnSpPr>
         <p:spPr>
           <a:xfrm flipH="1">
-            <a:off x="4039323" y="5011592"/>
+            <a:off x="4039323" y="5111310"/>
             <a:ext cx="414106" cy="0"/>
           </a:xfrm>
           <a:prstGeom prst="straightConnector1">
             <a:avLst/>
           </a:prstGeom>
-          <a:ln w="19050">
+          <a:ln w="31750">
             <a:solidFill>
               <a:schemeClr val="tx1"/>
             </a:solidFill>
-            <a:prstDash val="sysDash"/>
+            <a:prstDash val="sysDot"/>
             <a:tailEnd type="triangle" w="lg" len="med"/>
           </a:ln>
         </p:spPr>
@@ -3682,76 +3767,27 @@
           </a:fontRef>
         </p:style>
       </p:cxnSp>
-      <p:sp>
-        <p:nvSpPr>
-          <p:cNvPr id="37" name="テキスト ボックス 36"/>
-          <p:cNvSpPr txBox="1"/>
-          <p:nvPr/>
-        </p:nvSpPr>
-        <p:spPr>
-          <a:xfrm>
-            <a:off x="267552" y="201414"/>
-            <a:ext cx="8624928" cy="646331"/>
-          </a:xfrm>
-          <a:prstGeom prst="rect">
-            <a:avLst/>
-          </a:prstGeom>
-          <a:noFill/>
-        </p:spPr>
-        <p:txBody>
-          <a:bodyPr wrap="square" rtlCol="0">
-            <a:spAutoFit/>
-          </a:bodyPr>
-          <a:lstStyle/>
-          <a:p>
-            <a:r>
-              <a:rPr lang="ja-JP" altLang="en-US" dirty="0"/>
-              <a:t>上</a:t>
-            </a:r>
-            <a:r>
-              <a:rPr lang="ja-JP" altLang="en-US" dirty="0" smtClean="0"/>
-              <a:t>のスライドの</a:t>
-            </a:r>
-            <a:r>
-              <a:rPr lang="en-US" altLang="ja-JP" dirty="0" smtClean="0"/>
-              <a:t>3</a:t>
-            </a:r>
-            <a:r>
-              <a:rPr lang="ja-JP" altLang="en-US" dirty="0" smtClean="0"/>
-              <a:t>ページ目の状態。</a:t>
-            </a:r>
-            <a:endParaRPr lang="en-US" altLang="ja-JP" dirty="0" smtClean="0"/>
-          </a:p>
-          <a:p>
-            <a:r>
-              <a:rPr lang="ja-JP" altLang="en-US" dirty="0" smtClean="0"/>
-              <a:t>リモートレポジトリとローカルレポジトリのコミットグラフがそれぞれ成長している。</a:t>
-            </a:r>
-            <a:endParaRPr lang="en-US" altLang="ja-JP" dirty="0" smtClean="0"/>
-          </a:p>
-        </p:txBody>
-      </p:sp>
       <p:cxnSp>
         <p:nvCxnSpPr>
-          <p:cNvPr id="26" name="直線矢印コネクタ 25"/>
+          <p:cNvPr id="41" name="直線矢印コネクタ 40"/>
           <p:cNvCxnSpPr>
-            <a:stCxn id="27" idx="1"/>
+            <a:stCxn id="42" idx="1"/>
           </p:cNvCxnSpPr>
           <p:nvPr/>
         </p:nvCxnSpPr>
         <p:spPr>
           <a:xfrm flipH="1">
-            <a:off x="4734224" y="4448499"/>
+            <a:off x="4734224" y="4548217"/>
             <a:ext cx="428406" cy="273420"/>
           </a:xfrm>
           <a:prstGeom prst="straightConnector1">
             <a:avLst/>
           </a:prstGeom>
-          <a:ln w="19050">
+          <a:ln w="31750">
             <a:solidFill>
               <a:schemeClr val="tx1"/>
             </a:solidFill>
-            <a:prstDash val="sysDash"/>
+            <a:prstDash val="sysDot"/>
             <a:tailEnd type="triangle" w="lg" len="med"/>
           </a:ln>
         </p:spPr>
@@ -3772,19 +3808,20 @@
       </p:cxnSp>
       <p:sp>
         <p:nvSpPr>
-          <p:cNvPr id="27" name="正方形/長方形 26"/>
+          <p:cNvPr id="42" name="正方形/長方形 41"/>
           <p:cNvSpPr/>
           <p:nvPr/>
         </p:nvSpPr>
         <p:spPr>
           <a:xfrm>
-            <a:off x="5162630" y="4304483"/>
+            <a:off x="5162630" y="4404201"/>
             <a:ext cx="936044" cy="288032"/>
           </a:xfrm>
           <a:prstGeom prst="rect">
             <a:avLst/>
           </a:prstGeom>
           <a:ln>
+            <a:noFill/>
             <a:prstDash val="sysDash"/>
           </a:ln>
         </p:spPr>
@@ -3805,39 +3842,39 @@
           </a:fontRef>
         </p:style>
         <p:txBody>
-          <a:bodyPr rtlCol="0" anchor="ctr"/>
-          <a:lstStyle/>
-          <a:p>
-            <a:pPr algn="ctr"/>
-            <a:r>
-              <a:rPr kumimoji="1" lang="en-US" altLang="ja-JP" dirty="0" smtClean="0"/>
+          <a:bodyPr lIns="91429" tIns="45715" rIns="91429" bIns="45715" rtlCol="0" anchor="ctr"/>
+          <a:lstStyle/>
+          <a:p>
+            <a:pPr algn="ctr" defTabSz="914295"/>
+            <a:r>
+              <a:rPr lang="en-US" altLang="ja-JP" dirty="0"/>
               <a:t>master</a:t>
             </a:r>
-            <a:endParaRPr kumimoji="1" lang="ja-JP" altLang="en-US" dirty="0"/>
+            <a:endParaRPr lang="ja-JP" altLang="en-US" dirty="0"/>
           </a:p>
         </p:txBody>
       </p:sp>
       <p:cxnSp>
         <p:nvCxnSpPr>
-          <p:cNvPr id="43" name="直線矢印コネクタ 42"/>
+          <p:cNvPr id="45" name="直線矢印コネクタ 44"/>
           <p:cNvCxnSpPr>
-            <a:stCxn id="44" idx="1"/>
+            <a:stCxn id="46" idx="1"/>
           </p:cNvCxnSpPr>
           <p:nvPr/>
         </p:nvCxnSpPr>
         <p:spPr>
           <a:xfrm flipH="1" flipV="1">
-            <a:off x="3789460" y="5314588"/>
+            <a:off x="3789460" y="5414306"/>
             <a:ext cx="370799" cy="244341"/>
           </a:xfrm>
           <a:prstGeom prst="straightConnector1">
             <a:avLst/>
           </a:prstGeom>
-          <a:ln w="19050">
+          <a:ln w="31750">
             <a:solidFill>
               <a:schemeClr val="tx1"/>
             </a:solidFill>
-            <a:prstDash val="sysDash"/>
+            <a:prstDash val="sysDot"/>
             <a:tailEnd type="triangle" w="lg" len="med"/>
           </a:ln>
         </p:spPr>
@@ -3858,19 +3895,20 @@
       </p:cxnSp>
       <p:sp>
         <p:nvSpPr>
-          <p:cNvPr id="44" name="正方形/長方形 43"/>
+          <p:cNvPr id="46" name="正方形/長方形 45"/>
           <p:cNvSpPr/>
           <p:nvPr/>
         </p:nvSpPr>
         <p:spPr>
           <a:xfrm>
-            <a:off x="4160259" y="5414913"/>
+            <a:off x="4160259" y="5514631"/>
             <a:ext cx="1470393" cy="288032"/>
           </a:xfrm>
           <a:prstGeom prst="rect">
             <a:avLst/>
           </a:prstGeom>
           <a:ln>
+            <a:noFill/>
             <a:prstDash val="sysDash"/>
           </a:ln>
         </p:spPr>
@@ -3891,38 +3929,864 @@
           </a:fontRef>
         </p:style>
         <p:txBody>
-          <a:bodyPr rtlCol="0" anchor="ctr"/>
-          <a:lstStyle/>
-          <a:p>
-            <a:pPr algn="ctr"/>
-            <a:r>
-              <a:rPr lang="en-US" altLang="ja-JP" dirty="0" smtClean="0"/>
+          <a:bodyPr lIns="91429" tIns="45715" rIns="91429" bIns="45715" rtlCol="0" anchor="ctr"/>
+          <a:lstStyle/>
+          <a:p>
+            <a:pPr algn="ctr" defTabSz="914295"/>
+            <a:r>
+              <a:rPr lang="en-US" altLang="ja-JP" dirty="0"/>
               <a:t>origin/master</a:t>
             </a:r>
-            <a:endParaRPr kumimoji="1" lang="ja-JP" altLang="en-US" dirty="0"/>
-          </a:p>
-        </p:txBody>
-      </p:sp>
-      <p:sp>
-        <p:nvSpPr>
-          <p:cNvPr id="30" name="正方形/長方形 29"/>
+            <a:endParaRPr lang="ja-JP" altLang="en-US" dirty="0"/>
+          </a:p>
+        </p:txBody>
+      </p:sp>
+      <p:sp>
+        <p:nvSpPr>
+          <p:cNvPr id="47" name="正方形/長方形 46"/>
           <p:cNvSpPr/>
           <p:nvPr/>
         </p:nvSpPr>
         <p:spPr>
           <a:xfrm>
-            <a:off x="395536" y="1453305"/>
+            <a:off x="395536" y="1633363"/>
             <a:ext cx="8352928" cy="2515717"/>
           </a:xfrm>
           <a:prstGeom prst="rect">
             <a:avLst/>
           </a:prstGeom>
-          <a:noFill/>
+          <a:solidFill>
+            <a:srgbClr val="F7A021"/>
+          </a:solidFill>
           <a:ln>
+            <a:noFill/>
+          </a:ln>
+        </p:spPr>
+        <p:style>
+          <a:lnRef idx="2">
+            <a:schemeClr val="accent5">
+              <a:shade val="50000"/>
+            </a:schemeClr>
+          </a:lnRef>
+          <a:fillRef idx="1">
+            <a:schemeClr val="accent5"/>
+          </a:fillRef>
+          <a:effectRef idx="0">
+            <a:schemeClr val="accent5"/>
+          </a:effectRef>
+          <a:fontRef idx="minor">
+            <a:schemeClr val="lt1"/>
+          </a:fontRef>
+        </p:style>
+        <p:txBody>
+          <a:bodyPr rtlCol="0" anchor="t" anchorCtr="0"/>
+          <a:lstStyle/>
+          <a:p>
+            <a:r>
+              <a:rPr lang="ja-JP" altLang="en-US" b="1" dirty="0">
+                <a:solidFill>
+                  <a:schemeClr val="bg1"/>
+                </a:solidFill>
+                <a:latin typeface="ＭＳ ゴシック" panose="020B0609070205080204" pitchFamily="49" charset="-128"/>
+                <a:ea typeface="ＭＳ ゴシック" panose="020B0609070205080204" pitchFamily="49" charset="-128"/>
+              </a:rPr>
+              <a:t>リモートリポジトリ</a:t>
+            </a:r>
+            <a:endParaRPr lang="ja-JP" altLang="en-US" b="1" dirty="0">
+              <a:solidFill>
+                <a:schemeClr val="bg1"/>
+              </a:solidFill>
+              <a:latin typeface="ＭＳ ゴシック" panose="020B0609070205080204" pitchFamily="49" charset="-128"/>
+              <a:ea typeface="ＭＳ ゴシック" panose="020B0609070205080204" pitchFamily="49" charset="-128"/>
+            </a:endParaRPr>
+          </a:p>
+        </p:txBody>
+      </p:sp>
+      <p:sp>
+        <p:nvSpPr>
+          <p:cNvPr id="48" name="円/楕円 47"/>
+          <p:cNvSpPr/>
+          <p:nvPr/>
+        </p:nvSpPr>
+        <p:spPr>
+          <a:xfrm>
+            <a:off x="1556932" y="2225627"/>
+            <a:ext cx="540000" cy="540000"/>
+          </a:xfrm>
+          <a:prstGeom prst="ellipse">
+            <a:avLst/>
+          </a:prstGeom>
+          <a:solidFill>
+            <a:srgbClr val="FF0066"/>
+          </a:solidFill>
+          <a:ln>
+            <a:noFill/>
+          </a:ln>
+        </p:spPr>
+        <p:style>
+          <a:lnRef idx="2">
+            <a:schemeClr val="accent2">
+              <a:shade val="50000"/>
+            </a:schemeClr>
+          </a:lnRef>
+          <a:fillRef idx="1">
+            <a:schemeClr val="accent2"/>
+          </a:fillRef>
+          <a:effectRef idx="0">
+            <a:schemeClr val="accent2"/>
+          </a:effectRef>
+          <a:fontRef idx="minor">
+            <a:schemeClr val="lt1"/>
+          </a:fontRef>
+        </p:style>
+        <p:txBody>
+          <a:bodyPr lIns="91429" tIns="45715" rIns="91429" bIns="45715" rtlCol="0" anchor="ctr"/>
+          <a:lstStyle/>
+          <a:p>
+            <a:pPr algn="ctr" defTabSz="914295"/>
+            <a:r>
+              <a:rPr lang="en-US" altLang="ja-JP" dirty="0"/>
+              <a:t>A</a:t>
+            </a:r>
+            <a:endParaRPr lang="ja-JP" altLang="en-US" dirty="0"/>
+          </a:p>
+        </p:txBody>
+      </p:sp>
+      <p:cxnSp>
+        <p:nvCxnSpPr>
+          <p:cNvPr id="49" name="直線矢印コネクタ 48"/>
+          <p:cNvCxnSpPr>
+            <a:stCxn id="55" idx="2"/>
+            <a:endCxn id="48" idx="6"/>
+          </p:cNvCxnSpPr>
+          <p:nvPr/>
+        </p:nvCxnSpPr>
+        <p:spPr>
+          <a:xfrm flipH="1">
+            <a:off x="2096932" y="2495627"/>
+            <a:ext cx="432168" cy="0"/>
+          </a:xfrm>
+          <a:prstGeom prst="straightConnector1">
+            <a:avLst/>
+          </a:prstGeom>
+          <a:ln w="31750">
             <a:solidFill>
               <a:schemeClr val="tx1"/>
             </a:solidFill>
+            <a:prstDash val="sysDot"/>
+            <a:tailEnd type="triangle" w="lg" len="med"/>
+          </a:ln>
+        </p:spPr>
+        <p:style>
+          <a:lnRef idx="1">
+            <a:schemeClr val="accent1"/>
+          </a:lnRef>
+          <a:fillRef idx="0">
+            <a:schemeClr val="accent1"/>
+          </a:fillRef>
+          <a:effectRef idx="0">
+            <a:schemeClr val="accent1"/>
+          </a:effectRef>
+          <a:fontRef idx="minor">
+            <a:schemeClr val="tx1"/>
+          </a:fontRef>
+        </p:style>
+      </p:cxnSp>
+      <p:sp>
+        <p:nvSpPr>
+          <p:cNvPr id="55" name="円/楕円 54"/>
+          <p:cNvSpPr/>
+          <p:nvPr/>
+        </p:nvSpPr>
+        <p:spPr>
+          <a:xfrm>
+            <a:off x="2529100" y="2225627"/>
+            <a:ext cx="540000" cy="540000"/>
+          </a:xfrm>
+          <a:prstGeom prst="ellipse">
+            <a:avLst/>
+          </a:prstGeom>
+          <a:solidFill>
+            <a:srgbClr val="FF0066"/>
+          </a:solidFill>
+          <a:ln>
+            <a:noFill/>
+          </a:ln>
+        </p:spPr>
+        <p:style>
+          <a:lnRef idx="2">
+            <a:schemeClr val="accent2">
+              <a:shade val="50000"/>
+            </a:schemeClr>
+          </a:lnRef>
+          <a:fillRef idx="1">
+            <a:schemeClr val="accent2"/>
+          </a:fillRef>
+          <a:effectRef idx="0">
+            <a:schemeClr val="accent2"/>
+          </a:effectRef>
+          <a:fontRef idx="minor">
+            <a:schemeClr val="lt1"/>
+          </a:fontRef>
+        </p:style>
+        <p:txBody>
+          <a:bodyPr lIns="91429" tIns="45715" rIns="91429" bIns="45715" rtlCol="0" anchor="ctr"/>
+          <a:lstStyle/>
+          <a:p>
+            <a:pPr algn="ctr" defTabSz="914295"/>
+            <a:r>
+              <a:rPr lang="en-US" altLang="ja-JP" dirty="0"/>
+              <a:t>B</a:t>
+            </a:r>
+            <a:endParaRPr lang="ja-JP" altLang="en-US" dirty="0"/>
+          </a:p>
+        </p:txBody>
+      </p:sp>
+      <p:sp>
+        <p:nvSpPr>
+          <p:cNvPr id="59" name="円/楕円 58"/>
+          <p:cNvSpPr/>
+          <p:nvPr/>
+        </p:nvSpPr>
+        <p:spPr>
+          <a:xfrm>
+            <a:off x="3501268" y="2225627"/>
+            <a:ext cx="540000" cy="540000"/>
+          </a:xfrm>
+          <a:prstGeom prst="ellipse">
+            <a:avLst/>
+          </a:prstGeom>
+          <a:solidFill>
+            <a:srgbClr val="FF0066"/>
+          </a:solidFill>
+          <a:ln>
+            <a:noFill/>
+          </a:ln>
+        </p:spPr>
+        <p:style>
+          <a:lnRef idx="2">
+            <a:schemeClr val="accent2">
+              <a:shade val="50000"/>
+            </a:schemeClr>
+          </a:lnRef>
+          <a:fillRef idx="1">
+            <a:schemeClr val="accent2"/>
+          </a:fillRef>
+          <a:effectRef idx="0">
+            <a:schemeClr val="accent2"/>
+          </a:effectRef>
+          <a:fontRef idx="minor">
+            <a:schemeClr val="lt1"/>
+          </a:fontRef>
+        </p:style>
+        <p:txBody>
+          <a:bodyPr lIns="91429" tIns="45715" rIns="91429" bIns="45715" rtlCol="0" anchor="ctr"/>
+          <a:lstStyle/>
+          <a:p>
+            <a:pPr algn="ctr" defTabSz="914295"/>
+            <a:r>
+              <a:rPr lang="en-US" altLang="ja-JP" dirty="0"/>
+              <a:t>C</a:t>
+            </a:r>
+            <a:endParaRPr lang="ja-JP" altLang="en-US" dirty="0"/>
+          </a:p>
+        </p:txBody>
+      </p:sp>
+      <p:cxnSp>
+        <p:nvCxnSpPr>
+          <p:cNvPr id="60" name="直線矢印コネクタ 59"/>
+          <p:cNvCxnSpPr>
+            <a:stCxn id="59" idx="2"/>
+            <a:endCxn id="55" idx="6"/>
+          </p:cNvCxnSpPr>
+          <p:nvPr/>
+        </p:nvCxnSpPr>
+        <p:spPr>
+          <a:xfrm flipH="1">
+            <a:off x="3069100" y="2495627"/>
+            <a:ext cx="432168" cy="0"/>
+          </a:xfrm>
+          <a:prstGeom prst="straightConnector1">
+            <a:avLst/>
+          </a:prstGeom>
+          <a:ln w="31750">
+            <a:solidFill>
+              <a:schemeClr val="tx1"/>
+            </a:solidFill>
+            <a:prstDash val="sysDot"/>
+            <a:tailEnd type="triangle" w="lg" len="med"/>
+          </a:ln>
+        </p:spPr>
+        <p:style>
+          <a:lnRef idx="1">
+            <a:schemeClr val="accent1"/>
+          </a:lnRef>
+          <a:fillRef idx="0">
+            <a:schemeClr val="accent1"/>
+          </a:fillRef>
+          <a:effectRef idx="0">
+            <a:schemeClr val="accent1"/>
+          </a:effectRef>
+          <a:fontRef idx="minor">
+            <a:schemeClr val="tx1"/>
+          </a:fontRef>
+        </p:style>
+      </p:cxnSp>
+      <p:cxnSp>
+        <p:nvCxnSpPr>
+          <p:cNvPr id="62" name="直線矢印コネクタ 61"/>
+          <p:cNvCxnSpPr>
+            <a:endCxn id="59" idx="6"/>
+          </p:cNvCxnSpPr>
+          <p:nvPr/>
+        </p:nvCxnSpPr>
+        <p:spPr>
+          <a:xfrm flipH="1">
+            <a:off x="4041268" y="2495627"/>
+            <a:ext cx="414106" cy="0"/>
+          </a:xfrm>
+          <a:prstGeom prst="straightConnector1">
+            <a:avLst/>
+          </a:prstGeom>
+          <a:ln w="31750">
+            <a:solidFill>
+              <a:schemeClr val="tx1"/>
+            </a:solidFill>
+            <a:prstDash val="sysDot"/>
+            <a:tailEnd type="triangle" w="lg" len="med"/>
+          </a:ln>
+        </p:spPr>
+        <p:style>
+          <a:lnRef idx="1">
+            <a:schemeClr val="accent1"/>
+          </a:lnRef>
+          <a:fillRef idx="0">
+            <a:schemeClr val="accent1"/>
+          </a:fillRef>
+          <a:effectRef idx="0">
+            <a:schemeClr val="accent1"/>
+          </a:effectRef>
+          <a:fontRef idx="minor">
+            <a:schemeClr val="tx1"/>
+          </a:fontRef>
+        </p:style>
+      </p:cxnSp>
+      <p:cxnSp>
+        <p:nvCxnSpPr>
+          <p:cNvPr id="65" name="直線矢印コネクタ 64"/>
+          <p:cNvCxnSpPr>
+            <a:stCxn id="66" idx="1"/>
+          </p:cNvCxnSpPr>
+          <p:nvPr/>
+        </p:nvCxnSpPr>
+        <p:spPr>
+          <a:xfrm flipH="1">
+            <a:off x="5706507" y="1925228"/>
+            <a:ext cx="428406" cy="273420"/>
+          </a:xfrm>
+          <a:prstGeom prst="straightConnector1">
+            <a:avLst/>
+          </a:prstGeom>
+          <a:ln w="31750">
+            <a:solidFill>
+              <a:schemeClr val="tx1"/>
+            </a:solidFill>
+            <a:prstDash val="sysDot"/>
+            <a:tailEnd type="triangle" w="lg" len="med"/>
+          </a:ln>
+        </p:spPr>
+        <p:style>
+          <a:lnRef idx="1">
+            <a:schemeClr val="accent1"/>
+          </a:lnRef>
+          <a:fillRef idx="0">
+            <a:schemeClr val="accent1"/>
+          </a:fillRef>
+          <a:effectRef idx="0">
+            <a:schemeClr val="accent1"/>
+          </a:effectRef>
+          <a:fontRef idx="minor">
+            <a:schemeClr val="tx1"/>
+          </a:fontRef>
+        </p:style>
+      </p:cxnSp>
+      <p:sp>
+        <p:nvSpPr>
+          <p:cNvPr id="66" name="正方形/長方形 65"/>
+          <p:cNvSpPr/>
+          <p:nvPr/>
+        </p:nvSpPr>
+        <p:spPr>
+          <a:xfrm>
+            <a:off x="6134913" y="1781212"/>
+            <a:ext cx="936044" cy="288032"/>
+          </a:xfrm>
+          <a:prstGeom prst="rect">
+            <a:avLst/>
+          </a:prstGeom>
+          <a:ln>
+            <a:noFill/>
             <a:prstDash val="sysDash"/>
+          </a:ln>
+        </p:spPr>
+        <p:style>
+          <a:lnRef idx="2">
+            <a:schemeClr val="accent5">
+              <a:shade val="50000"/>
+            </a:schemeClr>
+          </a:lnRef>
+          <a:fillRef idx="1">
+            <a:schemeClr val="accent5"/>
+          </a:fillRef>
+          <a:effectRef idx="0">
+            <a:schemeClr val="accent5"/>
+          </a:effectRef>
+          <a:fontRef idx="minor">
+            <a:schemeClr val="lt1"/>
+          </a:fontRef>
+        </p:style>
+        <p:txBody>
+          <a:bodyPr lIns="91429" tIns="45715" rIns="91429" bIns="45715" rtlCol="0" anchor="ctr"/>
+          <a:lstStyle/>
+          <a:p>
+            <a:pPr algn="ctr" defTabSz="914295"/>
+            <a:r>
+              <a:rPr lang="en-US" altLang="ja-JP" dirty="0"/>
+              <a:t>master</a:t>
+            </a:r>
+            <a:endParaRPr lang="ja-JP" altLang="en-US" dirty="0"/>
+          </a:p>
+        </p:txBody>
+      </p:sp>
+      <p:sp>
+        <p:nvSpPr>
+          <p:cNvPr id="67" name="円/楕円 66"/>
+          <p:cNvSpPr/>
+          <p:nvPr/>
+        </p:nvSpPr>
+        <p:spPr>
+          <a:xfrm>
+            <a:off x="4480634" y="2225627"/>
+            <a:ext cx="540000" cy="540000"/>
+          </a:xfrm>
+          <a:prstGeom prst="ellipse">
+            <a:avLst/>
+          </a:prstGeom>
+          <a:solidFill>
+            <a:srgbClr val="FF0066"/>
+          </a:solidFill>
+          <a:ln>
+            <a:noFill/>
+          </a:ln>
+        </p:spPr>
+        <p:style>
+          <a:lnRef idx="2">
+            <a:schemeClr val="accent2">
+              <a:shade val="50000"/>
+            </a:schemeClr>
+          </a:lnRef>
+          <a:fillRef idx="1">
+            <a:schemeClr val="accent2"/>
+          </a:fillRef>
+          <a:effectRef idx="0">
+            <a:schemeClr val="accent2"/>
+          </a:effectRef>
+          <a:fontRef idx="minor">
+            <a:schemeClr val="lt1"/>
+          </a:fontRef>
+        </p:style>
+        <p:txBody>
+          <a:bodyPr lIns="91429" tIns="45715" rIns="91429" bIns="45715" rtlCol="0" anchor="ctr"/>
+          <a:lstStyle/>
+          <a:p>
+            <a:pPr algn="ctr" defTabSz="914295"/>
+            <a:r>
+              <a:rPr lang="en-US" altLang="ja-JP" dirty="0"/>
+              <a:t>X</a:t>
+            </a:r>
+            <a:endParaRPr lang="ja-JP" altLang="en-US" dirty="0"/>
+          </a:p>
+        </p:txBody>
+      </p:sp>
+      <p:sp>
+        <p:nvSpPr>
+          <p:cNvPr id="68" name="円/楕円 67"/>
+          <p:cNvSpPr/>
+          <p:nvPr/>
+        </p:nvSpPr>
+        <p:spPr>
+          <a:xfrm>
+            <a:off x="5432875" y="2225627"/>
+            <a:ext cx="540000" cy="540000"/>
+          </a:xfrm>
+          <a:prstGeom prst="ellipse">
+            <a:avLst/>
+          </a:prstGeom>
+          <a:solidFill>
+            <a:srgbClr val="FF0066"/>
+          </a:solidFill>
+          <a:ln>
+            <a:noFill/>
+          </a:ln>
+        </p:spPr>
+        <p:style>
+          <a:lnRef idx="2">
+            <a:schemeClr val="accent2">
+              <a:shade val="50000"/>
+            </a:schemeClr>
+          </a:lnRef>
+          <a:fillRef idx="1">
+            <a:schemeClr val="accent2"/>
+          </a:fillRef>
+          <a:effectRef idx="0">
+            <a:schemeClr val="accent2"/>
+          </a:effectRef>
+          <a:fontRef idx="minor">
+            <a:schemeClr val="lt1"/>
+          </a:fontRef>
+        </p:style>
+        <p:txBody>
+          <a:bodyPr lIns="91429" tIns="45715" rIns="91429" bIns="45715" rtlCol="0" anchor="ctr"/>
+          <a:lstStyle/>
+          <a:p>
+            <a:pPr algn="ctr" defTabSz="914295"/>
+            <a:r>
+              <a:rPr lang="en-US" altLang="ja-JP" dirty="0"/>
+              <a:t>Y</a:t>
+            </a:r>
+            <a:endParaRPr lang="ja-JP" altLang="en-US" dirty="0"/>
+          </a:p>
+        </p:txBody>
+      </p:sp>
+      <p:cxnSp>
+        <p:nvCxnSpPr>
+          <p:cNvPr id="69" name="直線矢印コネクタ 68"/>
+          <p:cNvCxnSpPr>
+            <a:stCxn id="68" idx="2"/>
+          </p:cNvCxnSpPr>
+          <p:nvPr/>
+        </p:nvCxnSpPr>
+        <p:spPr>
+          <a:xfrm flipH="1">
+            <a:off x="5018769" y="2495627"/>
+            <a:ext cx="414106" cy="0"/>
+          </a:xfrm>
+          <a:prstGeom prst="straightConnector1">
+            <a:avLst/>
+          </a:prstGeom>
+          <a:ln w="31750">
+            <a:solidFill>
+              <a:schemeClr val="tx1"/>
+            </a:solidFill>
+            <a:prstDash val="sysDot"/>
+            <a:tailEnd type="triangle" w="lg" len="med"/>
+          </a:ln>
+        </p:spPr>
+        <p:style>
+          <a:lnRef idx="1">
+            <a:schemeClr val="accent1"/>
+          </a:lnRef>
+          <a:fillRef idx="0">
+            <a:schemeClr val="accent1"/>
+          </a:fillRef>
+          <a:effectRef idx="0">
+            <a:schemeClr val="accent1"/>
+          </a:effectRef>
+          <a:fontRef idx="minor">
+            <a:schemeClr val="tx1"/>
+          </a:fontRef>
+        </p:style>
+      </p:cxnSp>
+      <p:sp>
+        <p:nvSpPr>
+          <p:cNvPr id="70" name="角丸四角形吹き出し 70"/>
+          <p:cNvSpPr/>
+          <p:nvPr/>
+        </p:nvSpPr>
+        <p:spPr>
+          <a:xfrm>
+            <a:off x="203401" y="123901"/>
+            <a:ext cx="8737200" cy="1433282"/>
+          </a:xfrm>
+          <a:custGeom>
+            <a:avLst/>
+            <a:gdLst>
+              <a:gd name="connsiteX0" fmla="*/ 0 w 8541658"/>
+              <a:gd name="connsiteY0" fmla="*/ 214817 h 1288876"/>
+              <a:gd name="connsiteX1" fmla="*/ 214817 w 8541658"/>
+              <a:gd name="connsiteY1" fmla="*/ 0 h 1288876"/>
+              <a:gd name="connsiteX2" fmla="*/ 1423610 w 8541658"/>
+              <a:gd name="connsiteY2" fmla="*/ 0 h 1288876"/>
+              <a:gd name="connsiteX3" fmla="*/ 1423610 w 8541658"/>
+              <a:gd name="connsiteY3" fmla="*/ 0 h 1288876"/>
+              <a:gd name="connsiteX4" fmla="*/ 3559024 w 8541658"/>
+              <a:gd name="connsiteY4" fmla="*/ 0 h 1288876"/>
+              <a:gd name="connsiteX5" fmla="*/ 8326841 w 8541658"/>
+              <a:gd name="connsiteY5" fmla="*/ 0 h 1288876"/>
+              <a:gd name="connsiteX6" fmla="*/ 8541658 w 8541658"/>
+              <a:gd name="connsiteY6" fmla="*/ 214817 h 1288876"/>
+              <a:gd name="connsiteX7" fmla="*/ 8541658 w 8541658"/>
+              <a:gd name="connsiteY7" fmla="*/ 751844 h 1288876"/>
+              <a:gd name="connsiteX8" fmla="*/ 8541658 w 8541658"/>
+              <a:gd name="connsiteY8" fmla="*/ 751844 h 1288876"/>
+              <a:gd name="connsiteX9" fmla="*/ 8541658 w 8541658"/>
+              <a:gd name="connsiteY9" fmla="*/ 1074063 h 1288876"/>
+              <a:gd name="connsiteX10" fmla="*/ 8541658 w 8541658"/>
+              <a:gd name="connsiteY10" fmla="*/ 1074059 h 1288876"/>
+              <a:gd name="connsiteX11" fmla="*/ 8326841 w 8541658"/>
+              <a:gd name="connsiteY11" fmla="*/ 1288876 h 1288876"/>
+              <a:gd name="connsiteX12" fmla="*/ 3559024 w 8541658"/>
+              <a:gd name="connsiteY12" fmla="*/ 1288876 h 1288876"/>
+              <a:gd name="connsiteX13" fmla="*/ 2230227 w 8541658"/>
+              <a:gd name="connsiteY13" fmla="*/ 1471381 h 1288876"/>
+              <a:gd name="connsiteX14" fmla="*/ 1423610 w 8541658"/>
+              <a:gd name="connsiteY14" fmla="*/ 1288876 h 1288876"/>
+              <a:gd name="connsiteX15" fmla="*/ 214817 w 8541658"/>
+              <a:gd name="connsiteY15" fmla="*/ 1288876 h 1288876"/>
+              <a:gd name="connsiteX16" fmla="*/ 0 w 8541658"/>
+              <a:gd name="connsiteY16" fmla="*/ 1074059 h 1288876"/>
+              <a:gd name="connsiteX17" fmla="*/ 0 w 8541658"/>
+              <a:gd name="connsiteY17" fmla="*/ 1074063 h 1288876"/>
+              <a:gd name="connsiteX18" fmla="*/ 0 w 8541658"/>
+              <a:gd name="connsiteY18" fmla="*/ 751844 h 1288876"/>
+              <a:gd name="connsiteX19" fmla="*/ 0 w 8541658"/>
+              <a:gd name="connsiteY19" fmla="*/ 751844 h 1288876"/>
+              <a:gd name="connsiteX20" fmla="*/ 0 w 8541658"/>
+              <a:gd name="connsiteY20" fmla="*/ 214817 h 1288876"/>
+              <a:gd name="connsiteX0" fmla="*/ 0 w 8541658"/>
+              <a:gd name="connsiteY0" fmla="*/ 214817 h 1471381"/>
+              <a:gd name="connsiteX1" fmla="*/ 214817 w 8541658"/>
+              <a:gd name="connsiteY1" fmla="*/ 0 h 1471381"/>
+              <a:gd name="connsiteX2" fmla="*/ 1423610 w 8541658"/>
+              <a:gd name="connsiteY2" fmla="*/ 0 h 1471381"/>
+              <a:gd name="connsiteX3" fmla="*/ 1423610 w 8541658"/>
+              <a:gd name="connsiteY3" fmla="*/ 0 h 1471381"/>
+              <a:gd name="connsiteX4" fmla="*/ 3559024 w 8541658"/>
+              <a:gd name="connsiteY4" fmla="*/ 0 h 1471381"/>
+              <a:gd name="connsiteX5" fmla="*/ 8326841 w 8541658"/>
+              <a:gd name="connsiteY5" fmla="*/ 0 h 1471381"/>
+              <a:gd name="connsiteX6" fmla="*/ 8541658 w 8541658"/>
+              <a:gd name="connsiteY6" fmla="*/ 214817 h 1471381"/>
+              <a:gd name="connsiteX7" fmla="*/ 8541658 w 8541658"/>
+              <a:gd name="connsiteY7" fmla="*/ 751844 h 1471381"/>
+              <a:gd name="connsiteX8" fmla="*/ 8541658 w 8541658"/>
+              <a:gd name="connsiteY8" fmla="*/ 751844 h 1471381"/>
+              <a:gd name="connsiteX9" fmla="*/ 8541658 w 8541658"/>
+              <a:gd name="connsiteY9" fmla="*/ 1074063 h 1471381"/>
+              <a:gd name="connsiteX10" fmla="*/ 8541658 w 8541658"/>
+              <a:gd name="connsiteY10" fmla="*/ 1074059 h 1471381"/>
+              <a:gd name="connsiteX11" fmla="*/ 8326841 w 8541658"/>
+              <a:gd name="connsiteY11" fmla="*/ 1288876 h 1471381"/>
+              <a:gd name="connsiteX12" fmla="*/ 1852144 w 8541658"/>
+              <a:gd name="connsiteY12" fmla="*/ 1288876 h 1471381"/>
+              <a:gd name="connsiteX13" fmla="*/ 2230227 w 8541658"/>
+              <a:gd name="connsiteY13" fmla="*/ 1471381 h 1471381"/>
+              <a:gd name="connsiteX14" fmla="*/ 1423610 w 8541658"/>
+              <a:gd name="connsiteY14" fmla="*/ 1288876 h 1471381"/>
+              <a:gd name="connsiteX15" fmla="*/ 214817 w 8541658"/>
+              <a:gd name="connsiteY15" fmla="*/ 1288876 h 1471381"/>
+              <a:gd name="connsiteX16" fmla="*/ 0 w 8541658"/>
+              <a:gd name="connsiteY16" fmla="*/ 1074059 h 1471381"/>
+              <a:gd name="connsiteX17" fmla="*/ 0 w 8541658"/>
+              <a:gd name="connsiteY17" fmla="*/ 1074063 h 1471381"/>
+              <a:gd name="connsiteX18" fmla="*/ 0 w 8541658"/>
+              <a:gd name="connsiteY18" fmla="*/ 751844 h 1471381"/>
+              <a:gd name="connsiteX19" fmla="*/ 0 w 8541658"/>
+              <a:gd name="connsiteY19" fmla="*/ 751844 h 1471381"/>
+              <a:gd name="connsiteX20" fmla="*/ 0 w 8541658"/>
+              <a:gd name="connsiteY20" fmla="*/ 214817 h 1471381"/>
+              <a:gd name="connsiteX0" fmla="*/ 0 w 8541658"/>
+              <a:gd name="connsiteY0" fmla="*/ 214817 h 1433281"/>
+              <a:gd name="connsiteX1" fmla="*/ 214817 w 8541658"/>
+              <a:gd name="connsiteY1" fmla="*/ 0 h 1433281"/>
+              <a:gd name="connsiteX2" fmla="*/ 1423610 w 8541658"/>
+              <a:gd name="connsiteY2" fmla="*/ 0 h 1433281"/>
+              <a:gd name="connsiteX3" fmla="*/ 1423610 w 8541658"/>
+              <a:gd name="connsiteY3" fmla="*/ 0 h 1433281"/>
+              <a:gd name="connsiteX4" fmla="*/ 3559024 w 8541658"/>
+              <a:gd name="connsiteY4" fmla="*/ 0 h 1433281"/>
+              <a:gd name="connsiteX5" fmla="*/ 8326841 w 8541658"/>
+              <a:gd name="connsiteY5" fmla="*/ 0 h 1433281"/>
+              <a:gd name="connsiteX6" fmla="*/ 8541658 w 8541658"/>
+              <a:gd name="connsiteY6" fmla="*/ 214817 h 1433281"/>
+              <a:gd name="connsiteX7" fmla="*/ 8541658 w 8541658"/>
+              <a:gd name="connsiteY7" fmla="*/ 751844 h 1433281"/>
+              <a:gd name="connsiteX8" fmla="*/ 8541658 w 8541658"/>
+              <a:gd name="connsiteY8" fmla="*/ 751844 h 1433281"/>
+              <a:gd name="connsiteX9" fmla="*/ 8541658 w 8541658"/>
+              <a:gd name="connsiteY9" fmla="*/ 1074063 h 1433281"/>
+              <a:gd name="connsiteX10" fmla="*/ 8541658 w 8541658"/>
+              <a:gd name="connsiteY10" fmla="*/ 1074059 h 1433281"/>
+              <a:gd name="connsiteX11" fmla="*/ 8326841 w 8541658"/>
+              <a:gd name="connsiteY11" fmla="*/ 1288876 h 1433281"/>
+              <a:gd name="connsiteX12" fmla="*/ 1852144 w 8541658"/>
+              <a:gd name="connsiteY12" fmla="*/ 1288876 h 1433281"/>
+              <a:gd name="connsiteX13" fmla="*/ 1864467 w 8541658"/>
+              <a:gd name="connsiteY13" fmla="*/ 1433281 h 1433281"/>
+              <a:gd name="connsiteX14" fmla="*/ 1423610 w 8541658"/>
+              <a:gd name="connsiteY14" fmla="*/ 1288876 h 1433281"/>
+              <a:gd name="connsiteX15" fmla="*/ 214817 w 8541658"/>
+              <a:gd name="connsiteY15" fmla="*/ 1288876 h 1433281"/>
+              <a:gd name="connsiteX16" fmla="*/ 0 w 8541658"/>
+              <a:gd name="connsiteY16" fmla="*/ 1074059 h 1433281"/>
+              <a:gd name="connsiteX17" fmla="*/ 0 w 8541658"/>
+              <a:gd name="connsiteY17" fmla="*/ 1074063 h 1433281"/>
+              <a:gd name="connsiteX18" fmla="*/ 0 w 8541658"/>
+              <a:gd name="connsiteY18" fmla="*/ 751844 h 1433281"/>
+              <a:gd name="connsiteX19" fmla="*/ 0 w 8541658"/>
+              <a:gd name="connsiteY19" fmla="*/ 751844 h 1433281"/>
+              <a:gd name="connsiteX20" fmla="*/ 0 w 8541658"/>
+              <a:gd name="connsiteY20" fmla="*/ 214817 h 1433281"/>
+            </a:gdLst>
+            <a:ahLst/>
+            <a:cxnLst>
+              <a:cxn ang="0">
+                <a:pos x="connsiteX0" y="connsiteY0"/>
+              </a:cxn>
+              <a:cxn ang="0">
+                <a:pos x="connsiteX1" y="connsiteY1"/>
+              </a:cxn>
+              <a:cxn ang="0">
+                <a:pos x="connsiteX2" y="connsiteY2"/>
+              </a:cxn>
+              <a:cxn ang="0">
+                <a:pos x="connsiteX3" y="connsiteY3"/>
+              </a:cxn>
+              <a:cxn ang="0">
+                <a:pos x="connsiteX4" y="connsiteY4"/>
+              </a:cxn>
+              <a:cxn ang="0">
+                <a:pos x="connsiteX5" y="connsiteY5"/>
+              </a:cxn>
+              <a:cxn ang="0">
+                <a:pos x="connsiteX6" y="connsiteY6"/>
+              </a:cxn>
+              <a:cxn ang="0">
+                <a:pos x="connsiteX7" y="connsiteY7"/>
+              </a:cxn>
+              <a:cxn ang="0">
+                <a:pos x="connsiteX8" y="connsiteY8"/>
+              </a:cxn>
+              <a:cxn ang="0">
+                <a:pos x="connsiteX9" y="connsiteY9"/>
+              </a:cxn>
+              <a:cxn ang="0">
+                <a:pos x="connsiteX10" y="connsiteY10"/>
+              </a:cxn>
+              <a:cxn ang="0">
+                <a:pos x="connsiteX11" y="connsiteY11"/>
+              </a:cxn>
+              <a:cxn ang="0">
+                <a:pos x="connsiteX12" y="connsiteY12"/>
+              </a:cxn>
+              <a:cxn ang="0">
+                <a:pos x="connsiteX13" y="connsiteY13"/>
+              </a:cxn>
+              <a:cxn ang="0">
+                <a:pos x="connsiteX14" y="connsiteY14"/>
+              </a:cxn>
+              <a:cxn ang="0">
+                <a:pos x="connsiteX15" y="connsiteY15"/>
+              </a:cxn>
+              <a:cxn ang="0">
+                <a:pos x="connsiteX16" y="connsiteY16"/>
+              </a:cxn>
+              <a:cxn ang="0">
+                <a:pos x="connsiteX17" y="connsiteY17"/>
+              </a:cxn>
+              <a:cxn ang="0">
+                <a:pos x="connsiteX18" y="connsiteY18"/>
+              </a:cxn>
+              <a:cxn ang="0">
+                <a:pos x="connsiteX19" y="connsiteY19"/>
+              </a:cxn>
+              <a:cxn ang="0">
+                <a:pos x="connsiteX20" y="connsiteY20"/>
+              </a:cxn>
+            </a:cxnLst>
+            <a:rect l="l" t="t" r="r" b="b"/>
+            <a:pathLst>
+              <a:path w="8541658" h="1433281">
+                <a:moveTo>
+                  <a:pt x="0" y="214817"/>
+                </a:moveTo>
+                <a:cubicBezTo>
+                  <a:pt x="0" y="96177"/>
+                  <a:pt x="96177" y="0"/>
+                  <a:pt x="214817" y="0"/>
+                </a:cubicBezTo>
+                <a:lnTo>
+                  <a:pt x="1423610" y="0"/>
+                </a:lnTo>
+                <a:lnTo>
+                  <a:pt x="1423610" y="0"/>
+                </a:lnTo>
+                <a:lnTo>
+                  <a:pt x="3559024" y="0"/>
+                </a:lnTo>
+                <a:lnTo>
+                  <a:pt x="8326841" y="0"/>
+                </a:lnTo>
+                <a:cubicBezTo>
+                  <a:pt x="8445481" y="0"/>
+                  <a:pt x="8541658" y="96177"/>
+                  <a:pt x="8541658" y="214817"/>
+                </a:cubicBezTo>
+                <a:lnTo>
+                  <a:pt x="8541658" y="751844"/>
+                </a:lnTo>
+                <a:lnTo>
+                  <a:pt x="8541658" y="751844"/>
+                </a:lnTo>
+                <a:lnTo>
+                  <a:pt x="8541658" y="1074063"/>
+                </a:lnTo>
+                <a:lnTo>
+                  <a:pt x="8541658" y="1074059"/>
+                </a:lnTo>
+                <a:cubicBezTo>
+                  <a:pt x="8541658" y="1192699"/>
+                  <a:pt x="8445481" y="1288876"/>
+                  <a:pt x="8326841" y="1288876"/>
+                </a:cubicBezTo>
+                <a:lnTo>
+                  <a:pt x="1852144" y="1288876"/>
+                </a:lnTo>
+                <a:lnTo>
+                  <a:pt x="1864467" y="1433281"/>
+                </a:lnTo>
+                <a:lnTo>
+                  <a:pt x="1423610" y="1288876"/>
+                </a:lnTo>
+                <a:lnTo>
+                  <a:pt x="214817" y="1288876"/>
+                </a:lnTo>
+                <a:cubicBezTo>
+                  <a:pt x="96177" y="1288876"/>
+                  <a:pt x="0" y="1192699"/>
+                  <a:pt x="0" y="1074059"/>
+                </a:cubicBezTo>
+                <a:lnTo>
+                  <a:pt x="0" y="1074063"/>
+                </a:lnTo>
+                <a:lnTo>
+                  <a:pt x="0" y="751844"/>
+                </a:lnTo>
+                <a:lnTo>
+                  <a:pt x="0" y="751844"/>
+                </a:lnTo>
+                <a:lnTo>
+                  <a:pt x="0" y="214817"/>
+                </a:lnTo>
+                <a:close/>
+              </a:path>
+            </a:pathLst>
+          </a:custGeom>
+          <a:solidFill>
+            <a:srgbClr val="03C924"/>
+          </a:solidFill>
+          <a:ln>
+            <a:noFill/>
           </a:ln>
         </p:spPr>
         <p:style>
@@ -3942,547 +4806,81 @@
           </a:fontRef>
         </p:style>
         <p:txBody>
-          <a:bodyPr rtlCol="0" anchor="t" anchorCtr="0"/>
-          <a:lstStyle/>
-          <a:p>
-            <a:r>
-              <a:rPr lang="ja-JP" altLang="en-US" sz="1600" dirty="0" smtClean="0">
-                <a:solidFill>
-                  <a:schemeClr val="tx1"/>
-                </a:solidFill>
+          <a:bodyPr lIns="143983" tIns="143983" rIns="143983" bIns="0" rtlCol="0" anchor="ctr"/>
+          <a:lstStyle/>
+          <a:p>
+            <a:r>
+              <a:rPr lang="ja-JP" altLang="en-US" b="1" dirty="0">
+                <a:ea typeface="ＭＳ ゴシック" panose="020B0609070205080204" pitchFamily="49" charset="-128"/>
               </a:rPr>
-              <a:t>リモートレポジトリ</a:t>
-            </a:r>
-            <a:endParaRPr kumimoji="1" lang="ja-JP" altLang="en-US" sz="1600" dirty="0">
-              <a:solidFill>
-                <a:schemeClr val="tx1"/>
-              </a:solidFill>
+              <a:t>上のスライドの</a:t>
+            </a:r>
+            <a:r>
+              <a:rPr lang="en-US" altLang="ja-JP" b="1" dirty="0">
+                <a:ea typeface="ＭＳ ゴシック" panose="020B0609070205080204" pitchFamily="49" charset="-128"/>
+              </a:rPr>
+              <a:t>3</a:t>
+            </a:r>
+            <a:r>
+              <a:rPr lang="ja-JP" altLang="en-US" b="1" dirty="0">
+                <a:ea typeface="ＭＳ ゴシック" panose="020B0609070205080204" pitchFamily="49" charset="-128"/>
+              </a:rPr>
+              <a:t>ページ目の状態。</a:t>
+            </a:r>
+          </a:p>
+          <a:p>
+            <a:r>
+              <a:rPr lang="ja-JP" altLang="en-US" b="1" dirty="0" smtClean="0">
+                <a:ea typeface="ＭＳ ゴシック" panose="020B0609070205080204" pitchFamily="49" charset="-128"/>
+              </a:rPr>
+              <a:t>リモートリポジトリとローカルリポジトリの</a:t>
+            </a:r>
+            <a:r>
+              <a:rPr lang="ja-JP" altLang="en-US" b="1" dirty="0">
+                <a:ea typeface="ＭＳ ゴシック" panose="020B0609070205080204" pitchFamily="49" charset="-128"/>
+              </a:rPr>
+              <a:t>コミットグラフ</a:t>
+            </a:r>
+            <a:r>
+              <a:rPr lang="ja-JP" altLang="en-US" b="1" dirty="0" smtClean="0">
+                <a:ea typeface="ＭＳ ゴシック" panose="020B0609070205080204" pitchFamily="49" charset="-128"/>
+              </a:rPr>
+              <a:t>が</a:t>
+            </a:r>
+            <a:endParaRPr lang="en-US" altLang="ja-JP" b="1" dirty="0" smtClean="0">
+              <a:ea typeface="ＭＳ ゴシック" panose="020B0609070205080204" pitchFamily="49" charset="-128"/>
             </a:endParaRPr>
           </a:p>
-        </p:txBody>
-      </p:sp>
-      <p:sp>
-        <p:nvSpPr>
-          <p:cNvPr id="31" name="正方形/長方形 30"/>
-          <p:cNvSpPr/>
-          <p:nvPr/>
-        </p:nvSpPr>
-        <p:spPr>
-          <a:xfrm>
-            <a:off x="395536" y="4160467"/>
-            <a:ext cx="8352928" cy="2508893"/>
-          </a:xfrm>
-          <a:prstGeom prst="rect">
-            <a:avLst/>
-          </a:prstGeom>
-          <a:noFill/>
-          <a:ln>
-            <a:solidFill>
-              <a:schemeClr val="tx1"/>
-            </a:solidFill>
-            <a:prstDash val="sysDash"/>
-          </a:ln>
-        </p:spPr>
-        <p:style>
-          <a:lnRef idx="2">
-            <a:schemeClr val="accent1">
-              <a:shade val="50000"/>
-            </a:schemeClr>
-          </a:lnRef>
-          <a:fillRef idx="1">
-            <a:schemeClr val="accent1"/>
-          </a:fillRef>
-          <a:effectRef idx="0">
-            <a:schemeClr val="accent1"/>
-          </a:effectRef>
-          <a:fontRef idx="minor">
-            <a:schemeClr val="lt1"/>
-          </a:fontRef>
-        </p:style>
-        <p:txBody>
-          <a:bodyPr rtlCol="0" anchor="t" anchorCtr="0"/>
-          <a:lstStyle/>
-          <a:p>
-            <a:r>
-              <a:rPr lang="ja-JP" altLang="en-US" sz="1600" dirty="0" smtClean="0">
-                <a:solidFill>
-                  <a:schemeClr val="tx1"/>
-                </a:solidFill>
+          <a:p>
+            <a:r>
+              <a:rPr lang="ja-JP" altLang="en-US" b="1" dirty="0" smtClean="0">
+                <a:ea typeface="ＭＳ ゴシック" panose="020B0609070205080204" pitchFamily="49" charset="-128"/>
               </a:rPr>
-              <a:t>ローカルレポジトリ</a:t>
-            </a:r>
-            <a:endParaRPr kumimoji="1" lang="ja-JP" altLang="en-US" sz="1600" dirty="0">
-              <a:solidFill>
-                <a:schemeClr val="tx1"/>
-              </a:solidFill>
+              <a:t>それぞれ</a:t>
+            </a:r>
+            <a:r>
+              <a:rPr lang="ja-JP" altLang="en-US" b="1" dirty="0">
+                <a:ea typeface="ＭＳ ゴシック" panose="020B0609070205080204" pitchFamily="49" charset="-128"/>
+              </a:rPr>
+              <a:t>成長している</a:t>
+            </a:r>
+            <a:r>
+              <a:rPr lang="ja-JP" altLang="en-US" b="1" dirty="0" smtClean="0">
+                <a:ea typeface="ＭＳ ゴシック" panose="020B0609070205080204" pitchFamily="49" charset="-128"/>
+              </a:rPr>
+              <a:t>。</a:t>
+            </a:r>
+            <a:endParaRPr lang="en-US" altLang="ja-JP" b="1" dirty="0" smtClean="0">
+              <a:ea typeface="ＭＳ ゴシック" panose="020B0609070205080204" pitchFamily="49" charset="-128"/>
             </a:endParaRPr>
           </a:p>
-        </p:txBody>
-      </p:sp>
-      <p:sp>
-        <p:nvSpPr>
-          <p:cNvPr id="50" name="円/楕円 49"/>
-          <p:cNvSpPr/>
-          <p:nvPr/>
-        </p:nvSpPr>
-        <p:spPr>
-          <a:xfrm>
-            <a:off x="1556932" y="2045569"/>
-            <a:ext cx="540000" cy="540000"/>
-          </a:xfrm>
-          <a:prstGeom prst="ellipse">
-            <a:avLst/>
-          </a:prstGeom>
-        </p:spPr>
-        <p:style>
-          <a:lnRef idx="2">
-            <a:schemeClr val="accent2">
-              <a:shade val="50000"/>
-            </a:schemeClr>
-          </a:lnRef>
-          <a:fillRef idx="1">
-            <a:schemeClr val="accent2"/>
-          </a:fillRef>
-          <a:effectRef idx="0">
-            <a:schemeClr val="accent2"/>
-          </a:effectRef>
-          <a:fontRef idx="minor">
-            <a:schemeClr val="lt1"/>
-          </a:fontRef>
-        </p:style>
-        <p:txBody>
-          <a:bodyPr rtlCol="0" anchor="ctr"/>
-          <a:lstStyle/>
-          <a:p>
-            <a:pPr algn="ctr"/>
-            <a:r>
-              <a:rPr kumimoji="1" lang="en-US" altLang="ja-JP" dirty="0" smtClean="0"/>
-              <a:t>A</a:t>
-            </a:r>
-            <a:endParaRPr kumimoji="1" lang="ja-JP" altLang="en-US" dirty="0"/>
-          </a:p>
-        </p:txBody>
-      </p:sp>
-      <p:cxnSp>
-        <p:nvCxnSpPr>
-          <p:cNvPr id="51" name="直線矢印コネクタ 50"/>
-          <p:cNvCxnSpPr>
-            <a:stCxn id="52" idx="2"/>
-            <a:endCxn id="50" idx="6"/>
-          </p:cNvCxnSpPr>
-          <p:nvPr/>
-        </p:nvCxnSpPr>
-        <p:spPr>
-          <a:xfrm flipH="1">
-            <a:off x="2096932" y="2315569"/>
-            <a:ext cx="432168" cy="0"/>
-          </a:xfrm>
-          <a:prstGeom prst="straightConnector1">
-            <a:avLst/>
-          </a:prstGeom>
-          <a:ln w="19050">
-            <a:solidFill>
-              <a:schemeClr val="tx1"/>
-            </a:solidFill>
-            <a:prstDash val="sysDash"/>
-            <a:tailEnd type="triangle" w="lg" len="med"/>
-          </a:ln>
-        </p:spPr>
-        <p:style>
-          <a:lnRef idx="1">
-            <a:schemeClr val="accent1"/>
-          </a:lnRef>
-          <a:fillRef idx="0">
-            <a:schemeClr val="accent1"/>
-          </a:fillRef>
-          <a:effectRef idx="0">
-            <a:schemeClr val="accent1"/>
-          </a:effectRef>
-          <a:fontRef idx="minor">
-            <a:schemeClr val="tx1"/>
-          </a:fontRef>
-        </p:style>
-      </p:cxnSp>
-      <p:sp>
-        <p:nvSpPr>
-          <p:cNvPr id="52" name="円/楕円 51"/>
-          <p:cNvSpPr/>
-          <p:nvPr/>
-        </p:nvSpPr>
-        <p:spPr>
-          <a:xfrm>
-            <a:off x="2529100" y="2045569"/>
-            <a:ext cx="540000" cy="540000"/>
-          </a:xfrm>
-          <a:prstGeom prst="ellipse">
-            <a:avLst/>
-          </a:prstGeom>
-        </p:spPr>
-        <p:style>
-          <a:lnRef idx="2">
-            <a:schemeClr val="accent2">
-              <a:shade val="50000"/>
-            </a:schemeClr>
-          </a:lnRef>
-          <a:fillRef idx="1">
-            <a:schemeClr val="accent2"/>
-          </a:fillRef>
-          <a:effectRef idx="0">
-            <a:schemeClr val="accent2"/>
-          </a:effectRef>
-          <a:fontRef idx="minor">
-            <a:schemeClr val="lt1"/>
-          </a:fontRef>
-        </p:style>
-        <p:txBody>
-          <a:bodyPr rtlCol="0" anchor="ctr"/>
-          <a:lstStyle/>
-          <a:p>
-            <a:pPr algn="ctr"/>
-            <a:r>
-              <a:rPr kumimoji="1" lang="en-US" altLang="ja-JP" dirty="0" smtClean="0"/>
-              <a:t>B</a:t>
-            </a:r>
-            <a:endParaRPr kumimoji="1" lang="ja-JP" altLang="en-US" dirty="0"/>
-          </a:p>
-        </p:txBody>
-      </p:sp>
-      <p:sp>
-        <p:nvSpPr>
-          <p:cNvPr id="53" name="円/楕円 52"/>
-          <p:cNvSpPr/>
-          <p:nvPr/>
-        </p:nvSpPr>
-        <p:spPr>
-          <a:xfrm>
-            <a:off x="3501268" y="2045569"/>
-            <a:ext cx="540000" cy="540000"/>
-          </a:xfrm>
-          <a:prstGeom prst="ellipse">
-            <a:avLst/>
-          </a:prstGeom>
-        </p:spPr>
-        <p:style>
-          <a:lnRef idx="2">
-            <a:schemeClr val="accent2">
-              <a:shade val="50000"/>
-            </a:schemeClr>
-          </a:lnRef>
-          <a:fillRef idx="1">
-            <a:schemeClr val="accent2"/>
-          </a:fillRef>
-          <a:effectRef idx="0">
-            <a:schemeClr val="accent2"/>
-          </a:effectRef>
-          <a:fontRef idx="minor">
-            <a:schemeClr val="lt1"/>
-          </a:fontRef>
-        </p:style>
-        <p:txBody>
-          <a:bodyPr rtlCol="0" anchor="ctr"/>
-          <a:lstStyle/>
-          <a:p>
-            <a:pPr algn="ctr"/>
-            <a:r>
-              <a:rPr kumimoji="1" lang="en-US" altLang="ja-JP" dirty="0" smtClean="0"/>
-              <a:t>C</a:t>
-            </a:r>
-            <a:endParaRPr kumimoji="1" lang="ja-JP" altLang="en-US" dirty="0"/>
-          </a:p>
-        </p:txBody>
-      </p:sp>
-      <p:cxnSp>
-        <p:nvCxnSpPr>
-          <p:cNvPr id="54" name="直線矢印コネクタ 53"/>
-          <p:cNvCxnSpPr>
-            <a:stCxn id="53" idx="2"/>
-            <a:endCxn id="52" idx="6"/>
-          </p:cNvCxnSpPr>
-          <p:nvPr/>
-        </p:nvCxnSpPr>
-        <p:spPr>
-          <a:xfrm flipH="1">
-            <a:off x="3069100" y="2315569"/>
-            <a:ext cx="432168" cy="0"/>
-          </a:xfrm>
-          <a:prstGeom prst="straightConnector1">
-            <a:avLst/>
-          </a:prstGeom>
-          <a:ln w="19050">
-            <a:solidFill>
-              <a:schemeClr val="tx1"/>
-            </a:solidFill>
-            <a:prstDash val="sysDash"/>
-            <a:tailEnd type="triangle" w="lg" len="med"/>
-          </a:ln>
-        </p:spPr>
-        <p:style>
-          <a:lnRef idx="1">
-            <a:schemeClr val="accent1"/>
-          </a:lnRef>
-          <a:fillRef idx="0">
-            <a:schemeClr val="accent1"/>
-          </a:fillRef>
-          <a:effectRef idx="0">
-            <a:schemeClr val="accent1"/>
-          </a:effectRef>
-          <a:fontRef idx="minor">
-            <a:schemeClr val="tx1"/>
-          </a:fontRef>
-        </p:style>
-      </p:cxnSp>
-      <p:cxnSp>
-        <p:nvCxnSpPr>
-          <p:cNvPr id="56" name="直線矢印コネクタ 55"/>
-          <p:cNvCxnSpPr>
-            <a:endCxn id="53" idx="6"/>
-          </p:cNvCxnSpPr>
-          <p:nvPr/>
-        </p:nvCxnSpPr>
-        <p:spPr>
-          <a:xfrm flipH="1">
-            <a:off x="4041268" y="2315569"/>
-            <a:ext cx="414106" cy="0"/>
-          </a:xfrm>
-          <a:prstGeom prst="straightConnector1">
-            <a:avLst/>
-          </a:prstGeom>
-          <a:ln w="19050">
-            <a:solidFill>
-              <a:schemeClr val="tx1"/>
-            </a:solidFill>
-            <a:prstDash val="sysDash"/>
-            <a:tailEnd type="triangle" w="lg" len="med"/>
-          </a:ln>
-        </p:spPr>
-        <p:style>
-          <a:lnRef idx="1">
-            <a:schemeClr val="accent1"/>
-          </a:lnRef>
-          <a:fillRef idx="0">
-            <a:schemeClr val="accent1"/>
-          </a:fillRef>
-          <a:effectRef idx="0">
-            <a:schemeClr val="accent1"/>
-          </a:effectRef>
-          <a:fontRef idx="minor">
-            <a:schemeClr val="tx1"/>
-          </a:fontRef>
-        </p:style>
-      </p:cxnSp>
-      <p:cxnSp>
-        <p:nvCxnSpPr>
-          <p:cNvPr id="57" name="直線矢印コネクタ 56"/>
-          <p:cNvCxnSpPr>
-            <a:stCxn id="58" idx="1"/>
-          </p:cNvCxnSpPr>
-          <p:nvPr/>
-        </p:nvCxnSpPr>
-        <p:spPr>
-          <a:xfrm flipH="1">
-            <a:off x="5706507" y="1745170"/>
-            <a:ext cx="428406" cy="273420"/>
-          </a:xfrm>
-          <a:prstGeom prst="straightConnector1">
-            <a:avLst/>
-          </a:prstGeom>
-          <a:ln w="19050">
-            <a:solidFill>
-              <a:schemeClr val="tx1"/>
-            </a:solidFill>
-            <a:prstDash val="sysDash"/>
-            <a:tailEnd type="triangle" w="lg" len="med"/>
-          </a:ln>
-        </p:spPr>
-        <p:style>
-          <a:lnRef idx="1">
-            <a:schemeClr val="accent1"/>
-          </a:lnRef>
-          <a:fillRef idx="0">
-            <a:schemeClr val="accent1"/>
-          </a:fillRef>
-          <a:effectRef idx="0">
-            <a:schemeClr val="accent1"/>
-          </a:effectRef>
-          <a:fontRef idx="minor">
-            <a:schemeClr val="tx1"/>
-          </a:fontRef>
-        </p:style>
-      </p:cxnSp>
-      <p:sp>
-        <p:nvSpPr>
-          <p:cNvPr id="58" name="正方形/長方形 57"/>
-          <p:cNvSpPr/>
-          <p:nvPr/>
-        </p:nvSpPr>
-        <p:spPr>
-          <a:xfrm>
-            <a:off x="6134913" y="1601154"/>
-            <a:ext cx="936044" cy="288032"/>
-          </a:xfrm>
-          <a:prstGeom prst="rect">
-            <a:avLst/>
-          </a:prstGeom>
-          <a:ln>
-            <a:prstDash val="sysDash"/>
-          </a:ln>
-        </p:spPr>
-        <p:style>
-          <a:lnRef idx="2">
-            <a:schemeClr val="accent5">
-              <a:shade val="50000"/>
-            </a:schemeClr>
-          </a:lnRef>
-          <a:fillRef idx="1">
-            <a:schemeClr val="accent5"/>
-          </a:fillRef>
-          <a:effectRef idx="0">
-            <a:schemeClr val="accent5"/>
-          </a:effectRef>
-          <a:fontRef idx="minor">
-            <a:schemeClr val="lt1"/>
-          </a:fontRef>
-        </p:style>
-        <p:txBody>
-          <a:bodyPr rtlCol="0" anchor="ctr"/>
-          <a:lstStyle/>
-          <a:p>
-            <a:pPr algn="ctr"/>
-            <a:r>
-              <a:rPr kumimoji="1" lang="en-US" altLang="ja-JP" dirty="0" smtClean="0"/>
-              <a:t>master</a:t>
-            </a:r>
-            <a:endParaRPr kumimoji="1" lang="ja-JP" altLang="en-US" dirty="0"/>
-          </a:p>
-        </p:txBody>
-      </p:sp>
-      <p:sp>
-        <p:nvSpPr>
-          <p:cNvPr id="61" name="円/楕円 60"/>
-          <p:cNvSpPr/>
-          <p:nvPr/>
-        </p:nvSpPr>
-        <p:spPr>
-          <a:xfrm>
-            <a:off x="4480634" y="2045569"/>
-            <a:ext cx="540000" cy="540000"/>
-          </a:xfrm>
-          <a:prstGeom prst="ellipse">
-            <a:avLst/>
-          </a:prstGeom>
-        </p:spPr>
-        <p:style>
-          <a:lnRef idx="2">
-            <a:schemeClr val="accent2">
-              <a:shade val="50000"/>
-            </a:schemeClr>
-          </a:lnRef>
-          <a:fillRef idx="1">
-            <a:schemeClr val="accent2"/>
-          </a:fillRef>
-          <a:effectRef idx="0">
-            <a:schemeClr val="accent2"/>
-          </a:effectRef>
-          <a:fontRef idx="minor">
-            <a:schemeClr val="lt1"/>
-          </a:fontRef>
-        </p:style>
-        <p:txBody>
-          <a:bodyPr rtlCol="0" anchor="ctr"/>
-          <a:lstStyle/>
-          <a:p>
-            <a:pPr algn="ctr"/>
-            <a:r>
-              <a:rPr kumimoji="1" lang="en-US" altLang="ja-JP" dirty="0" smtClean="0"/>
-              <a:t>X</a:t>
-            </a:r>
-            <a:endParaRPr kumimoji="1" lang="ja-JP" altLang="en-US" dirty="0"/>
-          </a:p>
-        </p:txBody>
-      </p:sp>
-      <p:sp>
-        <p:nvSpPr>
-          <p:cNvPr id="63" name="円/楕円 62"/>
-          <p:cNvSpPr/>
-          <p:nvPr/>
-        </p:nvSpPr>
-        <p:spPr>
-          <a:xfrm>
-            <a:off x="5432875" y="2045569"/>
-            <a:ext cx="540000" cy="540000"/>
-          </a:xfrm>
-          <a:prstGeom prst="ellipse">
-            <a:avLst/>
-          </a:prstGeom>
-        </p:spPr>
-        <p:style>
-          <a:lnRef idx="2">
-            <a:schemeClr val="accent2">
-              <a:shade val="50000"/>
-            </a:schemeClr>
-          </a:lnRef>
-          <a:fillRef idx="1">
-            <a:schemeClr val="accent2"/>
-          </a:fillRef>
-          <a:effectRef idx="0">
-            <a:schemeClr val="accent2"/>
-          </a:effectRef>
-          <a:fontRef idx="minor">
-            <a:schemeClr val="lt1"/>
-          </a:fontRef>
-        </p:style>
-        <p:txBody>
-          <a:bodyPr rtlCol="0" anchor="ctr"/>
-          <a:lstStyle/>
-          <a:p>
-            <a:pPr algn="ctr"/>
-            <a:r>
-              <a:rPr kumimoji="1" lang="en-US" altLang="ja-JP" dirty="0" smtClean="0"/>
-              <a:t>Y</a:t>
-            </a:r>
-            <a:endParaRPr kumimoji="1" lang="ja-JP" altLang="en-US" dirty="0"/>
-          </a:p>
-        </p:txBody>
-      </p:sp>
-      <p:cxnSp>
-        <p:nvCxnSpPr>
-          <p:cNvPr id="64" name="直線矢印コネクタ 63"/>
-          <p:cNvCxnSpPr>
-            <a:stCxn id="63" idx="2"/>
-          </p:cNvCxnSpPr>
-          <p:nvPr/>
-        </p:nvCxnSpPr>
-        <p:spPr>
-          <a:xfrm flipH="1">
-            <a:off x="5018769" y="2315569"/>
-            <a:ext cx="414106" cy="0"/>
-          </a:xfrm>
-          <a:prstGeom prst="straightConnector1">
-            <a:avLst/>
-          </a:prstGeom>
-          <a:ln w="19050">
-            <a:solidFill>
-              <a:schemeClr val="tx1"/>
-            </a:solidFill>
-            <a:prstDash val="sysDash"/>
-            <a:tailEnd type="triangle" w="lg" len="med"/>
-          </a:ln>
-        </p:spPr>
-        <p:style>
-          <a:lnRef idx="1">
-            <a:schemeClr val="accent1"/>
-          </a:lnRef>
-          <a:fillRef idx="0">
-            <a:schemeClr val="accent1"/>
-          </a:fillRef>
-          <a:effectRef idx="0">
-            <a:schemeClr val="accent1"/>
-          </a:effectRef>
-          <a:fontRef idx="minor">
-            <a:schemeClr val="tx1"/>
-          </a:fontRef>
-        </p:style>
-      </p:cxnSp>
+          <a:p>
+            <a:endParaRPr lang="ja-JP" altLang="en-US" b="1" dirty="0">
+              <a:ea typeface="ＭＳ ゴシック" panose="020B0609070205080204" pitchFamily="49" charset="-128"/>
+            </a:endParaRPr>
+          </a:p>
+        </p:txBody>
+      </p:sp>
     </p:spTree>
     <p:extLst>
       <p:ext uri="{BB962C8B-B14F-4D97-AF65-F5344CB8AC3E}">
@@ -4515,18 +4913,85 @@
       </p:grpSpPr>
       <p:sp>
         <p:nvSpPr>
-          <p:cNvPr id="21" name="円/楕円 20"/>
+          <p:cNvPr id="34" name="正方形/長方形 33"/>
           <p:cNvSpPr/>
           <p:nvPr/>
         </p:nvSpPr>
         <p:spPr>
           <a:xfrm>
-            <a:off x="1554987" y="4741592"/>
+            <a:off x="395536" y="4260185"/>
+            <a:ext cx="8352928" cy="2508893"/>
+          </a:xfrm>
+          <a:prstGeom prst="rect">
+            <a:avLst/>
+          </a:prstGeom>
+          <a:solidFill>
+            <a:srgbClr val="F8AD3E"/>
+          </a:solidFill>
+          <a:ln>
+            <a:noFill/>
+          </a:ln>
+        </p:spPr>
+        <p:style>
+          <a:lnRef idx="2">
+            <a:schemeClr val="accent5">
+              <a:shade val="50000"/>
+            </a:schemeClr>
+          </a:lnRef>
+          <a:fillRef idx="1">
+            <a:schemeClr val="accent5"/>
+          </a:fillRef>
+          <a:effectRef idx="0">
+            <a:schemeClr val="accent5"/>
+          </a:effectRef>
+          <a:fontRef idx="minor">
+            <a:schemeClr val="lt1"/>
+          </a:fontRef>
+        </p:style>
+        <p:txBody>
+          <a:bodyPr rtlCol="0" anchor="t" anchorCtr="0"/>
+          <a:lstStyle/>
+          <a:p>
+            <a:r>
+              <a:rPr lang="ja-JP" altLang="en-US" b="1" dirty="0">
+                <a:solidFill>
+                  <a:schemeClr val="bg1"/>
+                </a:solidFill>
+                <a:latin typeface="ＭＳ ゴシック" panose="020B0609070205080204" pitchFamily="49" charset="-128"/>
+                <a:ea typeface="ＭＳ ゴシック" panose="020B0609070205080204" pitchFamily="49" charset="-128"/>
+              </a:rPr>
+              <a:t>ローカルリポジトリ</a:t>
+            </a:r>
+            <a:endParaRPr lang="ja-JP" altLang="en-US" b="1" dirty="0">
+              <a:solidFill>
+                <a:schemeClr val="bg1"/>
+              </a:solidFill>
+              <a:latin typeface="ＭＳ ゴシック" panose="020B0609070205080204" pitchFamily="49" charset="-128"/>
+              <a:ea typeface="ＭＳ ゴシック" panose="020B0609070205080204" pitchFamily="49" charset="-128"/>
+            </a:endParaRPr>
+          </a:p>
+        </p:txBody>
+      </p:sp>
+      <p:sp>
+        <p:nvSpPr>
+          <p:cNvPr id="35" name="円/楕円 34"/>
+          <p:cNvSpPr/>
+          <p:nvPr/>
+        </p:nvSpPr>
+        <p:spPr>
+          <a:xfrm>
+            <a:off x="1554987" y="4841310"/>
             <a:ext cx="540000" cy="540000"/>
           </a:xfrm>
           <a:prstGeom prst="ellipse">
             <a:avLst/>
           </a:prstGeom>
+          <a:solidFill>
+            <a:srgbClr val="FF0066"/>
+          </a:solidFill>
+          <a:ln>
+            <a:noFill/>
+          </a:ln>
         </p:spPr>
         <p:style>
           <a:lnRef idx="2">
@@ -4545,40 +5010,40 @@
           </a:fontRef>
         </p:style>
         <p:txBody>
-          <a:bodyPr rtlCol="0" anchor="ctr"/>
-          <a:lstStyle/>
-          <a:p>
-            <a:pPr algn="ctr"/>
-            <a:r>
-              <a:rPr kumimoji="1" lang="en-US" altLang="ja-JP" dirty="0" smtClean="0"/>
+          <a:bodyPr lIns="91429" tIns="45715" rIns="91429" bIns="45715" rtlCol="0" anchor="ctr"/>
+          <a:lstStyle/>
+          <a:p>
+            <a:pPr algn="ctr" defTabSz="914295"/>
+            <a:r>
+              <a:rPr lang="en-US" altLang="ja-JP" dirty="0"/>
               <a:t>A</a:t>
             </a:r>
-            <a:endParaRPr kumimoji="1" lang="ja-JP" altLang="en-US" dirty="0"/>
+            <a:endParaRPr lang="ja-JP" altLang="en-US" dirty="0"/>
           </a:p>
         </p:txBody>
       </p:sp>
       <p:cxnSp>
         <p:nvCxnSpPr>
-          <p:cNvPr id="22" name="直線矢印コネクタ 21"/>
+          <p:cNvPr id="36" name="直線矢印コネクタ 35"/>
           <p:cNvCxnSpPr>
-            <a:stCxn id="23" idx="2"/>
-            <a:endCxn id="21" idx="6"/>
+            <a:stCxn id="38" idx="2"/>
+            <a:endCxn id="35" idx="6"/>
           </p:cNvCxnSpPr>
           <p:nvPr/>
         </p:nvCxnSpPr>
         <p:spPr>
           <a:xfrm flipH="1">
-            <a:off x="2094987" y="5011592"/>
+            <a:off x="2094987" y="5111310"/>
             <a:ext cx="432168" cy="0"/>
           </a:xfrm>
           <a:prstGeom prst="straightConnector1">
             <a:avLst/>
           </a:prstGeom>
-          <a:ln w="19050">
+          <a:ln w="31750">
             <a:solidFill>
               <a:schemeClr val="tx1"/>
             </a:solidFill>
-            <a:prstDash val="sysDash"/>
+            <a:prstDash val="sysDot"/>
             <a:tailEnd type="triangle" w="lg" len="med"/>
           </a:ln>
         </p:spPr>
@@ -4599,18 +5064,24 @@
       </p:cxnSp>
       <p:sp>
         <p:nvSpPr>
-          <p:cNvPr id="23" name="円/楕円 22"/>
+          <p:cNvPr id="38" name="円/楕円 37"/>
           <p:cNvSpPr/>
           <p:nvPr/>
         </p:nvSpPr>
         <p:spPr>
           <a:xfrm>
-            <a:off x="2527155" y="4741592"/>
+            <a:off x="2527155" y="4841310"/>
             <a:ext cx="540000" cy="540000"/>
           </a:xfrm>
           <a:prstGeom prst="ellipse">
             <a:avLst/>
           </a:prstGeom>
+          <a:solidFill>
+            <a:srgbClr val="FF0066"/>
+          </a:solidFill>
+          <a:ln>
+            <a:noFill/>
+          </a:ln>
         </p:spPr>
         <p:style>
           <a:lnRef idx="2">
@@ -4629,32 +5100,38 @@
           </a:fontRef>
         </p:style>
         <p:txBody>
-          <a:bodyPr rtlCol="0" anchor="ctr"/>
-          <a:lstStyle/>
-          <a:p>
-            <a:pPr algn="ctr"/>
-            <a:r>
-              <a:rPr kumimoji="1" lang="en-US" altLang="ja-JP" dirty="0" smtClean="0"/>
+          <a:bodyPr lIns="91429" tIns="45715" rIns="91429" bIns="45715" rtlCol="0" anchor="ctr"/>
+          <a:lstStyle/>
+          <a:p>
+            <a:pPr algn="ctr" defTabSz="914295"/>
+            <a:r>
+              <a:rPr lang="en-US" altLang="ja-JP" dirty="0"/>
               <a:t>B</a:t>
             </a:r>
-            <a:endParaRPr kumimoji="1" lang="ja-JP" altLang="en-US" dirty="0"/>
-          </a:p>
-        </p:txBody>
-      </p:sp>
-      <p:sp>
-        <p:nvSpPr>
-          <p:cNvPr id="24" name="円/楕円 23"/>
+            <a:endParaRPr lang="ja-JP" altLang="en-US" dirty="0"/>
+          </a:p>
+        </p:txBody>
+      </p:sp>
+      <p:sp>
+        <p:nvSpPr>
+          <p:cNvPr id="39" name="円/楕円 38"/>
           <p:cNvSpPr/>
           <p:nvPr/>
         </p:nvSpPr>
         <p:spPr>
           <a:xfrm>
-            <a:off x="3499323" y="4741592"/>
+            <a:off x="3499323" y="4841310"/>
             <a:ext cx="540000" cy="540000"/>
           </a:xfrm>
           <a:prstGeom prst="ellipse">
             <a:avLst/>
           </a:prstGeom>
+          <a:solidFill>
+            <a:srgbClr val="FF0066"/>
+          </a:solidFill>
+          <a:ln>
+            <a:noFill/>
+          </a:ln>
         </p:spPr>
         <p:style>
           <a:lnRef idx="2">
@@ -4673,40 +5150,40 @@
           </a:fontRef>
         </p:style>
         <p:txBody>
-          <a:bodyPr rtlCol="0" anchor="ctr"/>
-          <a:lstStyle/>
-          <a:p>
-            <a:pPr algn="ctr"/>
-            <a:r>
-              <a:rPr kumimoji="1" lang="en-US" altLang="ja-JP" dirty="0" smtClean="0"/>
+          <a:bodyPr lIns="91429" tIns="45715" rIns="91429" bIns="45715" rtlCol="0" anchor="ctr"/>
+          <a:lstStyle/>
+          <a:p>
+            <a:pPr algn="ctr" defTabSz="914295"/>
+            <a:r>
+              <a:rPr lang="en-US" altLang="ja-JP" dirty="0"/>
               <a:t>C</a:t>
             </a:r>
-            <a:endParaRPr kumimoji="1" lang="ja-JP" altLang="en-US" dirty="0"/>
+            <a:endParaRPr lang="ja-JP" altLang="en-US" dirty="0"/>
           </a:p>
         </p:txBody>
       </p:sp>
       <p:cxnSp>
         <p:nvCxnSpPr>
-          <p:cNvPr id="25" name="直線矢印コネクタ 24"/>
+          <p:cNvPr id="40" name="直線矢印コネクタ 39"/>
           <p:cNvCxnSpPr>
-            <a:stCxn id="24" idx="2"/>
-            <a:endCxn id="23" idx="6"/>
+            <a:stCxn id="39" idx="2"/>
+            <a:endCxn id="38" idx="6"/>
           </p:cNvCxnSpPr>
           <p:nvPr/>
         </p:nvCxnSpPr>
         <p:spPr>
           <a:xfrm flipH="1">
-            <a:off x="3067155" y="5011592"/>
+            <a:off x="3067155" y="5111310"/>
             <a:ext cx="432168" cy="0"/>
           </a:xfrm>
           <a:prstGeom prst="straightConnector1">
             <a:avLst/>
           </a:prstGeom>
-          <a:ln w="19050">
+          <a:ln w="31750">
             <a:solidFill>
               <a:schemeClr val="tx1"/>
             </a:solidFill>
-            <a:prstDash val="sysDash"/>
+            <a:prstDash val="sysDot"/>
             <a:tailEnd type="triangle" w="lg" len="med"/>
           </a:ln>
         </p:spPr>
@@ -4727,18 +5204,24 @@
       </p:cxnSp>
       <p:sp>
         <p:nvSpPr>
-          <p:cNvPr id="28" name="円/楕円 27"/>
+          <p:cNvPr id="41" name="円/楕円 40"/>
           <p:cNvSpPr/>
           <p:nvPr/>
         </p:nvSpPr>
         <p:spPr>
           <a:xfrm>
-            <a:off x="4453429" y="4741592"/>
+            <a:off x="4453429" y="4841310"/>
             <a:ext cx="540000" cy="540000"/>
           </a:xfrm>
           <a:prstGeom prst="ellipse">
             <a:avLst/>
           </a:prstGeom>
+          <a:solidFill>
+            <a:srgbClr val="FF0066"/>
+          </a:solidFill>
+          <a:ln>
+            <a:noFill/>
+          </a:ln>
         </p:spPr>
         <p:style>
           <a:lnRef idx="2">
@@ -4757,40 +5240,40 @@
           </a:fontRef>
         </p:style>
         <p:txBody>
-          <a:bodyPr rtlCol="0" anchor="ctr"/>
-          <a:lstStyle/>
-          <a:p>
-            <a:pPr algn="ctr"/>
-            <a:r>
-              <a:rPr kumimoji="1" lang="en-US" altLang="ja-JP" dirty="0" smtClean="0"/>
+          <a:bodyPr lIns="91429" tIns="45715" rIns="91429" bIns="45715" rtlCol="0" anchor="ctr"/>
+          <a:lstStyle/>
+          <a:p>
+            <a:pPr algn="ctr" defTabSz="914295"/>
+            <a:r>
+              <a:rPr lang="en-US" altLang="ja-JP" dirty="0"/>
               <a:t>D</a:t>
             </a:r>
-            <a:endParaRPr kumimoji="1" lang="ja-JP" altLang="en-US" dirty="0"/>
+            <a:endParaRPr lang="ja-JP" altLang="en-US" dirty="0"/>
           </a:p>
         </p:txBody>
       </p:sp>
       <p:cxnSp>
         <p:nvCxnSpPr>
-          <p:cNvPr id="29" name="直線矢印コネクタ 28"/>
+          <p:cNvPr id="42" name="直線矢印コネクタ 41"/>
           <p:cNvCxnSpPr>
-            <a:stCxn id="28" idx="2"/>
-            <a:endCxn id="24" idx="6"/>
+            <a:stCxn id="41" idx="2"/>
+            <a:endCxn id="39" idx="6"/>
           </p:cNvCxnSpPr>
           <p:nvPr/>
         </p:nvCxnSpPr>
         <p:spPr>
           <a:xfrm flipH="1">
-            <a:off x="4039323" y="5011592"/>
+            <a:off x="4039323" y="5111310"/>
             <a:ext cx="414106" cy="0"/>
           </a:xfrm>
           <a:prstGeom prst="straightConnector1">
             <a:avLst/>
           </a:prstGeom>
-          <a:ln w="19050">
+          <a:ln w="31750">
             <a:solidFill>
               <a:schemeClr val="tx1"/>
             </a:solidFill>
-            <a:prstDash val="sysDash"/>
+            <a:prstDash val="sysDot"/>
             <a:tailEnd type="triangle" w="lg" len="med"/>
           </a:ln>
         </p:spPr>
@@ -4809,116 +5292,27 @@
           </a:fontRef>
         </p:style>
       </p:cxnSp>
-      <p:sp>
-        <p:nvSpPr>
-          <p:cNvPr id="37" name="テキスト ボックス 36"/>
-          <p:cNvSpPr txBox="1"/>
-          <p:nvPr/>
-        </p:nvSpPr>
-        <p:spPr>
-          <a:xfrm>
-            <a:off x="267552" y="201414"/>
-            <a:ext cx="8624928" cy="923330"/>
-          </a:xfrm>
-          <a:prstGeom prst="rect">
-            <a:avLst/>
-          </a:prstGeom>
-          <a:noFill/>
-        </p:spPr>
-        <p:txBody>
-          <a:bodyPr wrap="square" rtlCol="0">
-            <a:spAutoFit/>
-          </a:bodyPr>
-          <a:lstStyle/>
-          <a:p>
-            <a:r>
-              <a:rPr lang="ja-JP" altLang="en-US" dirty="0" smtClean="0"/>
-              <a:t>「</a:t>
-            </a:r>
-            <a:r>
-              <a:rPr lang="en-US" altLang="ja-JP" dirty="0" err="1" smtClean="0"/>
-              <a:t>git</a:t>
-            </a:r>
-            <a:r>
-              <a:rPr lang="en-US" altLang="ja-JP" dirty="0" smtClean="0"/>
-              <a:t> </a:t>
-            </a:r>
-            <a:r>
-              <a:rPr lang="en-US" altLang="ja-JP" dirty="0" smtClean="0"/>
-              <a:t>fetch</a:t>
-            </a:r>
-            <a:r>
-              <a:rPr lang="ja-JP" altLang="en-US" dirty="0" smtClean="0"/>
-              <a:t>」</a:t>
-            </a:r>
-            <a:r>
-              <a:rPr lang="ja-JP" altLang="en-US" dirty="0" smtClean="0"/>
-              <a:t>を</a:t>
-            </a:r>
-            <a:r>
-              <a:rPr lang="ja-JP" altLang="en-US" dirty="0" smtClean="0"/>
-              <a:t>実行した</a:t>
-            </a:r>
-            <a:r>
-              <a:rPr lang="ja-JP" altLang="en-US" dirty="0" smtClean="0"/>
-              <a:t>。</a:t>
-            </a:r>
-            <a:endParaRPr lang="en-US" altLang="ja-JP" dirty="0" smtClean="0"/>
-          </a:p>
-          <a:p>
-            <a:r>
-              <a:rPr lang="ja-JP" altLang="en-US" dirty="0" smtClean="0"/>
-              <a:t>リモートレポジトリで作られたコミット</a:t>
-            </a:r>
-            <a:r>
-              <a:rPr lang="en-US" altLang="ja-JP" dirty="0" smtClean="0"/>
-              <a:t>X</a:t>
-            </a:r>
-            <a:r>
-              <a:rPr lang="ja-JP" altLang="en-US" dirty="0" err="1" smtClean="0"/>
-              <a:t>、</a:t>
-            </a:r>
-            <a:r>
-              <a:rPr lang="en-US" altLang="ja-JP" dirty="0" smtClean="0"/>
-              <a:t>Y</a:t>
-            </a:r>
-            <a:r>
-              <a:rPr lang="ja-JP" altLang="en-US" dirty="0" smtClean="0"/>
-              <a:t>がローカルレポジトリの</a:t>
-            </a:r>
-            <a:r>
-              <a:rPr lang="en-US" altLang="ja-JP" dirty="0" smtClean="0"/>
-              <a:t>origin/master</a:t>
-            </a:r>
-            <a:r>
-              <a:rPr lang="ja-JP" altLang="en-US" dirty="0" smtClean="0"/>
-              <a:t>ブランチに取り込まれた。</a:t>
-            </a:r>
-            <a:endParaRPr lang="en-US" altLang="ja-JP" dirty="0" smtClean="0"/>
-          </a:p>
-        </p:txBody>
-      </p:sp>
       <p:cxnSp>
         <p:nvCxnSpPr>
-          <p:cNvPr id="26" name="直線矢印コネクタ 25"/>
+          <p:cNvPr id="47" name="直線矢印コネクタ 46"/>
           <p:cNvCxnSpPr>
-            <a:stCxn id="27" idx="1"/>
+            <a:stCxn id="48" idx="1"/>
           </p:cNvCxnSpPr>
           <p:nvPr/>
         </p:nvCxnSpPr>
         <p:spPr>
           <a:xfrm flipH="1">
-            <a:off x="4734224" y="4448499"/>
+            <a:off x="4734224" y="4548217"/>
             <a:ext cx="428406" cy="273420"/>
           </a:xfrm>
           <a:prstGeom prst="straightConnector1">
             <a:avLst/>
           </a:prstGeom>
-          <a:ln w="19050">
+          <a:ln w="31750">
             <a:solidFill>
               <a:schemeClr val="tx1"/>
             </a:solidFill>
-            <a:prstDash val="sysDash"/>
+            <a:prstDash val="sysDot"/>
             <a:tailEnd type="triangle" w="lg" len="med"/>
           </a:ln>
         </p:spPr>
@@ -4939,19 +5333,20 @@
       </p:cxnSp>
       <p:sp>
         <p:nvSpPr>
-          <p:cNvPr id="27" name="正方形/長方形 26"/>
+          <p:cNvPr id="48" name="正方形/長方形 47"/>
           <p:cNvSpPr/>
           <p:nvPr/>
         </p:nvSpPr>
         <p:spPr>
           <a:xfrm>
-            <a:off x="5162630" y="4304483"/>
+            <a:off x="5162630" y="4404201"/>
             <a:ext cx="936044" cy="288032"/>
           </a:xfrm>
           <a:prstGeom prst="rect">
             <a:avLst/>
           </a:prstGeom>
           <a:ln>
+            <a:noFill/>
             <a:prstDash val="sysDash"/>
           </a:ln>
         </p:spPr>
@@ -4972,39 +5367,39 @@
           </a:fontRef>
         </p:style>
         <p:txBody>
-          <a:bodyPr rtlCol="0" anchor="ctr"/>
-          <a:lstStyle/>
-          <a:p>
-            <a:pPr algn="ctr"/>
-            <a:r>
-              <a:rPr kumimoji="1" lang="en-US" altLang="ja-JP" dirty="0" smtClean="0"/>
+          <a:bodyPr lIns="91429" tIns="45715" rIns="91429" bIns="45715" rtlCol="0" anchor="ctr"/>
+          <a:lstStyle/>
+          <a:p>
+            <a:pPr algn="ctr" defTabSz="914295"/>
+            <a:r>
+              <a:rPr lang="en-US" altLang="ja-JP" dirty="0"/>
               <a:t>master</a:t>
             </a:r>
-            <a:endParaRPr kumimoji="1" lang="ja-JP" altLang="en-US" dirty="0"/>
+            <a:endParaRPr lang="ja-JP" altLang="en-US" dirty="0"/>
           </a:p>
         </p:txBody>
       </p:sp>
       <p:cxnSp>
         <p:nvCxnSpPr>
-          <p:cNvPr id="43" name="直線矢印コネクタ 42"/>
+          <p:cNvPr id="49" name="直線矢印コネクタ 48"/>
           <p:cNvCxnSpPr>
-            <a:stCxn id="44" idx="1"/>
+            <a:stCxn id="55" idx="1"/>
           </p:cNvCxnSpPr>
           <p:nvPr/>
         </p:nvCxnSpPr>
         <p:spPr>
           <a:xfrm flipH="1" flipV="1">
-            <a:off x="5362597" y="6163691"/>
+            <a:off x="5362597" y="6263409"/>
             <a:ext cx="370799" cy="244341"/>
           </a:xfrm>
           <a:prstGeom prst="straightConnector1">
             <a:avLst/>
           </a:prstGeom>
-          <a:ln w="19050">
+          <a:ln w="31750">
             <a:solidFill>
               <a:schemeClr val="tx1"/>
             </a:solidFill>
-            <a:prstDash val="sysDash"/>
+            <a:prstDash val="sysDot"/>
             <a:tailEnd type="triangle" w="lg" len="med"/>
           </a:ln>
         </p:spPr>
@@ -5025,19 +5420,20 @@
       </p:cxnSp>
       <p:sp>
         <p:nvSpPr>
-          <p:cNvPr id="44" name="正方形/長方形 43"/>
+          <p:cNvPr id="55" name="正方形/長方形 54"/>
           <p:cNvSpPr/>
           <p:nvPr/>
         </p:nvSpPr>
         <p:spPr>
           <a:xfrm>
-            <a:off x="5733396" y="6264016"/>
+            <a:off x="5733396" y="6363734"/>
             <a:ext cx="1470393" cy="288032"/>
           </a:xfrm>
           <a:prstGeom prst="rect">
             <a:avLst/>
           </a:prstGeom>
           <a:ln>
+            <a:noFill/>
             <a:prstDash val="sysDash"/>
           </a:ln>
         </p:spPr>
@@ -5058,38 +5454,1042 @@
           </a:fontRef>
         </p:style>
         <p:txBody>
-          <a:bodyPr rtlCol="0" anchor="ctr"/>
-          <a:lstStyle/>
-          <a:p>
-            <a:pPr algn="ctr"/>
-            <a:r>
-              <a:rPr lang="en-US" altLang="ja-JP" dirty="0" smtClean="0"/>
+          <a:bodyPr lIns="91429" tIns="45715" rIns="91429" bIns="45715" rtlCol="0" anchor="ctr"/>
+          <a:lstStyle/>
+          <a:p>
+            <a:pPr algn="ctr" defTabSz="914295"/>
+            <a:r>
+              <a:rPr lang="en-US" altLang="ja-JP" dirty="0"/>
               <a:t>origin/master</a:t>
             </a:r>
-            <a:endParaRPr kumimoji="1" lang="ja-JP" altLang="en-US" dirty="0"/>
-          </a:p>
-        </p:txBody>
-      </p:sp>
-      <p:sp>
-        <p:nvSpPr>
-          <p:cNvPr id="30" name="正方形/長方形 29"/>
+            <a:endParaRPr lang="ja-JP" altLang="en-US" dirty="0"/>
+          </a:p>
+        </p:txBody>
+      </p:sp>
+      <p:sp>
+        <p:nvSpPr>
+          <p:cNvPr id="59" name="正方形/長方形 58"/>
           <p:cNvSpPr/>
           <p:nvPr/>
         </p:nvSpPr>
         <p:spPr>
           <a:xfrm>
-            <a:off x="395536" y="1453305"/>
+            <a:off x="395536" y="1633363"/>
             <a:ext cx="8352928" cy="2515717"/>
           </a:xfrm>
           <a:prstGeom prst="rect">
             <a:avLst/>
           </a:prstGeom>
-          <a:noFill/>
+          <a:solidFill>
+            <a:srgbClr val="F7A021"/>
+          </a:solidFill>
           <a:ln>
+            <a:noFill/>
+          </a:ln>
+        </p:spPr>
+        <p:style>
+          <a:lnRef idx="2">
+            <a:schemeClr val="accent5">
+              <a:shade val="50000"/>
+            </a:schemeClr>
+          </a:lnRef>
+          <a:fillRef idx="1">
+            <a:schemeClr val="accent5"/>
+          </a:fillRef>
+          <a:effectRef idx="0">
+            <a:schemeClr val="accent5"/>
+          </a:effectRef>
+          <a:fontRef idx="minor">
+            <a:schemeClr val="lt1"/>
+          </a:fontRef>
+        </p:style>
+        <p:txBody>
+          <a:bodyPr rtlCol="0" anchor="t" anchorCtr="0"/>
+          <a:lstStyle/>
+          <a:p>
+            <a:r>
+              <a:rPr lang="ja-JP" altLang="en-US" b="1" dirty="0">
+                <a:solidFill>
+                  <a:schemeClr val="bg1"/>
+                </a:solidFill>
+                <a:latin typeface="ＭＳ ゴシック" panose="020B0609070205080204" pitchFamily="49" charset="-128"/>
+                <a:ea typeface="ＭＳ ゴシック" panose="020B0609070205080204" pitchFamily="49" charset="-128"/>
+              </a:rPr>
+              <a:t>リモートリポジトリ</a:t>
+            </a:r>
+            <a:endParaRPr lang="ja-JP" altLang="en-US" b="1" dirty="0">
+              <a:solidFill>
+                <a:schemeClr val="bg1"/>
+              </a:solidFill>
+              <a:latin typeface="ＭＳ ゴシック" panose="020B0609070205080204" pitchFamily="49" charset="-128"/>
+              <a:ea typeface="ＭＳ ゴシック" panose="020B0609070205080204" pitchFamily="49" charset="-128"/>
+            </a:endParaRPr>
+          </a:p>
+        </p:txBody>
+      </p:sp>
+      <p:sp>
+        <p:nvSpPr>
+          <p:cNvPr id="60" name="円/楕円 59"/>
+          <p:cNvSpPr/>
+          <p:nvPr/>
+        </p:nvSpPr>
+        <p:spPr>
+          <a:xfrm>
+            <a:off x="4138411" y="5708092"/>
+            <a:ext cx="540000" cy="540000"/>
+          </a:xfrm>
+          <a:prstGeom prst="ellipse">
+            <a:avLst/>
+          </a:prstGeom>
+          <a:solidFill>
+            <a:srgbClr val="FF0066"/>
+          </a:solidFill>
+          <a:ln>
+            <a:noFill/>
+          </a:ln>
+        </p:spPr>
+        <p:style>
+          <a:lnRef idx="2">
+            <a:schemeClr val="accent2">
+              <a:shade val="50000"/>
+            </a:schemeClr>
+          </a:lnRef>
+          <a:fillRef idx="1">
+            <a:schemeClr val="accent2"/>
+          </a:fillRef>
+          <a:effectRef idx="0">
+            <a:schemeClr val="accent2"/>
+          </a:effectRef>
+          <a:fontRef idx="minor">
+            <a:schemeClr val="lt1"/>
+          </a:fontRef>
+        </p:style>
+        <p:txBody>
+          <a:bodyPr lIns="91429" tIns="45715" rIns="91429" bIns="45715" rtlCol="0" anchor="ctr"/>
+          <a:lstStyle/>
+          <a:p>
+            <a:pPr algn="ctr" defTabSz="914295"/>
+            <a:r>
+              <a:rPr lang="en-US" altLang="ja-JP" dirty="0"/>
+              <a:t>X</a:t>
+            </a:r>
+            <a:endParaRPr lang="ja-JP" altLang="en-US" dirty="0"/>
+          </a:p>
+        </p:txBody>
+      </p:sp>
+      <p:cxnSp>
+        <p:nvCxnSpPr>
+          <p:cNvPr id="62" name="直線矢印コネクタ 61"/>
+          <p:cNvCxnSpPr>
+            <a:stCxn id="60" idx="1"/>
+          </p:cNvCxnSpPr>
+          <p:nvPr/>
+        </p:nvCxnSpPr>
+        <p:spPr>
+          <a:xfrm flipH="1" flipV="1">
+            <a:off x="3771268" y="5387354"/>
+            <a:ext cx="446224" cy="399819"/>
+          </a:xfrm>
+          <a:prstGeom prst="straightConnector1">
+            <a:avLst/>
+          </a:prstGeom>
+          <a:ln w="31750">
             <a:solidFill>
               <a:schemeClr val="tx1"/>
             </a:solidFill>
+            <a:prstDash val="sysDot"/>
+            <a:tailEnd type="triangle" w="lg" len="med"/>
+          </a:ln>
+        </p:spPr>
+        <p:style>
+          <a:lnRef idx="1">
+            <a:schemeClr val="accent1"/>
+          </a:lnRef>
+          <a:fillRef idx="0">
+            <a:schemeClr val="accent1"/>
+          </a:fillRef>
+          <a:effectRef idx="0">
+            <a:schemeClr val="accent1"/>
+          </a:effectRef>
+          <a:fontRef idx="minor">
+            <a:schemeClr val="tx1"/>
+          </a:fontRef>
+        </p:style>
+      </p:cxnSp>
+      <p:sp>
+        <p:nvSpPr>
+          <p:cNvPr id="65" name="円/楕円 64"/>
+          <p:cNvSpPr/>
+          <p:nvPr/>
+        </p:nvSpPr>
+        <p:spPr>
+          <a:xfrm>
+            <a:off x="5090652" y="5708092"/>
+            <a:ext cx="540000" cy="540000"/>
+          </a:xfrm>
+          <a:prstGeom prst="ellipse">
+            <a:avLst/>
+          </a:prstGeom>
+          <a:solidFill>
+            <a:srgbClr val="FF0066"/>
+          </a:solidFill>
+          <a:ln>
+            <a:noFill/>
+          </a:ln>
+        </p:spPr>
+        <p:style>
+          <a:lnRef idx="2">
+            <a:schemeClr val="accent2">
+              <a:shade val="50000"/>
+            </a:schemeClr>
+          </a:lnRef>
+          <a:fillRef idx="1">
+            <a:schemeClr val="accent2"/>
+          </a:fillRef>
+          <a:effectRef idx="0">
+            <a:schemeClr val="accent2"/>
+          </a:effectRef>
+          <a:fontRef idx="minor">
+            <a:schemeClr val="lt1"/>
+          </a:fontRef>
+        </p:style>
+        <p:txBody>
+          <a:bodyPr lIns="91429" tIns="45715" rIns="91429" bIns="45715" rtlCol="0" anchor="ctr"/>
+          <a:lstStyle/>
+          <a:p>
+            <a:pPr algn="ctr" defTabSz="914295"/>
+            <a:r>
+              <a:rPr lang="en-US" altLang="ja-JP" dirty="0"/>
+              <a:t>Y</a:t>
+            </a:r>
+            <a:endParaRPr lang="ja-JP" altLang="en-US" dirty="0"/>
+          </a:p>
+        </p:txBody>
+      </p:sp>
+      <p:cxnSp>
+        <p:nvCxnSpPr>
+          <p:cNvPr id="66" name="直線矢印コネクタ 65"/>
+          <p:cNvCxnSpPr>
+            <a:stCxn id="65" idx="2"/>
+          </p:cNvCxnSpPr>
+          <p:nvPr/>
+        </p:nvCxnSpPr>
+        <p:spPr>
+          <a:xfrm flipH="1">
+            <a:off x="4676546" y="5978092"/>
+            <a:ext cx="414106" cy="0"/>
+          </a:xfrm>
+          <a:prstGeom prst="straightConnector1">
+            <a:avLst/>
+          </a:prstGeom>
+          <a:ln w="31750">
+            <a:solidFill>
+              <a:schemeClr val="tx1"/>
+            </a:solidFill>
+            <a:prstDash val="sysDot"/>
+            <a:tailEnd type="triangle" w="lg" len="med"/>
+          </a:ln>
+        </p:spPr>
+        <p:style>
+          <a:lnRef idx="1">
+            <a:schemeClr val="accent1"/>
+          </a:lnRef>
+          <a:fillRef idx="0">
+            <a:schemeClr val="accent1"/>
+          </a:fillRef>
+          <a:effectRef idx="0">
+            <a:schemeClr val="accent1"/>
+          </a:effectRef>
+          <a:fontRef idx="minor">
+            <a:schemeClr val="tx1"/>
+          </a:fontRef>
+        </p:style>
+      </p:cxnSp>
+      <p:sp>
+        <p:nvSpPr>
+          <p:cNvPr id="67" name="円/楕円 66"/>
+          <p:cNvSpPr/>
+          <p:nvPr/>
+        </p:nvSpPr>
+        <p:spPr>
+          <a:xfrm>
+            <a:off x="1556932" y="2225627"/>
+            <a:ext cx="540000" cy="540000"/>
+          </a:xfrm>
+          <a:prstGeom prst="ellipse">
+            <a:avLst/>
+          </a:prstGeom>
+          <a:solidFill>
+            <a:srgbClr val="FF0066"/>
+          </a:solidFill>
+          <a:ln>
+            <a:noFill/>
+          </a:ln>
+        </p:spPr>
+        <p:style>
+          <a:lnRef idx="2">
+            <a:schemeClr val="accent2">
+              <a:shade val="50000"/>
+            </a:schemeClr>
+          </a:lnRef>
+          <a:fillRef idx="1">
+            <a:schemeClr val="accent2"/>
+          </a:fillRef>
+          <a:effectRef idx="0">
+            <a:schemeClr val="accent2"/>
+          </a:effectRef>
+          <a:fontRef idx="minor">
+            <a:schemeClr val="lt1"/>
+          </a:fontRef>
+        </p:style>
+        <p:txBody>
+          <a:bodyPr lIns="91429" tIns="45715" rIns="91429" bIns="45715" rtlCol="0" anchor="ctr"/>
+          <a:lstStyle/>
+          <a:p>
+            <a:pPr algn="ctr" defTabSz="914295"/>
+            <a:r>
+              <a:rPr lang="en-US" altLang="ja-JP" dirty="0"/>
+              <a:t>A</a:t>
+            </a:r>
+            <a:endParaRPr lang="ja-JP" altLang="en-US" dirty="0"/>
+          </a:p>
+        </p:txBody>
+      </p:sp>
+      <p:cxnSp>
+        <p:nvCxnSpPr>
+          <p:cNvPr id="68" name="直線矢印コネクタ 67"/>
+          <p:cNvCxnSpPr>
+            <a:stCxn id="69" idx="2"/>
+            <a:endCxn id="67" idx="6"/>
+          </p:cNvCxnSpPr>
+          <p:nvPr/>
+        </p:nvCxnSpPr>
+        <p:spPr>
+          <a:xfrm flipH="1">
+            <a:off x="2096932" y="2495627"/>
+            <a:ext cx="432168" cy="0"/>
+          </a:xfrm>
+          <a:prstGeom prst="straightConnector1">
+            <a:avLst/>
+          </a:prstGeom>
+          <a:ln w="31750">
+            <a:solidFill>
+              <a:schemeClr val="tx1"/>
+            </a:solidFill>
+            <a:prstDash val="sysDot"/>
+            <a:tailEnd type="triangle" w="lg" len="med"/>
+          </a:ln>
+        </p:spPr>
+        <p:style>
+          <a:lnRef idx="1">
+            <a:schemeClr val="accent1"/>
+          </a:lnRef>
+          <a:fillRef idx="0">
+            <a:schemeClr val="accent1"/>
+          </a:fillRef>
+          <a:effectRef idx="0">
+            <a:schemeClr val="accent1"/>
+          </a:effectRef>
+          <a:fontRef idx="minor">
+            <a:schemeClr val="tx1"/>
+          </a:fontRef>
+        </p:style>
+      </p:cxnSp>
+      <p:sp>
+        <p:nvSpPr>
+          <p:cNvPr id="69" name="円/楕円 68"/>
+          <p:cNvSpPr/>
+          <p:nvPr/>
+        </p:nvSpPr>
+        <p:spPr>
+          <a:xfrm>
+            <a:off x="2529100" y="2225627"/>
+            <a:ext cx="540000" cy="540000"/>
+          </a:xfrm>
+          <a:prstGeom prst="ellipse">
+            <a:avLst/>
+          </a:prstGeom>
+          <a:solidFill>
+            <a:srgbClr val="FF0066"/>
+          </a:solidFill>
+          <a:ln>
+            <a:noFill/>
+          </a:ln>
+        </p:spPr>
+        <p:style>
+          <a:lnRef idx="2">
+            <a:schemeClr val="accent2">
+              <a:shade val="50000"/>
+            </a:schemeClr>
+          </a:lnRef>
+          <a:fillRef idx="1">
+            <a:schemeClr val="accent2"/>
+          </a:fillRef>
+          <a:effectRef idx="0">
+            <a:schemeClr val="accent2"/>
+          </a:effectRef>
+          <a:fontRef idx="minor">
+            <a:schemeClr val="lt1"/>
+          </a:fontRef>
+        </p:style>
+        <p:txBody>
+          <a:bodyPr lIns="91429" tIns="45715" rIns="91429" bIns="45715" rtlCol="0" anchor="ctr"/>
+          <a:lstStyle/>
+          <a:p>
+            <a:pPr algn="ctr" defTabSz="914295"/>
+            <a:r>
+              <a:rPr lang="en-US" altLang="ja-JP" dirty="0"/>
+              <a:t>B</a:t>
+            </a:r>
+            <a:endParaRPr lang="ja-JP" altLang="en-US" dirty="0"/>
+          </a:p>
+        </p:txBody>
+      </p:sp>
+      <p:sp>
+        <p:nvSpPr>
+          <p:cNvPr id="70" name="円/楕円 69"/>
+          <p:cNvSpPr/>
+          <p:nvPr/>
+        </p:nvSpPr>
+        <p:spPr>
+          <a:xfrm>
+            <a:off x="3501268" y="2225627"/>
+            <a:ext cx="540000" cy="540000"/>
+          </a:xfrm>
+          <a:prstGeom prst="ellipse">
+            <a:avLst/>
+          </a:prstGeom>
+          <a:solidFill>
+            <a:srgbClr val="FF0066"/>
+          </a:solidFill>
+          <a:ln>
+            <a:noFill/>
+          </a:ln>
+        </p:spPr>
+        <p:style>
+          <a:lnRef idx="2">
+            <a:schemeClr val="accent2">
+              <a:shade val="50000"/>
+            </a:schemeClr>
+          </a:lnRef>
+          <a:fillRef idx="1">
+            <a:schemeClr val="accent2"/>
+          </a:fillRef>
+          <a:effectRef idx="0">
+            <a:schemeClr val="accent2"/>
+          </a:effectRef>
+          <a:fontRef idx="minor">
+            <a:schemeClr val="lt1"/>
+          </a:fontRef>
+        </p:style>
+        <p:txBody>
+          <a:bodyPr lIns="91429" tIns="45715" rIns="91429" bIns="45715" rtlCol="0" anchor="ctr"/>
+          <a:lstStyle/>
+          <a:p>
+            <a:pPr algn="ctr" defTabSz="914295"/>
+            <a:r>
+              <a:rPr lang="en-US" altLang="ja-JP" dirty="0"/>
+              <a:t>C</a:t>
+            </a:r>
+            <a:endParaRPr lang="ja-JP" altLang="en-US" dirty="0"/>
+          </a:p>
+        </p:txBody>
+      </p:sp>
+      <p:cxnSp>
+        <p:nvCxnSpPr>
+          <p:cNvPr id="71" name="直線矢印コネクタ 70"/>
+          <p:cNvCxnSpPr>
+            <a:stCxn id="70" idx="2"/>
+            <a:endCxn id="69" idx="6"/>
+          </p:cNvCxnSpPr>
+          <p:nvPr/>
+        </p:nvCxnSpPr>
+        <p:spPr>
+          <a:xfrm flipH="1">
+            <a:off x="3069100" y="2495627"/>
+            <a:ext cx="432168" cy="0"/>
+          </a:xfrm>
+          <a:prstGeom prst="straightConnector1">
+            <a:avLst/>
+          </a:prstGeom>
+          <a:ln w="31750">
+            <a:solidFill>
+              <a:schemeClr val="tx1"/>
+            </a:solidFill>
+            <a:prstDash val="sysDot"/>
+            <a:tailEnd type="triangle" w="lg" len="med"/>
+          </a:ln>
+        </p:spPr>
+        <p:style>
+          <a:lnRef idx="1">
+            <a:schemeClr val="accent1"/>
+          </a:lnRef>
+          <a:fillRef idx="0">
+            <a:schemeClr val="accent1"/>
+          </a:fillRef>
+          <a:effectRef idx="0">
+            <a:schemeClr val="accent1"/>
+          </a:effectRef>
+          <a:fontRef idx="minor">
+            <a:schemeClr val="tx1"/>
+          </a:fontRef>
+        </p:style>
+      </p:cxnSp>
+      <p:cxnSp>
+        <p:nvCxnSpPr>
+          <p:cNvPr id="72" name="直線矢印コネクタ 71"/>
+          <p:cNvCxnSpPr>
+            <a:endCxn id="70" idx="6"/>
+          </p:cNvCxnSpPr>
+          <p:nvPr/>
+        </p:nvCxnSpPr>
+        <p:spPr>
+          <a:xfrm flipH="1">
+            <a:off x="4041268" y="2495627"/>
+            <a:ext cx="414106" cy="0"/>
+          </a:xfrm>
+          <a:prstGeom prst="straightConnector1">
+            <a:avLst/>
+          </a:prstGeom>
+          <a:ln w="31750">
+            <a:solidFill>
+              <a:schemeClr val="tx1"/>
+            </a:solidFill>
+            <a:prstDash val="sysDot"/>
+            <a:tailEnd type="triangle" w="lg" len="med"/>
+          </a:ln>
+        </p:spPr>
+        <p:style>
+          <a:lnRef idx="1">
+            <a:schemeClr val="accent1"/>
+          </a:lnRef>
+          <a:fillRef idx="0">
+            <a:schemeClr val="accent1"/>
+          </a:fillRef>
+          <a:effectRef idx="0">
+            <a:schemeClr val="accent1"/>
+          </a:effectRef>
+          <a:fontRef idx="minor">
+            <a:schemeClr val="tx1"/>
+          </a:fontRef>
+        </p:style>
+      </p:cxnSp>
+      <p:cxnSp>
+        <p:nvCxnSpPr>
+          <p:cNvPr id="73" name="直線矢印コネクタ 72"/>
+          <p:cNvCxnSpPr>
+            <a:stCxn id="74" idx="1"/>
+          </p:cNvCxnSpPr>
+          <p:nvPr/>
+        </p:nvCxnSpPr>
+        <p:spPr>
+          <a:xfrm flipH="1">
+            <a:off x="5706507" y="1925228"/>
+            <a:ext cx="428406" cy="273420"/>
+          </a:xfrm>
+          <a:prstGeom prst="straightConnector1">
+            <a:avLst/>
+          </a:prstGeom>
+          <a:ln w="31750">
+            <a:solidFill>
+              <a:schemeClr val="tx1"/>
+            </a:solidFill>
+            <a:prstDash val="sysDot"/>
+            <a:tailEnd type="triangle" w="lg" len="med"/>
+          </a:ln>
+        </p:spPr>
+        <p:style>
+          <a:lnRef idx="1">
+            <a:schemeClr val="accent1"/>
+          </a:lnRef>
+          <a:fillRef idx="0">
+            <a:schemeClr val="accent1"/>
+          </a:fillRef>
+          <a:effectRef idx="0">
+            <a:schemeClr val="accent1"/>
+          </a:effectRef>
+          <a:fontRef idx="minor">
+            <a:schemeClr val="tx1"/>
+          </a:fontRef>
+        </p:style>
+      </p:cxnSp>
+      <p:sp>
+        <p:nvSpPr>
+          <p:cNvPr id="74" name="正方形/長方形 73"/>
+          <p:cNvSpPr/>
+          <p:nvPr/>
+        </p:nvSpPr>
+        <p:spPr>
+          <a:xfrm>
+            <a:off x="6134913" y="1781212"/>
+            <a:ext cx="936044" cy="288032"/>
+          </a:xfrm>
+          <a:prstGeom prst="rect">
+            <a:avLst/>
+          </a:prstGeom>
+          <a:ln>
+            <a:noFill/>
             <a:prstDash val="sysDash"/>
+          </a:ln>
+        </p:spPr>
+        <p:style>
+          <a:lnRef idx="2">
+            <a:schemeClr val="accent5">
+              <a:shade val="50000"/>
+            </a:schemeClr>
+          </a:lnRef>
+          <a:fillRef idx="1">
+            <a:schemeClr val="accent5"/>
+          </a:fillRef>
+          <a:effectRef idx="0">
+            <a:schemeClr val="accent5"/>
+          </a:effectRef>
+          <a:fontRef idx="minor">
+            <a:schemeClr val="lt1"/>
+          </a:fontRef>
+        </p:style>
+        <p:txBody>
+          <a:bodyPr lIns="91429" tIns="45715" rIns="91429" bIns="45715" rtlCol="0" anchor="ctr"/>
+          <a:lstStyle/>
+          <a:p>
+            <a:pPr algn="ctr" defTabSz="914295"/>
+            <a:r>
+              <a:rPr lang="en-US" altLang="ja-JP" dirty="0"/>
+              <a:t>master</a:t>
+            </a:r>
+            <a:endParaRPr lang="ja-JP" altLang="en-US" dirty="0"/>
+          </a:p>
+        </p:txBody>
+      </p:sp>
+      <p:sp>
+        <p:nvSpPr>
+          <p:cNvPr id="75" name="円/楕円 74"/>
+          <p:cNvSpPr/>
+          <p:nvPr/>
+        </p:nvSpPr>
+        <p:spPr>
+          <a:xfrm>
+            <a:off x="4480634" y="2225627"/>
+            <a:ext cx="540000" cy="540000"/>
+          </a:xfrm>
+          <a:prstGeom prst="ellipse">
+            <a:avLst/>
+          </a:prstGeom>
+          <a:solidFill>
+            <a:srgbClr val="FF0066"/>
+          </a:solidFill>
+          <a:ln>
+            <a:noFill/>
+          </a:ln>
+        </p:spPr>
+        <p:style>
+          <a:lnRef idx="2">
+            <a:schemeClr val="accent2">
+              <a:shade val="50000"/>
+            </a:schemeClr>
+          </a:lnRef>
+          <a:fillRef idx="1">
+            <a:schemeClr val="accent2"/>
+          </a:fillRef>
+          <a:effectRef idx="0">
+            <a:schemeClr val="accent2"/>
+          </a:effectRef>
+          <a:fontRef idx="minor">
+            <a:schemeClr val="lt1"/>
+          </a:fontRef>
+        </p:style>
+        <p:txBody>
+          <a:bodyPr lIns="91429" tIns="45715" rIns="91429" bIns="45715" rtlCol="0" anchor="ctr"/>
+          <a:lstStyle/>
+          <a:p>
+            <a:pPr algn="ctr" defTabSz="914295"/>
+            <a:r>
+              <a:rPr lang="en-US" altLang="ja-JP" dirty="0"/>
+              <a:t>X</a:t>
+            </a:r>
+            <a:endParaRPr lang="ja-JP" altLang="en-US" dirty="0"/>
+          </a:p>
+        </p:txBody>
+      </p:sp>
+      <p:sp>
+        <p:nvSpPr>
+          <p:cNvPr id="76" name="円/楕円 75"/>
+          <p:cNvSpPr/>
+          <p:nvPr/>
+        </p:nvSpPr>
+        <p:spPr>
+          <a:xfrm>
+            <a:off x="5432875" y="2225627"/>
+            <a:ext cx="540000" cy="540000"/>
+          </a:xfrm>
+          <a:prstGeom prst="ellipse">
+            <a:avLst/>
+          </a:prstGeom>
+          <a:solidFill>
+            <a:srgbClr val="FF0066"/>
+          </a:solidFill>
+          <a:ln>
+            <a:noFill/>
+          </a:ln>
+        </p:spPr>
+        <p:style>
+          <a:lnRef idx="2">
+            <a:schemeClr val="accent2">
+              <a:shade val="50000"/>
+            </a:schemeClr>
+          </a:lnRef>
+          <a:fillRef idx="1">
+            <a:schemeClr val="accent2"/>
+          </a:fillRef>
+          <a:effectRef idx="0">
+            <a:schemeClr val="accent2"/>
+          </a:effectRef>
+          <a:fontRef idx="minor">
+            <a:schemeClr val="lt1"/>
+          </a:fontRef>
+        </p:style>
+        <p:txBody>
+          <a:bodyPr lIns="91429" tIns="45715" rIns="91429" bIns="45715" rtlCol="0" anchor="ctr"/>
+          <a:lstStyle/>
+          <a:p>
+            <a:pPr algn="ctr" defTabSz="914295"/>
+            <a:r>
+              <a:rPr lang="en-US" altLang="ja-JP" dirty="0"/>
+              <a:t>Y</a:t>
+            </a:r>
+            <a:endParaRPr lang="ja-JP" altLang="en-US" dirty="0"/>
+          </a:p>
+        </p:txBody>
+      </p:sp>
+      <p:cxnSp>
+        <p:nvCxnSpPr>
+          <p:cNvPr id="77" name="直線矢印コネクタ 76"/>
+          <p:cNvCxnSpPr>
+            <a:stCxn id="76" idx="2"/>
+          </p:cNvCxnSpPr>
+          <p:nvPr/>
+        </p:nvCxnSpPr>
+        <p:spPr>
+          <a:xfrm flipH="1">
+            <a:off x="5018769" y="2495627"/>
+            <a:ext cx="414106" cy="0"/>
+          </a:xfrm>
+          <a:prstGeom prst="straightConnector1">
+            <a:avLst/>
+          </a:prstGeom>
+          <a:ln w="31750">
+            <a:solidFill>
+              <a:schemeClr val="tx1"/>
+            </a:solidFill>
+            <a:prstDash val="sysDot"/>
+            <a:tailEnd type="triangle" w="lg" len="med"/>
+          </a:ln>
+        </p:spPr>
+        <p:style>
+          <a:lnRef idx="1">
+            <a:schemeClr val="accent1"/>
+          </a:lnRef>
+          <a:fillRef idx="0">
+            <a:schemeClr val="accent1"/>
+          </a:fillRef>
+          <a:effectRef idx="0">
+            <a:schemeClr val="accent1"/>
+          </a:effectRef>
+          <a:fontRef idx="minor">
+            <a:schemeClr val="tx1"/>
+          </a:fontRef>
+        </p:style>
+      </p:cxnSp>
+      <p:sp>
+        <p:nvSpPr>
+          <p:cNvPr id="78" name="角丸四角形吹き出し 70"/>
+          <p:cNvSpPr/>
+          <p:nvPr/>
+        </p:nvSpPr>
+        <p:spPr>
+          <a:xfrm>
+            <a:off x="203401" y="123901"/>
+            <a:ext cx="8737200" cy="1433282"/>
+          </a:xfrm>
+          <a:custGeom>
+            <a:avLst/>
+            <a:gdLst>
+              <a:gd name="connsiteX0" fmla="*/ 0 w 8541658"/>
+              <a:gd name="connsiteY0" fmla="*/ 214817 h 1288876"/>
+              <a:gd name="connsiteX1" fmla="*/ 214817 w 8541658"/>
+              <a:gd name="connsiteY1" fmla="*/ 0 h 1288876"/>
+              <a:gd name="connsiteX2" fmla="*/ 1423610 w 8541658"/>
+              <a:gd name="connsiteY2" fmla="*/ 0 h 1288876"/>
+              <a:gd name="connsiteX3" fmla="*/ 1423610 w 8541658"/>
+              <a:gd name="connsiteY3" fmla="*/ 0 h 1288876"/>
+              <a:gd name="connsiteX4" fmla="*/ 3559024 w 8541658"/>
+              <a:gd name="connsiteY4" fmla="*/ 0 h 1288876"/>
+              <a:gd name="connsiteX5" fmla="*/ 8326841 w 8541658"/>
+              <a:gd name="connsiteY5" fmla="*/ 0 h 1288876"/>
+              <a:gd name="connsiteX6" fmla="*/ 8541658 w 8541658"/>
+              <a:gd name="connsiteY6" fmla="*/ 214817 h 1288876"/>
+              <a:gd name="connsiteX7" fmla="*/ 8541658 w 8541658"/>
+              <a:gd name="connsiteY7" fmla="*/ 751844 h 1288876"/>
+              <a:gd name="connsiteX8" fmla="*/ 8541658 w 8541658"/>
+              <a:gd name="connsiteY8" fmla="*/ 751844 h 1288876"/>
+              <a:gd name="connsiteX9" fmla="*/ 8541658 w 8541658"/>
+              <a:gd name="connsiteY9" fmla="*/ 1074063 h 1288876"/>
+              <a:gd name="connsiteX10" fmla="*/ 8541658 w 8541658"/>
+              <a:gd name="connsiteY10" fmla="*/ 1074059 h 1288876"/>
+              <a:gd name="connsiteX11" fmla="*/ 8326841 w 8541658"/>
+              <a:gd name="connsiteY11" fmla="*/ 1288876 h 1288876"/>
+              <a:gd name="connsiteX12" fmla="*/ 3559024 w 8541658"/>
+              <a:gd name="connsiteY12" fmla="*/ 1288876 h 1288876"/>
+              <a:gd name="connsiteX13" fmla="*/ 2230227 w 8541658"/>
+              <a:gd name="connsiteY13" fmla="*/ 1471381 h 1288876"/>
+              <a:gd name="connsiteX14" fmla="*/ 1423610 w 8541658"/>
+              <a:gd name="connsiteY14" fmla="*/ 1288876 h 1288876"/>
+              <a:gd name="connsiteX15" fmla="*/ 214817 w 8541658"/>
+              <a:gd name="connsiteY15" fmla="*/ 1288876 h 1288876"/>
+              <a:gd name="connsiteX16" fmla="*/ 0 w 8541658"/>
+              <a:gd name="connsiteY16" fmla="*/ 1074059 h 1288876"/>
+              <a:gd name="connsiteX17" fmla="*/ 0 w 8541658"/>
+              <a:gd name="connsiteY17" fmla="*/ 1074063 h 1288876"/>
+              <a:gd name="connsiteX18" fmla="*/ 0 w 8541658"/>
+              <a:gd name="connsiteY18" fmla="*/ 751844 h 1288876"/>
+              <a:gd name="connsiteX19" fmla="*/ 0 w 8541658"/>
+              <a:gd name="connsiteY19" fmla="*/ 751844 h 1288876"/>
+              <a:gd name="connsiteX20" fmla="*/ 0 w 8541658"/>
+              <a:gd name="connsiteY20" fmla="*/ 214817 h 1288876"/>
+              <a:gd name="connsiteX0" fmla="*/ 0 w 8541658"/>
+              <a:gd name="connsiteY0" fmla="*/ 214817 h 1471381"/>
+              <a:gd name="connsiteX1" fmla="*/ 214817 w 8541658"/>
+              <a:gd name="connsiteY1" fmla="*/ 0 h 1471381"/>
+              <a:gd name="connsiteX2" fmla="*/ 1423610 w 8541658"/>
+              <a:gd name="connsiteY2" fmla="*/ 0 h 1471381"/>
+              <a:gd name="connsiteX3" fmla="*/ 1423610 w 8541658"/>
+              <a:gd name="connsiteY3" fmla="*/ 0 h 1471381"/>
+              <a:gd name="connsiteX4" fmla="*/ 3559024 w 8541658"/>
+              <a:gd name="connsiteY4" fmla="*/ 0 h 1471381"/>
+              <a:gd name="connsiteX5" fmla="*/ 8326841 w 8541658"/>
+              <a:gd name="connsiteY5" fmla="*/ 0 h 1471381"/>
+              <a:gd name="connsiteX6" fmla="*/ 8541658 w 8541658"/>
+              <a:gd name="connsiteY6" fmla="*/ 214817 h 1471381"/>
+              <a:gd name="connsiteX7" fmla="*/ 8541658 w 8541658"/>
+              <a:gd name="connsiteY7" fmla="*/ 751844 h 1471381"/>
+              <a:gd name="connsiteX8" fmla="*/ 8541658 w 8541658"/>
+              <a:gd name="connsiteY8" fmla="*/ 751844 h 1471381"/>
+              <a:gd name="connsiteX9" fmla="*/ 8541658 w 8541658"/>
+              <a:gd name="connsiteY9" fmla="*/ 1074063 h 1471381"/>
+              <a:gd name="connsiteX10" fmla="*/ 8541658 w 8541658"/>
+              <a:gd name="connsiteY10" fmla="*/ 1074059 h 1471381"/>
+              <a:gd name="connsiteX11" fmla="*/ 8326841 w 8541658"/>
+              <a:gd name="connsiteY11" fmla="*/ 1288876 h 1471381"/>
+              <a:gd name="connsiteX12" fmla="*/ 1852144 w 8541658"/>
+              <a:gd name="connsiteY12" fmla="*/ 1288876 h 1471381"/>
+              <a:gd name="connsiteX13" fmla="*/ 2230227 w 8541658"/>
+              <a:gd name="connsiteY13" fmla="*/ 1471381 h 1471381"/>
+              <a:gd name="connsiteX14" fmla="*/ 1423610 w 8541658"/>
+              <a:gd name="connsiteY14" fmla="*/ 1288876 h 1471381"/>
+              <a:gd name="connsiteX15" fmla="*/ 214817 w 8541658"/>
+              <a:gd name="connsiteY15" fmla="*/ 1288876 h 1471381"/>
+              <a:gd name="connsiteX16" fmla="*/ 0 w 8541658"/>
+              <a:gd name="connsiteY16" fmla="*/ 1074059 h 1471381"/>
+              <a:gd name="connsiteX17" fmla="*/ 0 w 8541658"/>
+              <a:gd name="connsiteY17" fmla="*/ 1074063 h 1471381"/>
+              <a:gd name="connsiteX18" fmla="*/ 0 w 8541658"/>
+              <a:gd name="connsiteY18" fmla="*/ 751844 h 1471381"/>
+              <a:gd name="connsiteX19" fmla="*/ 0 w 8541658"/>
+              <a:gd name="connsiteY19" fmla="*/ 751844 h 1471381"/>
+              <a:gd name="connsiteX20" fmla="*/ 0 w 8541658"/>
+              <a:gd name="connsiteY20" fmla="*/ 214817 h 1471381"/>
+              <a:gd name="connsiteX0" fmla="*/ 0 w 8541658"/>
+              <a:gd name="connsiteY0" fmla="*/ 214817 h 1433281"/>
+              <a:gd name="connsiteX1" fmla="*/ 214817 w 8541658"/>
+              <a:gd name="connsiteY1" fmla="*/ 0 h 1433281"/>
+              <a:gd name="connsiteX2" fmla="*/ 1423610 w 8541658"/>
+              <a:gd name="connsiteY2" fmla="*/ 0 h 1433281"/>
+              <a:gd name="connsiteX3" fmla="*/ 1423610 w 8541658"/>
+              <a:gd name="connsiteY3" fmla="*/ 0 h 1433281"/>
+              <a:gd name="connsiteX4" fmla="*/ 3559024 w 8541658"/>
+              <a:gd name="connsiteY4" fmla="*/ 0 h 1433281"/>
+              <a:gd name="connsiteX5" fmla="*/ 8326841 w 8541658"/>
+              <a:gd name="connsiteY5" fmla="*/ 0 h 1433281"/>
+              <a:gd name="connsiteX6" fmla="*/ 8541658 w 8541658"/>
+              <a:gd name="connsiteY6" fmla="*/ 214817 h 1433281"/>
+              <a:gd name="connsiteX7" fmla="*/ 8541658 w 8541658"/>
+              <a:gd name="connsiteY7" fmla="*/ 751844 h 1433281"/>
+              <a:gd name="connsiteX8" fmla="*/ 8541658 w 8541658"/>
+              <a:gd name="connsiteY8" fmla="*/ 751844 h 1433281"/>
+              <a:gd name="connsiteX9" fmla="*/ 8541658 w 8541658"/>
+              <a:gd name="connsiteY9" fmla="*/ 1074063 h 1433281"/>
+              <a:gd name="connsiteX10" fmla="*/ 8541658 w 8541658"/>
+              <a:gd name="connsiteY10" fmla="*/ 1074059 h 1433281"/>
+              <a:gd name="connsiteX11" fmla="*/ 8326841 w 8541658"/>
+              <a:gd name="connsiteY11" fmla="*/ 1288876 h 1433281"/>
+              <a:gd name="connsiteX12" fmla="*/ 1852144 w 8541658"/>
+              <a:gd name="connsiteY12" fmla="*/ 1288876 h 1433281"/>
+              <a:gd name="connsiteX13" fmla="*/ 1864467 w 8541658"/>
+              <a:gd name="connsiteY13" fmla="*/ 1433281 h 1433281"/>
+              <a:gd name="connsiteX14" fmla="*/ 1423610 w 8541658"/>
+              <a:gd name="connsiteY14" fmla="*/ 1288876 h 1433281"/>
+              <a:gd name="connsiteX15" fmla="*/ 214817 w 8541658"/>
+              <a:gd name="connsiteY15" fmla="*/ 1288876 h 1433281"/>
+              <a:gd name="connsiteX16" fmla="*/ 0 w 8541658"/>
+              <a:gd name="connsiteY16" fmla="*/ 1074059 h 1433281"/>
+              <a:gd name="connsiteX17" fmla="*/ 0 w 8541658"/>
+              <a:gd name="connsiteY17" fmla="*/ 1074063 h 1433281"/>
+              <a:gd name="connsiteX18" fmla="*/ 0 w 8541658"/>
+              <a:gd name="connsiteY18" fmla="*/ 751844 h 1433281"/>
+              <a:gd name="connsiteX19" fmla="*/ 0 w 8541658"/>
+              <a:gd name="connsiteY19" fmla="*/ 751844 h 1433281"/>
+              <a:gd name="connsiteX20" fmla="*/ 0 w 8541658"/>
+              <a:gd name="connsiteY20" fmla="*/ 214817 h 1433281"/>
+            </a:gdLst>
+            <a:ahLst/>
+            <a:cxnLst>
+              <a:cxn ang="0">
+                <a:pos x="connsiteX0" y="connsiteY0"/>
+              </a:cxn>
+              <a:cxn ang="0">
+                <a:pos x="connsiteX1" y="connsiteY1"/>
+              </a:cxn>
+              <a:cxn ang="0">
+                <a:pos x="connsiteX2" y="connsiteY2"/>
+              </a:cxn>
+              <a:cxn ang="0">
+                <a:pos x="connsiteX3" y="connsiteY3"/>
+              </a:cxn>
+              <a:cxn ang="0">
+                <a:pos x="connsiteX4" y="connsiteY4"/>
+              </a:cxn>
+              <a:cxn ang="0">
+                <a:pos x="connsiteX5" y="connsiteY5"/>
+              </a:cxn>
+              <a:cxn ang="0">
+                <a:pos x="connsiteX6" y="connsiteY6"/>
+              </a:cxn>
+              <a:cxn ang="0">
+                <a:pos x="connsiteX7" y="connsiteY7"/>
+              </a:cxn>
+              <a:cxn ang="0">
+                <a:pos x="connsiteX8" y="connsiteY8"/>
+              </a:cxn>
+              <a:cxn ang="0">
+                <a:pos x="connsiteX9" y="connsiteY9"/>
+              </a:cxn>
+              <a:cxn ang="0">
+                <a:pos x="connsiteX10" y="connsiteY10"/>
+              </a:cxn>
+              <a:cxn ang="0">
+                <a:pos x="connsiteX11" y="connsiteY11"/>
+              </a:cxn>
+              <a:cxn ang="0">
+                <a:pos x="connsiteX12" y="connsiteY12"/>
+              </a:cxn>
+              <a:cxn ang="0">
+                <a:pos x="connsiteX13" y="connsiteY13"/>
+              </a:cxn>
+              <a:cxn ang="0">
+                <a:pos x="connsiteX14" y="connsiteY14"/>
+              </a:cxn>
+              <a:cxn ang="0">
+                <a:pos x="connsiteX15" y="connsiteY15"/>
+              </a:cxn>
+              <a:cxn ang="0">
+                <a:pos x="connsiteX16" y="connsiteY16"/>
+              </a:cxn>
+              <a:cxn ang="0">
+                <a:pos x="connsiteX17" y="connsiteY17"/>
+              </a:cxn>
+              <a:cxn ang="0">
+                <a:pos x="connsiteX18" y="connsiteY18"/>
+              </a:cxn>
+              <a:cxn ang="0">
+                <a:pos x="connsiteX19" y="connsiteY19"/>
+              </a:cxn>
+              <a:cxn ang="0">
+                <a:pos x="connsiteX20" y="connsiteY20"/>
+              </a:cxn>
+            </a:cxnLst>
+            <a:rect l="l" t="t" r="r" b="b"/>
+            <a:pathLst>
+              <a:path w="8541658" h="1433281">
+                <a:moveTo>
+                  <a:pt x="0" y="214817"/>
+                </a:moveTo>
+                <a:cubicBezTo>
+                  <a:pt x="0" y="96177"/>
+                  <a:pt x="96177" y="0"/>
+                  <a:pt x="214817" y="0"/>
+                </a:cubicBezTo>
+                <a:lnTo>
+                  <a:pt x="1423610" y="0"/>
+                </a:lnTo>
+                <a:lnTo>
+                  <a:pt x="1423610" y="0"/>
+                </a:lnTo>
+                <a:lnTo>
+                  <a:pt x="3559024" y="0"/>
+                </a:lnTo>
+                <a:lnTo>
+                  <a:pt x="8326841" y="0"/>
+                </a:lnTo>
+                <a:cubicBezTo>
+                  <a:pt x="8445481" y="0"/>
+                  <a:pt x="8541658" y="96177"/>
+                  <a:pt x="8541658" y="214817"/>
+                </a:cubicBezTo>
+                <a:lnTo>
+                  <a:pt x="8541658" y="751844"/>
+                </a:lnTo>
+                <a:lnTo>
+                  <a:pt x="8541658" y="751844"/>
+                </a:lnTo>
+                <a:lnTo>
+                  <a:pt x="8541658" y="1074063"/>
+                </a:lnTo>
+                <a:lnTo>
+                  <a:pt x="8541658" y="1074059"/>
+                </a:lnTo>
+                <a:cubicBezTo>
+                  <a:pt x="8541658" y="1192699"/>
+                  <a:pt x="8445481" y="1288876"/>
+                  <a:pt x="8326841" y="1288876"/>
+                </a:cubicBezTo>
+                <a:lnTo>
+                  <a:pt x="1852144" y="1288876"/>
+                </a:lnTo>
+                <a:lnTo>
+                  <a:pt x="1864467" y="1433281"/>
+                </a:lnTo>
+                <a:lnTo>
+                  <a:pt x="1423610" y="1288876"/>
+                </a:lnTo>
+                <a:lnTo>
+                  <a:pt x="214817" y="1288876"/>
+                </a:lnTo>
+                <a:cubicBezTo>
+                  <a:pt x="96177" y="1288876"/>
+                  <a:pt x="0" y="1192699"/>
+                  <a:pt x="0" y="1074059"/>
+                </a:cubicBezTo>
+                <a:lnTo>
+                  <a:pt x="0" y="1074063"/>
+                </a:lnTo>
+                <a:lnTo>
+                  <a:pt x="0" y="751844"/>
+                </a:lnTo>
+                <a:lnTo>
+                  <a:pt x="0" y="751844"/>
+                </a:lnTo>
+                <a:lnTo>
+                  <a:pt x="0" y="214817"/>
+                </a:lnTo>
+                <a:close/>
+              </a:path>
+            </a:pathLst>
+          </a:custGeom>
+          <a:solidFill>
+            <a:srgbClr val="03C924"/>
+          </a:solidFill>
+          <a:ln>
+            <a:noFill/>
           </a:ln>
         </p:spPr>
         <p:style>
@@ -5109,713 +6509,121 @@
           </a:fontRef>
         </p:style>
         <p:txBody>
-          <a:bodyPr rtlCol="0" anchor="t" anchorCtr="0"/>
-          <a:lstStyle/>
-          <a:p>
-            <a:r>
-              <a:rPr lang="ja-JP" altLang="en-US" sz="1600" dirty="0" smtClean="0">
-                <a:solidFill>
-                  <a:schemeClr val="tx1"/>
-                </a:solidFill>
+          <a:bodyPr lIns="143983" tIns="143983" rIns="143983" bIns="0" rtlCol="0" anchor="ctr"/>
+          <a:lstStyle/>
+          <a:p>
+            <a:r>
+              <a:rPr lang="ja-JP" altLang="en-US" b="1" dirty="0">
+                <a:ea typeface="ＭＳ ゴシック" panose="020B0609070205080204" pitchFamily="49" charset="-128"/>
               </a:rPr>
-              <a:t>リモートレポジトリ</a:t>
-            </a:r>
-            <a:endParaRPr kumimoji="1" lang="ja-JP" altLang="en-US" sz="1600" dirty="0">
-              <a:solidFill>
-                <a:schemeClr val="tx1"/>
-              </a:solidFill>
+              <a:t>「</a:t>
+            </a:r>
+            <a:r>
+              <a:rPr lang="en-US" altLang="ja-JP" b="1" dirty="0" err="1">
+                <a:ea typeface="ＭＳ ゴシック" panose="020B0609070205080204" pitchFamily="49" charset="-128"/>
+              </a:rPr>
+              <a:t>git</a:t>
+            </a:r>
+            <a:r>
+              <a:rPr lang="en-US" altLang="ja-JP" b="1" dirty="0">
+                <a:ea typeface="ＭＳ ゴシック" panose="020B0609070205080204" pitchFamily="49" charset="-128"/>
+              </a:rPr>
+              <a:t> fetch</a:t>
+            </a:r>
+            <a:r>
+              <a:rPr lang="ja-JP" altLang="en-US" b="1" dirty="0">
+                <a:ea typeface="ＭＳ ゴシック" panose="020B0609070205080204" pitchFamily="49" charset="-128"/>
+              </a:rPr>
+              <a:t>」を</a:t>
+            </a:r>
+            <a:r>
+              <a:rPr lang="ja-JP" altLang="en-US" b="1" dirty="0" smtClean="0">
+                <a:ea typeface="ＭＳ ゴシック" panose="020B0609070205080204" pitchFamily="49" charset="-128"/>
+              </a:rPr>
+              <a:t>実行。</a:t>
+            </a:r>
+            <a:endParaRPr lang="ja-JP" altLang="en-US" b="1" dirty="0">
+              <a:ea typeface="ＭＳ ゴシック" panose="020B0609070205080204" pitchFamily="49" charset="-128"/>
             </a:endParaRPr>
           </a:p>
-        </p:txBody>
-      </p:sp>
-      <p:sp>
-        <p:nvSpPr>
-          <p:cNvPr id="31" name="正方形/長方形 30"/>
-          <p:cNvSpPr/>
-          <p:nvPr/>
-        </p:nvSpPr>
-        <p:spPr>
-          <a:xfrm>
-            <a:off x="395536" y="4160467"/>
-            <a:ext cx="8352928" cy="2508893"/>
-          </a:xfrm>
-          <a:prstGeom prst="rect">
-            <a:avLst/>
-          </a:prstGeom>
-          <a:noFill/>
-          <a:ln>
-            <a:solidFill>
-              <a:schemeClr val="tx1"/>
-            </a:solidFill>
-            <a:prstDash val="sysDash"/>
-          </a:ln>
-        </p:spPr>
-        <p:style>
-          <a:lnRef idx="2">
-            <a:schemeClr val="accent1">
-              <a:shade val="50000"/>
-            </a:schemeClr>
-          </a:lnRef>
-          <a:fillRef idx="1">
-            <a:schemeClr val="accent1"/>
-          </a:fillRef>
-          <a:effectRef idx="0">
-            <a:schemeClr val="accent1"/>
-          </a:effectRef>
-          <a:fontRef idx="minor">
-            <a:schemeClr val="lt1"/>
-          </a:fontRef>
-        </p:style>
-        <p:txBody>
-          <a:bodyPr rtlCol="0" anchor="t" anchorCtr="0"/>
-          <a:lstStyle/>
-          <a:p>
-            <a:r>
-              <a:rPr lang="ja-JP" altLang="en-US" sz="1600" dirty="0" smtClean="0">
-                <a:solidFill>
-                  <a:schemeClr val="tx1"/>
-                </a:solidFill>
+          <a:p>
+            <a:r>
+              <a:rPr lang="ja-JP" altLang="en-US" b="1" dirty="0" smtClean="0">
+                <a:ea typeface="ＭＳ ゴシック" panose="020B0609070205080204" pitchFamily="49" charset="-128"/>
               </a:rPr>
-              <a:t>ローカルレポジトリ</a:t>
-            </a:r>
-            <a:endParaRPr kumimoji="1" lang="ja-JP" altLang="en-US" sz="1600" dirty="0">
-              <a:solidFill>
-                <a:schemeClr val="tx1"/>
-              </a:solidFill>
+              <a:t>リモートリポジトリで</a:t>
+            </a:r>
+            <a:r>
+              <a:rPr lang="ja-JP" altLang="en-US" b="1" dirty="0">
+                <a:ea typeface="ＭＳ ゴシック" panose="020B0609070205080204" pitchFamily="49" charset="-128"/>
+              </a:rPr>
+              <a:t>作られた</a:t>
+            </a:r>
+            <a:r>
+              <a:rPr lang="ja-JP" altLang="en-US" b="1" dirty="0" smtClean="0">
+                <a:ea typeface="ＭＳ ゴシック" panose="020B0609070205080204" pitchFamily="49" charset="-128"/>
+              </a:rPr>
+              <a:t>コミット </a:t>
+            </a:r>
+            <a:r>
+              <a:rPr lang="en-US" altLang="ja-JP" b="1" dirty="0" smtClean="0">
+                <a:ea typeface="ＭＳ ゴシック" panose="020B0609070205080204" pitchFamily="49" charset="-128"/>
+              </a:rPr>
+              <a:t>X</a:t>
+            </a:r>
+            <a:r>
+              <a:rPr lang="ja-JP" altLang="en-US" b="1" dirty="0" err="1">
+                <a:ea typeface="ＭＳ ゴシック" panose="020B0609070205080204" pitchFamily="49" charset="-128"/>
+              </a:rPr>
+              <a:t>、</a:t>
+            </a:r>
+            <a:r>
+              <a:rPr lang="en-US" altLang="ja-JP" b="1" dirty="0" smtClean="0">
+                <a:ea typeface="ＭＳ ゴシック" panose="020B0609070205080204" pitchFamily="49" charset="-128"/>
+              </a:rPr>
+              <a:t>Y</a:t>
+            </a:r>
+            <a:r>
+              <a:rPr lang="ja-JP" altLang="en-US" b="1" dirty="0" smtClean="0">
+                <a:ea typeface="ＭＳ ゴシック" panose="020B0609070205080204" pitchFamily="49" charset="-128"/>
+              </a:rPr>
+              <a:t> がローカルリポジトリの</a:t>
+            </a:r>
+            <a:r>
+              <a:rPr lang="en-US" altLang="ja-JP" b="1" dirty="0" smtClean="0">
+                <a:ea typeface="ＭＳ ゴシック" panose="020B0609070205080204" pitchFamily="49" charset="-128"/>
+              </a:rPr>
+              <a:t>origin/master</a:t>
+            </a:r>
+            <a:r>
+              <a:rPr lang="ja-JP" altLang="en-US" b="1" dirty="0" smtClean="0">
+                <a:ea typeface="ＭＳ ゴシック" panose="020B0609070205080204" pitchFamily="49" charset="-128"/>
+              </a:rPr>
+              <a:t> ブランチ</a:t>
+            </a:r>
+            <a:r>
+              <a:rPr lang="ja-JP" altLang="en-US" b="1" dirty="0">
+                <a:ea typeface="ＭＳ ゴシック" panose="020B0609070205080204" pitchFamily="49" charset="-128"/>
+              </a:rPr>
+              <a:t>に取り込まれた</a:t>
+            </a:r>
+            <a:r>
+              <a:rPr lang="ja-JP" altLang="en-US" b="1" dirty="0" smtClean="0">
+                <a:ea typeface="ＭＳ ゴシック" panose="020B0609070205080204" pitchFamily="49" charset="-128"/>
+              </a:rPr>
+              <a:t>。</a:t>
+            </a:r>
+            <a:endParaRPr lang="en-US" altLang="ja-JP" b="1" dirty="0" smtClean="0">
+              <a:ea typeface="ＭＳ ゴシック" panose="020B0609070205080204" pitchFamily="49" charset="-128"/>
             </a:endParaRPr>
           </a:p>
-        </p:txBody>
-      </p:sp>
-      <p:sp>
-        <p:nvSpPr>
-          <p:cNvPr id="32" name="円/楕円 31"/>
-          <p:cNvSpPr/>
-          <p:nvPr/>
-        </p:nvSpPr>
-        <p:spPr>
-          <a:xfrm>
-            <a:off x="4138411" y="5608374"/>
-            <a:ext cx="540000" cy="540000"/>
-          </a:xfrm>
-          <a:prstGeom prst="ellipse">
-            <a:avLst/>
-          </a:prstGeom>
-        </p:spPr>
-        <p:style>
-          <a:lnRef idx="2">
-            <a:schemeClr val="accent2">
-              <a:shade val="50000"/>
-            </a:schemeClr>
-          </a:lnRef>
-          <a:fillRef idx="1">
-            <a:schemeClr val="accent2"/>
-          </a:fillRef>
-          <a:effectRef idx="0">
-            <a:schemeClr val="accent2"/>
-          </a:effectRef>
-          <a:fontRef idx="minor">
-            <a:schemeClr val="lt1"/>
-          </a:fontRef>
-        </p:style>
-        <p:txBody>
-          <a:bodyPr rtlCol="0" anchor="ctr"/>
-          <a:lstStyle/>
-          <a:p>
-            <a:pPr algn="ctr"/>
-            <a:r>
-              <a:rPr kumimoji="1" lang="en-US" altLang="ja-JP" dirty="0" smtClean="0"/>
-              <a:t>X</a:t>
-            </a:r>
-            <a:endParaRPr kumimoji="1" lang="ja-JP" altLang="en-US" dirty="0"/>
-          </a:p>
-        </p:txBody>
-      </p:sp>
-      <p:cxnSp>
-        <p:nvCxnSpPr>
-          <p:cNvPr id="33" name="直線矢印コネクタ 32"/>
-          <p:cNvCxnSpPr>
-            <a:stCxn id="32" idx="1"/>
-          </p:cNvCxnSpPr>
-          <p:nvPr/>
-        </p:nvCxnSpPr>
-        <p:spPr>
-          <a:xfrm flipH="1" flipV="1">
-            <a:off x="3771268" y="5287636"/>
-            <a:ext cx="446224" cy="399819"/>
-          </a:xfrm>
-          <a:prstGeom prst="straightConnector1">
-            <a:avLst/>
-          </a:prstGeom>
-          <a:ln w="19050">
-            <a:solidFill>
-              <a:schemeClr val="tx1"/>
-            </a:solidFill>
-            <a:prstDash val="sysDash"/>
-            <a:tailEnd type="triangle" w="lg" len="med"/>
-          </a:ln>
-        </p:spPr>
-        <p:style>
-          <a:lnRef idx="1">
-            <a:schemeClr val="accent1"/>
-          </a:lnRef>
-          <a:fillRef idx="0">
-            <a:schemeClr val="accent1"/>
-          </a:fillRef>
-          <a:effectRef idx="0">
-            <a:schemeClr val="accent1"/>
-          </a:effectRef>
-          <a:fontRef idx="minor">
-            <a:schemeClr val="tx1"/>
-          </a:fontRef>
-        </p:style>
-      </p:cxnSp>
-      <p:sp>
-        <p:nvSpPr>
-          <p:cNvPr id="45" name="円/楕円 44"/>
-          <p:cNvSpPr/>
-          <p:nvPr/>
-        </p:nvSpPr>
-        <p:spPr>
-          <a:xfrm>
-            <a:off x="5090652" y="5608374"/>
-            <a:ext cx="540000" cy="540000"/>
-          </a:xfrm>
-          <a:prstGeom prst="ellipse">
-            <a:avLst/>
-          </a:prstGeom>
-        </p:spPr>
-        <p:style>
-          <a:lnRef idx="2">
-            <a:schemeClr val="accent2">
-              <a:shade val="50000"/>
-            </a:schemeClr>
-          </a:lnRef>
-          <a:fillRef idx="1">
-            <a:schemeClr val="accent2"/>
-          </a:fillRef>
-          <a:effectRef idx="0">
-            <a:schemeClr val="accent2"/>
-          </a:effectRef>
-          <a:fontRef idx="minor">
-            <a:schemeClr val="lt1"/>
-          </a:fontRef>
-        </p:style>
-        <p:txBody>
-          <a:bodyPr rtlCol="0" anchor="ctr"/>
-          <a:lstStyle/>
-          <a:p>
-            <a:pPr algn="ctr"/>
-            <a:r>
-              <a:rPr kumimoji="1" lang="en-US" altLang="ja-JP" dirty="0" smtClean="0"/>
-              <a:t>Y</a:t>
-            </a:r>
-            <a:endParaRPr kumimoji="1" lang="ja-JP" altLang="en-US" dirty="0"/>
-          </a:p>
-        </p:txBody>
-      </p:sp>
-      <p:cxnSp>
-        <p:nvCxnSpPr>
-          <p:cNvPr id="46" name="直線矢印コネクタ 45"/>
-          <p:cNvCxnSpPr>
-            <a:stCxn id="45" idx="2"/>
-          </p:cNvCxnSpPr>
-          <p:nvPr/>
-        </p:nvCxnSpPr>
-        <p:spPr>
-          <a:xfrm flipH="1">
-            <a:off x="4676546" y="5878374"/>
-            <a:ext cx="414106" cy="0"/>
-          </a:xfrm>
-          <a:prstGeom prst="straightConnector1">
-            <a:avLst/>
-          </a:prstGeom>
-          <a:ln w="19050">
-            <a:solidFill>
-              <a:schemeClr val="tx1"/>
-            </a:solidFill>
-            <a:prstDash val="sysDash"/>
-            <a:tailEnd type="triangle" w="lg" len="med"/>
-          </a:ln>
-        </p:spPr>
-        <p:style>
-          <a:lnRef idx="1">
-            <a:schemeClr val="accent1"/>
-          </a:lnRef>
-          <a:fillRef idx="0">
-            <a:schemeClr val="accent1"/>
-          </a:fillRef>
-          <a:effectRef idx="0">
-            <a:schemeClr val="accent1"/>
-          </a:effectRef>
-          <a:fontRef idx="minor">
-            <a:schemeClr val="tx1"/>
-          </a:fontRef>
-        </p:style>
-      </p:cxnSp>
-      <p:sp>
-        <p:nvSpPr>
-          <p:cNvPr id="50" name="円/楕円 49"/>
-          <p:cNvSpPr/>
-          <p:nvPr/>
-        </p:nvSpPr>
-        <p:spPr>
-          <a:xfrm>
-            <a:off x="1556932" y="2045569"/>
-            <a:ext cx="540000" cy="540000"/>
-          </a:xfrm>
-          <a:prstGeom prst="ellipse">
-            <a:avLst/>
-          </a:prstGeom>
-        </p:spPr>
-        <p:style>
-          <a:lnRef idx="2">
-            <a:schemeClr val="accent2">
-              <a:shade val="50000"/>
-            </a:schemeClr>
-          </a:lnRef>
-          <a:fillRef idx="1">
-            <a:schemeClr val="accent2"/>
-          </a:fillRef>
-          <a:effectRef idx="0">
-            <a:schemeClr val="accent2"/>
-          </a:effectRef>
-          <a:fontRef idx="minor">
-            <a:schemeClr val="lt1"/>
-          </a:fontRef>
-        </p:style>
-        <p:txBody>
-          <a:bodyPr rtlCol="0" anchor="ctr"/>
-          <a:lstStyle/>
-          <a:p>
-            <a:pPr algn="ctr"/>
-            <a:r>
-              <a:rPr kumimoji="1" lang="en-US" altLang="ja-JP" dirty="0" smtClean="0"/>
-              <a:t>A</a:t>
-            </a:r>
-            <a:endParaRPr kumimoji="1" lang="ja-JP" altLang="en-US" dirty="0"/>
-          </a:p>
-        </p:txBody>
-      </p:sp>
-      <p:cxnSp>
-        <p:nvCxnSpPr>
-          <p:cNvPr id="51" name="直線矢印コネクタ 50"/>
-          <p:cNvCxnSpPr>
-            <a:stCxn id="52" idx="2"/>
-            <a:endCxn id="50" idx="6"/>
-          </p:cNvCxnSpPr>
-          <p:nvPr/>
-        </p:nvCxnSpPr>
-        <p:spPr>
-          <a:xfrm flipH="1">
-            <a:off x="2096932" y="2315569"/>
-            <a:ext cx="432168" cy="0"/>
-          </a:xfrm>
-          <a:prstGeom prst="straightConnector1">
-            <a:avLst/>
-          </a:prstGeom>
-          <a:ln w="19050">
-            <a:solidFill>
-              <a:schemeClr val="tx1"/>
-            </a:solidFill>
-            <a:prstDash val="sysDash"/>
-            <a:tailEnd type="triangle" w="lg" len="med"/>
-          </a:ln>
-        </p:spPr>
-        <p:style>
-          <a:lnRef idx="1">
-            <a:schemeClr val="accent1"/>
-          </a:lnRef>
-          <a:fillRef idx="0">
-            <a:schemeClr val="accent1"/>
-          </a:fillRef>
-          <a:effectRef idx="0">
-            <a:schemeClr val="accent1"/>
-          </a:effectRef>
-          <a:fontRef idx="minor">
-            <a:schemeClr val="tx1"/>
-          </a:fontRef>
-        </p:style>
-      </p:cxnSp>
-      <p:sp>
-        <p:nvSpPr>
-          <p:cNvPr id="52" name="円/楕円 51"/>
-          <p:cNvSpPr/>
-          <p:nvPr/>
-        </p:nvSpPr>
-        <p:spPr>
-          <a:xfrm>
-            <a:off x="2529100" y="2045569"/>
-            <a:ext cx="540000" cy="540000"/>
-          </a:xfrm>
-          <a:prstGeom prst="ellipse">
-            <a:avLst/>
-          </a:prstGeom>
-        </p:spPr>
-        <p:style>
-          <a:lnRef idx="2">
-            <a:schemeClr val="accent2">
-              <a:shade val="50000"/>
-            </a:schemeClr>
-          </a:lnRef>
-          <a:fillRef idx="1">
-            <a:schemeClr val="accent2"/>
-          </a:fillRef>
-          <a:effectRef idx="0">
-            <a:schemeClr val="accent2"/>
-          </a:effectRef>
-          <a:fontRef idx="minor">
-            <a:schemeClr val="lt1"/>
-          </a:fontRef>
-        </p:style>
-        <p:txBody>
-          <a:bodyPr rtlCol="0" anchor="ctr"/>
-          <a:lstStyle/>
-          <a:p>
-            <a:pPr algn="ctr"/>
-            <a:r>
-              <a:rPr kumimoji="1" lang="en-US" altLang="ja-JP" dirty="0" smtClean="0"/>
-              <a:t>B</a:t>
-            </a:r>
-            <a:endParaRPr kumimoji="1" lang="ja-JP" altLang="en-US" dirty="0"/>
-          </a:p>
-        </p:txBody>
-      </p:sp>
-      <p:sp>
-        <p:nvSpPr>
-          <p:cNvPr id="53" name="円/楕円 52"/>
-          <p:cNvSpPr/>
-          <p:nvPr/>
-        </p:nvSpPr>
-        <p:spPr>
-          <a:xfrm>
-            <a:off x="3501268" y="2045569"/>
-            <a:ext cx="540000" cy="540000"/>
-          </a:xfrm>
-          <a:prstGeom prst="ellipse">
-            <a:avLst/>
-          </a:prstGeom>
-        </p:spPr>
-        <p:style>
-          <a:lnRef idx="2">
-            <a:schemeClr val="accent2">
-              <a:shade val="50000"/>
-            </a:schemeClr>
-          </a:lnRef>
-          <a:fillRef idx="1">
-            <a:schemeClr val="accent2"/>
-          </a:fillRef>
-          <a:effectRef idx="0">
-            <a:schemeClr val="accent2"/>
-          </a:effectRef>
-          <a:fontRef idx="minor">
-            <a:schemeClr val="lt1"/>
-          </a:fontRef>
-        </p:style>
-        <p:txBody>
-          <a:bodyPr rtlCol="0" anchor="ctr"/>
-          <a:lstStyle/>
-          <a:p>
-            <a:pPr algn="ctr"/>
-            <a:r>
-              <a:rPr kumimoji="1" lang="en-US" altLang="ja-JP" dirty="0" smtClean="0"/>
-              <a:t>C</a:t>
-            </a:r>
-            <a:endParaRPr kumimoji="1" lang="ja-JP" altLang="en-US" dirty="0"/>
-          </a:p>
-        </p:txBody>
-      </p:sp>
-      <p:cxnSp>
-        <p:nvCxnSpPr>
-          <p:cNvPr id="54" name="直線矢印コネクタ 53"/>
-          <p:cNvCxnSpPr>
-            <a:stCxn id="53" idx="2"/>
-            <a:endCxn id="52" idx="6"/>
-          </p:cNvCxnSpPr>
-          <p:nvPr/>
-        </p:nvCxnSpPr>
-        <p:spPr>
-          <a:xfrm flipH="1">
-            <a:off x="3069100" y="2315569"/>
-            <a:ext cx="432168" cy="0"/>
-          </a:xfrm>
-          <a:prstGeom prst="straightConnector1">
-            <a:avLst/>
-          </a:prstGeom>
-          <a:ln w="19050">
-            <a:solidFill>
-              <a:schemeClr val="tx1"/>
-            </a:solidFill>
-            <a:prstDash val="sysDash"/>
-            <a:tailEnd type="triangle" w="lg" len="med"/>
-          </a:ln>
-        </p:spPr>
-        <p:style>
-          <a:lnRef idx="1">
-            <a:schemeClr val="accent1"/>
-          </a:lnRef>
-          <a:fillRef idx="0">
-            <a:schemeClr val="accent1"/>
-          </a:fillRef>
-          <a:effectRef idx="0">
-            <a:schemeClr val="accent1"/>
-          </a:effectRef>
-          <a:fontRef idx="minor">
-            <a:schemeClr val="tx1"/>
-          </a:fontRef>
-        </p:style>
-      </p:cxnSp>
-      <p:cxnSp>
-        <p:nvCxnSpPr>
-          <p:cNvPr id="56" name="直線矢印コネクタ 55"/>
-          <p:cNvCxnSpPr>
-            <a:endCxn id="53" idx="6"/>
-          </p:cNvCxnSpPr>
-          <p:nvPr/>
-        </p:nvCxnSpPr>
-        <p:spPr>
-          <a:xfrm flipH="1">
-            <a:off x="4041268" y="2315569"/>
-            <a:ext cx="414106" cy="0"/>
-          </a:xfrm>
-          <a:prstGeom prst="straightConnector1">
-            <a:avLst/>
-          </a:prstGeom>
-          <a:ln w="19050">
-            <a:solidFill>
-              <a:schemeClr val="tx1"/>
-            </a:solidFill>
-            <a:prstDash val="sysDash"/>
-            <a:tailEnd type="triangle" w="lg" len="med"/>
-          </a:ln>
-        </p:spPr>
-        <p:style>
-          <a:lnRef idx="1">
-            <a:schemeClr val="accent1"/>
-          </a:lnRef>
-          <a:fillRef idx="0">
-            <a:schemeClr val="accent1"/>
-          </a:fillRef>
-          <a:effectRef idx="0">
-            <a:schemeClr val="accent1"/>
-          </a:effectRef>
-          <a:fontRef idx="minor">
-            <a:schemeClr val="tx1"/>
-          </a:fontRef>
-        </p:style>
-      </p:cxnSp>
-      <p:cxnSp>
-        <p:nvCxnSpPr>
-          <p:cNvPr id="57" name="直線矢印コネクタ 56"/>
-          <p:cNvCxnSpPr>
-            <a:stCxn id="58" idx="1"/>
-          </p:cNvCxnSpPr>
-          <p:nvPr/>
-        </p:nvCxnSpPr>
-        <p:spPr>
-          <a:xfrm flipH="1">
-            <a:off x="5706507" y="1745170"/>
-            <a:ext cx="428406" cy="273420"/>
-          </a:xfrm>
-          <a:prstGeom prst="straightConnector1">
-            <a:avLst/>
-          </a:prstGeom>
-          <a:ln w="19050">
-            <a:solidFill>
-              <a:schemeClr val="tx1"/>
-            </a:solidFill>
-            <a:prstDash val="sysDash"/>
-            <a:tailEnd type="triangle" w="lg" len="med"/>
-          </a:ln>
-        </p:spPr>
-        <p:style>
-          <a:lnRef idx="1">
-            <a:schemeClr val="accent1"/>
-          </a:lnRef>
-          <a:fillRef idx="0">
-            <a:schemeClr val="accent1"/>
-          </a:fillRef>
-          <a:effectRef idx="0">
-            <a:schemeClr val="accent1"/>
-          </a:effectRef>
-          <a:fontRef idx="minor">
-            <a:schemeClr val="tx1"/>
-          </a:fontRef>
-        </p:style>
-      </p:cxnSp>
-      <p:sp>
-        <p:nvSpPr>
-          <p:cNvPr id="58" name="正方形/長方形 57"/>
-          <p:cNvSpPr/>
-          <p:nvPr/>
-        </p:nvSpPr>
-        <p:spPr>
-          <a:xfrm>
-            <a:off x="6134913" y="1601154"/>
-            <a:ext cx="936044" cy="288032"/>
-          </a:xfrm>
-          <a:prstGeom prst="rect">
-            <a:avLst/>
-          </a:prstGeom>
-          <a:ln>
-            <a:prstDash val="sysDash"/>
-          </a:ln>
-        </p:spPr>
-        <p:style>
-          <a:lnRef idx="2">
-            <a:schemeClr val="accent5">
-              <a:shade val="50000"/>
-            </a:schemeClr>
-          </a:lnRef>
-          <a:fillRef idx="1">
-            <a:schemeClr val="accent5"/>
-          </a:fillRef>
-          <a:effectRef idx="0">
-            <a:schemeClr val="accent5"/>
-          </a:effectRef>
-          <a:fontRef idx="minor">
-            <a:schemeClr val="lt1"/>
-          </a:fontRef>
-        </p:style>
-        <p:txBody>
-          <a:bodyPr rtlCol="0" anchor="ctr"/>
-          <a:lstStyle/>
-          <a:p>
-            <a:pPr algn="ctr"/>
-            <a:r>
-              <a:rPr kumimoji="1" lang="en-US" altLang="ja-JP" dirty="0" smtClean="0"/>
-              <a:t>master</a:t>
-            </a:r>
-            <a:endParaRPr kumimoji="1" lang="ja-JP" altLang="en-US" dirty="0"/>
-          </a:p>
-        </p:txBody>
-      </p:sp>
-      <p:sp>
-        <p:nvSpPr>
-          <p:cNvPr id="61" name="円/楕円 60"/>
-          <p:cNvSpPr/>
-          <p:nvPr/>
-        </p:nvSpPr>
-        <p:spPr>
-          <a:xfrm>
-            <a:off x="4480634" y="2045569"/>
-            <a:ext cx="540000" cy="540000"/>
-          </a:xfrm>
-          <a:prstGeom prst="ellipse">
-            <a:avLst/>
-          </a:prstGeom>
-        </p:spPr>
-        <p:style>
-          <a:lnRef idx="2">
-            <a:schemeClr val="accent2">
-              <a:shade val="50000"/>
-            </a:schemeClr>
-          </a:lnRef>
-          <a:fillRef idx="1">
-            <a:schemeClr val="accent2"/>
-          </a:fillRef>
-          <a:effectRef idx="0">
-            <a:schemeClr val="accent2"/>
-          </a:effectRef>
-          <a:fontRef idx="minor">
-            <a:schemeClr val="lt1"/>
-          </a:fontRef>
-        </p:style>
-        <p:txBody>
-          <a:bodyPr rtlCol="0" anchor="ctr"/>
-          <a:lstStyle/>
-          <a:p>
-            <a:pPr algn="ctr"/>
-            <a:r>
-              <a:rPr kumimoji="1" lang="en-US" altLang="ja-JP" dirty="0" smtClean="0"/>
-              <a:t>X</a:t>
-            </a:r>
-            <a:endParaRPr kumimoji="1" lang="ja-JP" altLang="en-US" dirty="0"/>
-          </a:p>
-        </p:txBody>
-      </p:sp>
-      <p:sp>
-        <p:nvSpPr>
-          <p:cNvPr id="63" name="円/楕円 62"/>
-          <p:cNvSpPr/>
-          <p:nvPr/>
-        </p:nvSpPr>
-        <p:spPr>
-          <a:xfrm>
-            <a:off x="5432875" y="2045569"/>
-            <a:ext cx="540000" cy="540000"/>
-          </a:xfrm>
-          <a:prstGeom prst="ellipse">
-            <a:avLst/>
-          </a:prstGeom>
-        </p:spPr>
-        <p:style>
-          <a:lnRef idx="2">
-            <a:schemeClr val="accent2">
-              <a:shade val="50000"/>
-            </a:schemeClr>
-          </a:lnRef>
-          <a:fillRef idx="1">
-            <a:schemeClr val="accent2"/>
-          </a:fillRef>
-          <a:effectRef idx="0">
-            <a:schemeClr val="accent2"/>
-          </a:effectRef>
-          <a:fontRef idx="minor">
-            <a:schemeClr val="lt1"/>
-          </a:fontRef>
-        </p:style>
-        <p:txBody>
-          <a:bodyPr rtlCol="0" anchor="ctr"/>
-          <a:lstStyle/>
-          <a:p>
-            <a:pPr algn="ctr"/>
-            <a:r>
-              <a:rPr kumimoji="1" lang="en-US" altLang="ja-JP" dirty="0" smtClean="0"/>
-              <a:t>Y</a:t>
-            </a:r>
-            <a:endParaRPr kumimoji="1" lang="ja-JP" altLang="en-US" dirty="0"/>
-          </a:p>
-        </p:txBody>
-      </p:sp>
-      <p:cxnSp>
-        <p:nvCxnSpPr>
-          <p:cNvPr id="64" name="直線矢印コネクタ 63"/>
-          <p:cNvCxnSpPr>
-            <a:stCxn id="63" idx="2"/>
-          </p:cNvCxnSpPr>
-          <p:nvPr/>
-        </p:nvCxnSpPr>
-        <p:spPr>
-          <a:xfrm flipH="1">
-            <a:off x="5018769" y="2315569"/>
-            <a:ext cx="414106" cy="0"/>
-          </a:xfrm>
-          <a:prstGeom prst="straightConnector1">
-            <a:avLst/>
-          </a:prstGeom>
-          <a:ln w="19050">
-            <a:solidFill>
-              <a:schemeClr val="tx1"/>
-            </a:solidFill>
-            <a:prstDash val="sysDash"/>
-            <a:tailEnd type="triangle" w="lg" len="med"/>
-          </a:ln>
-        </p:spPr>
-        <p:style>
-          <a:lnRef idx="1">
-            <a:schemeClr val="accent1"/>
-          </a:lnRef>
-          <a:fillRef idx="0">
-            <a:schemeClr val="accent1"/>
-          </a:fillRef>
-          <a:effectRef idx="0">
-            <a:schemeClr val="accent1"/>
-          </a:effectRef>
-          <a:fontRef idx="minor">
-            <a:schemeClr val="tx1"/>
-          </a:fontRef>
-        </p:style>
-      </p:cxnSp>
+          <a:p>
+            <a:endParaRPr lang="ja-JP" altLang="en-US" b="1" dirty="0">
+              <a:ea typeface="ＭＳ ゴシック" panose="020B0609070205080204" pitchFamily="49" charset="-128"/>
+            </a:endParaRPr>
+          </a:p>
+        </p:txBody>
+      </p:sp>
     </p:spTree>
     <p:extLst>
       <p:ext uri="{BB962C8B-B14F-4D97-AF65-F5344CB8AC3E}">
@@ -5848,18 +6656,85 @@
       </p:grpSpPr>
       <p:sp>
         <p:nvSpPr>
+          <p:cNvPr id="31" name="正方形/長方形 30"/>
+          <p:cNvSpPr/>
+          <p:nvPr/>
+        </p:nvSpPr>
+        <p:spPr>
+          <a:xfrm>
+            <a:off x="395536" y="4260185"/>
+            <a:ext cx="8352928" cy="2508893"/>
+          </a:xfrm>
+          <a:prstGeom prst="rect">
+            <a:avLst/>
+          </a:prstGeom>
+          <a:solidFill>
+            <a:srgbClr val="F8AD3E"/>
+          </a:solidFill>
+          <a:ln>
+            <a:noFill/>
+          </a:ln>
+        </p:spPr>
+        <p:style>
+          <a:lnRef idx="2">
+            <a:schemeClr val="accent5">
+              <a:shade val="50000"/>
+            </a:schemeClr>
+          </a:lnRef>
+          <a:fillRef idx="1">
+            <a:schemeClr val="accent5"/>
+          </a:fillRef>
+          <a:effectRef idx="0">
+            <a:schemeClr val="accent5"/>
+          </a:effectRef>
+          <a:fontRef idx="minor">
+            <a:schemeClr val="lt1"/>
+          </a:fontRef>
+        </p:style>
+        <p:txBody>
+          <a:bodyPr rtlCol="0" anchor="t" anchorCtr="0"/>
+          <a:lstStyle/>
+          <a:p>
+            <a:r>
+              <a:rPr lang="ja-JP" altLang="en-US" b="1" dirty="0" smtClean="0">
+                <a:solidFill>
+                  <a:schemeClr val="bg1"/>
+                </a:solidFill>
+                <a:latin typeface="ＭＳ ゴシック" panose="020B0609070205080204" pitchFamily="49" charset="-128"/>
+                <a:ea typeface="ＭＳ ゴシック" panose="020B0609070205080204" pitchFamily="49" charset="-128"/>
+              </a:rPr>
+              <a:t>ローカルリポジトリ</a:t>
+            </a:r>
+            <a:endParaRPr lang="ja-JP" altLang="en-US" b="1" dirty="0">
+              <a:solidFill>
+                <a:schemeClr val="bg1"/>
+              </a:solidFill>
+              <a:latin typeface="ＭＳ ゴシック" panose="020B0609070205080204" pitchFamily="49" charset="-128"/>
+              <a:ea typeface="ＭＳ ゴシック" panose="020B0609070205080204" pitchFamily="49" charset="-128"/>
+            </a:endParaRPr>
+          </a:p>
+        </p:txBody>
+      </p:sp>
+      <p:sp>
+        <p:nvSpPr>
           <p:cNvPr id="21" name="円/楕円 20"/>
           <p:cNvSpPr/>
           <p:nvPr/>
         </p:nvSpPr>
         <p:spPr>
           <a:xfrm>
-            <a:off x="1554987" y="4741592"/>
+            <a:off x="1554987" y="4841310"/>
             <a:ext cx="540000" cy="540000"/>
           </a:xfrm>
           <a:prstGeom prst="ellipse">
             <a:avLst/>
           </a:prstGeom>
+          <a:solidFill>
+            <a:srgbClr val="FF0066"/>
+          </a:solidFill>
+          <a:ln>
+            <a:noFill/>
+          </a:ln>
         </p:spPr>
         <p:style>
           <a:lnRef idx="2">
@@ -5878,15 +6753,15 @@
           </a:fontRef>
         </p:style>
         <p:txBody>
-          <a:bodyPr rtlCol="0" anchor="ctr"/>
-          <a:lstStyle/>
-          <a:p>
-            <a:pPr algn="ctr"/>
-            <a:r>
-              <a:rPr kumimoji="1" lang="en-US" altLang="ja-JP" dirty="0" smtClean="0"/>
+          <a:bodyPr lIns="91429" tIns="45715" rIns="91429" bIns="45715" rtlCol="0" anchor="ctr"/>
+          <a:lstStyle/>
+          <a:p>
+            <a:pPr algn="ctr" defTabSz="914295"/>
+            <a:r>
+              <a:rPr lang="en-US" altLang="ja-JP" dirty="0"/>
               <a:t>A</a:t>
             </a:r>
-            <a:endParaRPr kumimoji="1" lang="ja-JP" altLang="en-US" dirty="0"/>
+            <a:endParaRPr lang="ja-JP" altLang="en-US" dirty="0"/>
           </a:p>
         </p:txBody>
       </p:sp>
@@ -5901,17 +6776,17 @@
         </p:nvCxnSpPr>
         <p:spPr>
           <a:xfrm flipH="1">
-            <a:off x="2094987" y="5011592"/>
+            <a:off x="2094987" y="5111310"/>
             <a:ext cx="432168" cy="0"/>
           </a:xfrm>
           <a:prstGeom prst="straightConnector1">
             <a:avLst/>
           </a:prstGeom>
-          <a:ln w="19050">
+          <a:ln w="31750">
             <a:solidFill>
               <a:schemeClr val="tx1"/>
             </a:solidFill>
-            <a:prstDash val="sysDash"/>
+            <a:prstDash val="sysDot"/>
             <a:tailEnd type="triangle" w="lg" len="med"/>
           </a:ln>
         </p:spPr>
@@ -5938,12 +6813,18 @@
         </p:nvSpPr>
         <p:spPr>
           <a:xfrm>
-            <a:off x="2527155" y="4741592"/>
+            <a:off x="2527155" y="4841310"/>
             <a:ext cx="540000" cy="540000"/>
           </a:xfrm>
           <a:prstGeom prst="ellipse">
             <a:avLst/>
           </a:prstGeom>
+          <a:solidFill>
+            <a:srgbClr val="FF0066"/>
+          </a:solidFill>
+          <a:ln>
+            <a:noFill/>
+          </a:ln>
         </p:spPr>
         <p:style>
           <a:lnRef idx="2">
@@ -5962,15 +6843,15 @@
           </a:fontRef>
         </p:style>
         <p:txBody>
-          <a:bodyPr rtlCol="0" anchor="ctr"/>
-          <a:lstStyle/>
-          <a:p>
-            <a:pPr algn="ctr"/>
-            <a:r>
-              <a:rPr kumimoji="1" lang="en-US" altLang="ja-JP" dirty="0" smtClean="0"/>
+          <a:bodyPr lIns="91429" tIns="45715" rIns="91429" bIns="45715" rtlCol="0" anchor="ctr"/>
+          <a:lstStyle/>
+          <a:p>
+            <a:pPr algn="ctr" defTabSz="914295"/>
+            <a:r>
+              <a:rPr lang="en-US" altLang="ja-JP" dirty="0"/>
               <a:t>B</a:t>
             </a:r>
-            <a:endParaRPr kumimoji="1" lang="ja-JP" altLang="en-US" dirty="0"/>
+            <a:endParaRPr lang="ja-JP" altLang="en-US" dirty="0"/>
           </a:p>
         </p:txBody>
       </p:sp>
@@ -5982,12 +6863,18 @@
         </p:nvSpPr>
         <p:spPr>
           <a:xfrm>
-            <a:off x="3499323" y="4741592"/>
+            <a:off x="3499323" y="4841310"/>
             <a:ext cx="540000" cy="540000"/>
           </a:xfrm>
           <a:prstGeom prst="ellipse">
             <a:avLst/>
           </a:prstGeom>
+          <a:solidFill>
+            <a:srgbClr val="FF0066"/>
+          </a:solidFill>
+          <a:ln>
+            <a:noFill/>
+          </a:ln>
         </p:spPr>
         <p:style>
           <a:lnRef idx="2">
@@ -6006,15 +6893,15 @@
           </a:fontRef>
         </p:style>
         <p:txBody>
-          <a:bodyPr rtlCol="0" anchor="ctr"/>
-          <a:lstStyle/>
-          <a:p>
-            <a:pPr algn="ctr"/>
-            <a:r>
-              <a:rPr kumimoji="1" lang="en-US" altLang="ja-JP" dirty="0" smtClean="0"/>
+          <a:bodyPr lIns="91429" tIns="45715" rIns="91429" bIns="45715" rtlCol="0" anchor="ctr"/>
+          <a:lstStyle/>
+          <a:p>
+            <a:pPr algn="ctr" defTabSz="914295"/>
+            <a:r>
+              <a:rPr lang="en-US" altLang="ja-JP" dirty="0"/>
               <a:t>C</a:t>
             </a:r>
-            <a:endParaRPr kumimoji="1" lang="ja-JP" altLang="en-US" dirty="0"/>
+            <a:endParaRPr lang="ja-JP" altLang="en-US" dirty="0"/>
           </a:p>
         </p:txBody>
       </p:sp>
@@ -6029,17 +6916,17 @@
         </p:nvCxnSpPr>
         <p:spPr>
           <a:xfrm flipH="1">
-            <a:off x="3067155" y="5011592"/>
+            <a:off x="3067155" y="5111310"/>
             <a:ext cx="432168" cy="0"/>
           </a:xfrm>
           <a:prstGeom prst="straightConnector1">
             <a:avLst/>
           </a:prstGeom>
-          <a:ln w="19050">
+          <a:ln w="31750">
             <a:solidFill>
               <a:schemeClr val="tx1"/>
             </a:solidFill>
-            <a:prstDash val="sysDash"/>
+            <a:prstDash val="sysDot"/>
             <a:tailEnd type="triangle" w="lg" len="med"/>
           </a:ln>
         </p:spPr>
@@ -6066,12 +6953,18 @@
         </p:nvSpPr>
         <p:spPr>
           <a:xfrm>
-            <a:off x="6048647" y="5608374"/>
+            <a:off x="6048647" y="5708092"/>
             <a:ext cx="540000" cy="540000"/>
           </a:xfrm>
           <a:prstGeom prst="ellipse">
             <a:avLst/>
           </a:prstGeom>
+          <a:solidFill>
+            <a:srgbClr val="FF0066"/>
+          </a:solidFill>
+          <a:ln>
+            <a:noFill/>
+          </a:ln>
         </p:spPr>
         <p:style>
           <a:lnRef idx="2">
@@ -6090,15 +6983,15 @@
           </a:fontRef>
         </p:style>
         <p:txBody>
-          <a:bodyPr rtlCol="0" anchor="ctr"/>
-          <a:lstStyle/>
-          <a:p>
-            <a:pPr algn="ctr"/>
-            <a:r>
-              <a:rPr kumimoji="1" lang="en-US" altLang="ja-JP" dirty="0" smtClean="0"/>
+          <a:bodyPr lIns="91429" tIns="45715" rIns="91429" bIns="45715" rtlCol="0" anchor="ctr"/>
+          <a:lstStyle/>
+          <a:p>
+            <a:pPr algn="ctr" defTabSz="914295"/>
+            <a:r>
+              <a:rPr lang="en-US" altLang="ja-JP" dirty="0"/>
               <a:t>D’</a:t>
             </a:r>
-            <a:endParaRPr kumimoji="1" lang="ja-JP" altLang="en-US" dirty="0"/>
+            <a:endParaRPr lang="ja-JP" altLang="en-US" dirty="0"/>
           </a:p>
         </p:txBody>
       </p:sp>
@@ -6112,17 +7005,17 @@
         </p:nvCxnSpPr>
         <p:spPr>
           <a:xfrm flipH="1">
-            <a:off x="5634541" y="5878374"/>
+            <a:off x="5634541" y="5978092"/>
             <a:ext cx="414106" cy="0"/>
           </a:xfrm>
           <a:prstGeom prst="straightConnector1">
             <a:avLst/>
           </a:prstGeom>
-          <a:ln w="19050">
+          <a:ln w="31750">
             <a:solidFill>
               <a:schemeClr val="tx1"/>
             </a:solidFill>
-            <a:prstDash val="sysDash"/>
+            <a:prstDash val="sysDot"/>
             <a:tailEnd type="triangle" w="lg" len="med"/>
           </a:ln>
         </p:spPr>
@@ -6141,95 +7034,6 @@
           </a:fontRef>
         </p:style>
       </p:cxnSp>
-      <p:sp>
-        <p:nvSpPr>
-          <p:cNvPr id="37" name="テキスト ボックス 36"/>
-          <p:cNvSpPr txBox="1"/>
-          <p:nvPr/>
-        </p:nvSpPr>
-        <p:spPr>
-          <a:xfrm>
-            <a:off x="267552" y="201414"/>
-            <a:ext cx="8624928" cy="923330"/>
-          </a:xfrm>
-          <a:prstGeom prst="rect">
-            <a:avLst/>
-          </a:prstGeom>
-          <a:noFill/>
-        </p:spPr>
-        <p:txBody>
-          <a:bodyPr wrap="square" rtlCol="0">
-            <a:spAutoFit/>
-          </a:bodyPr>
-          <a:lstStyle/>
-          <a:p>
-            <a:r>
-              <a:rPr lang="ja-JP" altLang="en-US" dirty="0" smtClean="0"/>
-              <a:t>「</a:t>
-            </a:r>
-            <a:r>
-              <a:rPr lang="en-US" altLang="ja-JP" dirty="0" err="1" smtClean="0"/>
-              <a:t>git</a:t>
-            </a:r>
-            <a:r>
-              <a:rPr lang="en-US" altLang="ja-JP" dirty="0" smtClean="0"/>
-              <a:t> </a:t>
-            </a:r>
-            <a:r>
-              <a:rPr lang="en-US" altLang="ja-JP" dirty="0" smtClean="0"/>
-              <a:t>rebase origin/master</a:t>
-            </a:r>
-            <a:r>
-              <a:rPr lang="ja-JP" altLang="en-US" dirty="0" smtClean="0"/>
-              <a:t>」</a:t>
-            </a:r>
-            <a:r>
-              <a:rPr lang="ja-JP" altLang="en-US" dirty="0" smtClean="0"/>
-              <a:t>を</a:t>
-            </a:r>
-            <a:r>
-              <a:rPr lang="ja-JP" altLang="en-US" dirty="0" smtClean="0"/>
-              <a:t>実行した</a:t>
-            </a:r>
-            <a:r>
-              <a:rPr lang="ja-JP" altLang="en-US" dirty="0" smtClean="0"/>
-              <a:t>。</a:t>
-            </a:r>
-            <a:endParaRPr lang="en-US" altLang="ja-JP" dirty="0" smtClean="0"/>
-          </a:p>
-          <a:p>
-            <a:r>
-              <a:rPr lang="ja-JP" altLang="en-US" dirty="0" smtClean="0"/>
-              <a:t>ローカルレポジトリの</a:t>
-            </a:r>
-            <a:r>
-              <a:rPr lang="en-US" altLang="ja-JP" dirty="0" smtClean="0"/>
-              <a:t>master</a:t>
-            </a:r>
-            <a:r>
-              <a:rPr lang="ja-JP" altLang="en-US" dirty="0" smtClean="0"/>
-              <a:t>ブランチで作られたコミット</a:t>
-            </a:r>
-            <a:r>
-              <a:rPr lang="en-US" altLang="ja-JP" dirty="0" smtClean="0"/>
-              <a:t>D</a:t>
-            </a:r>
-            <a:r>
-              <a:rPr lang="ja-JP" altLang="en-US" dirty="0" smtClean="0"/>
-              <a:t>は</a:t>
-            </a:r>
-            <a:r>
-              <a:rPr lang="en-US" altLang="ja-JP" dirty="0" smtClean="0"/>
-              <a:t>origin/master</a:t>
-            </a:r>
-            <a:r>
-              <a:rPr lang="ja-JP" altLang="en-US" dirty="0" smtClean="0"/>
-              <a:t>ブランチの先頭に付け替えられた。</a:t>
-            </a:r>
-            <a:endParaRPr lang="en-US" altLang="ja-JP" dirty="0" smtClean="0"/>
-          </a:p>
-        </p:txBody>
-      </p:sp>
       <p:cxnSp>
         <p:nvCxnSpPr>
           <p:cNvPr id="26" name="直線矢印コネクタ 25"/>
@@ -6240,17 +7044,17 @@
         </p:nvCxnSpPr>
         <p:spPr>
           <a:xfrm flipH="1">
-            <a:off x="6321649" y="5316212"/>
+            <a:off x="6321649" y="5415930"/>
             <a:ext cx="428406" cy="273420"/>
           </a:xfrm>
           <a:prstGeom prst="straightConnector1">
             <a:avLst/>
           </a:prstGeom>
-          <a:ln w="19050">
+          <a:ln w="31750">
             <a:solidFill>
               <a:schemeClr val="tx1"/>
             </a:solidFill>
-            <a:prstDash val="sysDash"/>
+            <a:prstDash val="sysDot"/>
             <a:tailEnd type="triangle" w="lg" len="med"/>
           </a:ln>
         </p:spPr>
@@ -6277,13 +7081,14 @@
         </p:nvSpPr>
         <p:spPr>
           <a:xfrm>
-            <a:off x="6750055" y="5172196"/>
+            <a:off x="6750055" y="5271914"/>
             <a:ext cx="936044" cy="288032"/>
           </a:xfrm>
           <a:prstGeom prst="rect">
             <a:avLst/>
           </a:prstGeom>
           <a:ln>
+            <a:noFill/>
             <a:prstDash val="sysDash"/>
           </a:ln>
         </p:spPr>
@@ -6304,15 +7109,15 @@
           </a:fontRef>
         </p:style>
         <p:txBody>
-          <a:bodyPr rtlCol="0" anchor="ctr"/>
-          <a:lstStyle/>
-          <a:p>
-            <a:pPr algn="ctr"/>
-            <a:r>
-              <a:rPr kumimoji="1" lang="en-US" altLang="ja-JP" dirty="0" smtClean="0"/>
+          <a:bodyPr lIns="91429" tIns="45715" rIns="91429" bIns="45715" rtlCol="0" anchor="ctr"/>
+          <a:lstStyle/>
+          <a:p>
+            <a:pPr algn="ctr" defTabSz="914295"/>
+            <a:r>
+              <a:rPr lang="en-US" altLang="ja-JP" dirty="0"/>
               <a:t>master</a:t>
             </a:r>
-            <a:endParaRPr kumimoji="1" lang="ja-JP" altLang="en-US" dirty="0"/>
+            <a:endParaRPr lang="ja-JP" altLang="en-US" dirty="0"/>
           </a:p>
         </p:txBody>
       </p:sp>
@@ -6326,17 +7131,17 @@
         </p:nvCxnSpPr>
         <p:spPr>
           <a:xfrm flipH="1" flipV="1">
-            <a:off x="5362597" y="6163691"/>
+            <a:off x="5362597" y="6263409"/>
             <a:ext cx="370799" cy="244341"/>
           </a:xfrm>
           <a:prstGeom prst="straightConnector1">
             <a:avLst/>
           </a:prstGeom>
-          <a:ln w="19050">
+          <a:ln w="31750">
             <a:solidFill>
               <a:schemeClr val="tx1"/>
             </a:solidFill>
-            <a:prstDash val="sysDash"/>
+            <a:prstDash val="sysDot"/>
             <a:tailEnd type="triangle" w="lg" len="med"/>
           </a:ln>
         </p:spPr>
@@ -6363,13 +7168,14 @@
         </p:nvSpPr>
         <p:spPr>
           <a:xfrm>
-            <a:off x="5733396" y="6264016"/>
+            <a:off x="5733396" y="6363734"/>
             <a:ext cx="1470393" cy="288032"/>
           </a:xfrm>
           <a:prstGeom prst="rect">
             <a:avLst/>
           </a:prstGeom>
           <a:ln>
+            <a:noFill/>
             <a:prstDash val="sysDash"/>
           </a:ln>
         </p:spPr>
@@ -6390,131 +7196,15 @@
           </a:fontRef>
         </p:style>
         <p:txBody>
-          <a:bodyPr rtlCol="0" anchor="ctr"/>
-          <a:lstStyle/>
-          <a:p>
-            <a:pPr algn="ctr"/>
-            <a:r>
-              <a:rPr lang="en-US" altLang="ja-JP" dirty="0" smtClean="0"/>
+          <a:bodyPr lIns="91429" tIns="45715" rIns="91429" bIns="45715" rtlCol="0" anchor="ctr"/>
+          <a:lstStyle/>
+          <a:p>
+            <a:pPr algn="ctr" defTabSz="914295"/>
+            <a:r>
+              <a:rPr lang="en-US" altLang="ja-JP" dirty="0"/>
               <a:t>origin/master</a:t>
             </a:r>
-            <a:endParaRPr kumimoji="1" lang="ja-JP" altLang="en-US" dirty="0"/>
-          </a:p>
-        </p:txBody>
-      </p:sp>
-      <p:sp>
-        <p:nvSpPr>
-          <p:cNvPr id="30" name="正方形/長方形 29"/>
-          <p:cNvSpPr/>
-          <p:nvPr/>
-        </p:nvSpPr>
-        <p:spPr>
-          <a:xfrm>
-            <a:off x="395536" y="1453305"/>
-            <a:ext cx="8352928" cy="2515717"/>
-          </a:xfrm>
-          <a:prstGeom prst="rect">
-            <a:avLst/>
-          </a:prstGeom>
-          <a:noFill/>
-          <a:ln>
-            <a:solidFill>
-              <a:schemeClr val="tx1"/>
-            </a:solidFill>
-            <a:prstDash val="sysDash"/>
-          </a:ln>
-        </p:spPr>
-        <p:style>
-          <a:lnRef idx="2">
-            <a:schemeClr val="accent1">
-              <a:shade val="50000"/>
-            </a:schemeClr>
-          </a:lnRef>
-          <a:fillRef idx="1">
-            <a:schemeClr val="accent1"/>
-          </a:fillRef>
-          <a:effectRef idx="0">
-            <a:schemeClr val="accent1"/>
-          </a:effectRef>
-          <a:fontRef idx="minor">
-            <a:schemeClr val="lt1"/>
-          </a:fontRef>
-        </p:style>
-        <p:txBody>
-          <a:bodyPr rtlCol="0" anchor="t" anchorCtr="0"/>
-          <a:lstStyle/>
-          <a:p>
-            <a:r>
-              <a:rPr lang="ja-JP" altLang="en-US" sz="1600" dirty="0" smtClean="0">
-                <a:solidFill>
-                  <a:schemeClr val="tx1"/>
-                </a:solidFill>
-              </a:rPr>
-              <a:t>リモートレポジトリ</a:t>
-            </a:r>
-            <a:endParaRPr kumimoji="1" lang="ja-JP" altLang="en-US" sz="1600" dirty="0">
-              <a:solidFill>
-                <a:schemeClr val="tx1"/>
-              </a:solidFill>
-            </a:endParaRPr>
-          </a:p>
-        </p:txBody>
-      </p:sp>
-      <p:sp>
-        <p:nvSpPr>
-          <p:cNvPr id="31" name="正方形/長方形 30"/>
-          <p:cNvSpPr/>
-          <p:nvPr/>
-        </p:nvSpPr>
-        <p:spPr>
-          <a:xfrm>
-            <a:off x="395536" y="4160467"/>
-            <a:ext cx="8352928" cy="2508893"/>
-          </a:xfrm>
-          <a:prstGeom prst="rect">
-            <a:avLst/>
-          </a:prstGeom>
-          <a:noFill/>
-          <a:ln>
-            <a:solidFill>
-              <a:schemeClr val="tx1"/>
-            </a:solidFill>
-            <a:prstDash val="sysDash"/>
-          </a:ln>
-        </p:spPr>
-        <p:style>
-          <a:lnRef idx="2">
-            <a:schemeClr val="accent1">
-              <a:shade val="50000"/>
-            </a:schemeClr>
-          </a:lnRef>
-          <a:fillRef idx="1">
-            <a:schemeClr val="accent1"/>
-          </a:fillRef>
-          <a:effectRef idx="0">
-            <a:schemeClr val="accent1"/>
-          </a:effectRef>
-          <a:fontRef idx="minor">
-            <a:schemeClr val="lt1"/>
-          </a:fontRef>
-        </p:style>
-        <p:txBody>
-          <a:bodyPr rtlCol="0" anchor="t" anchorCtr="0"/>
-          <a:lstStyle/>
-          <a:p>
-            <a:r>
-              <a:rPr lang="ja-JP" altLang="en-US" sz="1600" dirty="0" smtClean="0">
-                <a:solidFill>
-                  <a:schemeClr val="tx1"/>
-                </a:solidFill>
-              </a:rPr>
-              <a:t>ローカルレポジトリ</a:t>
-            </a:r>
-            <a:endParaRPr kumimoji="1" lang="ja-JP" altLang="en-US" sz="1600" dirty="0">
-              <a:solidFill>
-                <a:schemeClr val="tx1"/>
-              </a:solidFill>
-            </a:endParaRPr>
+            <a:endParaRPr lang="ja-JP" altLang="en-US" dirty="0"/>
           </a:p>
         </p:txBody>
       </p:sp>
@@ -6526,12 +7216,18 @@
         </p:nvSpPr>
         <p:spPr>
           <a:xfrm>
-            <a:off x="4138411" y="5608374"/>
+            <a:off x="4138411" y="5708092"/>
             <a:ext cx="540000" cy="540000"/>
           </a:xfrm>
           <a:prstGeom prst="ellipse">
             <a:avLst/>
           </a:prstGeom>
+          <a:solidFill>
+            <a:srgbClr val="FF0066"/>
+          </a:solidFill>
+          <a:ln>
+            <a:noFill/>
+          </a:ln>
         </p:spPr>
         <p:style>
           <a:lnRef idx="2">
@@ -6550,15 +7246,15 @@
           </a:fontRef>
         </p:style>
         <p:txBody>
-          <a:bodyPr rtlCol="0" anchor="ctr"/>
-          <a:lstStyle/>
-          <a:p>
-            <a:pPr algn="ctr"/>
-            <a:r>
-              <a:rPr kumimoji="1" lang="en-US" altLang="ja-JP" dirty="0" smtClean="0"/>
+          <a:bodyPr lIns="91429" tIns="45715" rIns="91429" bIns="45715" rtlCol="0" anchor="ctr"/>
+          <a:lstStyle/>
+          <a:p>
+            <a:pPr algn="ctr" defTabSz="914295"/>
+            <a:r>
+              <a:rPr lang="en-US" altLang="ja-JP" dirty="0"/>
               <a:t>X</a:t>
             </a:r>
-            <a:endParaRPr kumimoji="1" lang="ja-JP" altLang="en-US" dirty="0"/>
+            <a:endParaRPr lang="ja-JP" altLang="en-US" dirty="0"/>
           </a:p>
         </p:txBody>
       </p:sp>
@@ -6572,17 +7268,17 @@
         </p:nvCxnSpPr>
         <p:spPr>
           <a:xfrm flipH="1" flipV="1">
-            <a:off x="3771268" y="5287636"/>
+            <a:off x="3771268" y="5387354"/>
             <a:ext cx="446224" cy="399819"/>
           </a:xfrm>
           <a:prstGeom prst="straightConnector1">
             <a:avLst/>
           </a:prstGeom>
-          <a:ln w="19050">
+          <a:ln w="31750">
             <a:solidFill>
               <a:schemeClr val="tx1"/>
             </a:solidFill>
-            <a:prstDash val="sysDash"/>
+            <a:prstDash val="sysDot"/>
             <a:tailEnd type="triangle" w="lg" len="med"/>
           </a:ln>
         </p:spPr>
@@ -6609,12 +7305,18 @@
         </p:nvSpPr>
         <p:spPr>
           <a:xfrm>
-            <a:off x="5090652" y="5608374"/>
+            <a:off x="5090652" y="5708092"/>
             <a:ext cx="540000" cy="540000"/>
           </a:xfrm>
           <a:prstGeom prst="ellipse">
             <a:avLst/>
           </a:prstGeom>
+          <a:solidFill>
+            <a:srgbClr val="FF0066"/>
+          </a:solidFill>
+          <a:ln>
+            <a:noFill/>
+          </a:ln>
         </p:spPr>
         <p:style>
           <a:lnRef idx="2">
@@ -6633,15 +7335,15 @@
           </a:fontRef>
         </p:style>
         <p:txBody>
-          <a:bodyPr rtlCol="0" anchor="ctr"/>
-          <a:lstStyle/>
-          <a:p>
-            <a:pPr algn="ctr"/>
-            <a:r>
-              <a:rPr kumimoji="1" lang="en-US" altLang="ja-JP" dirty="0" smtClean="0"/>
+          <a:bodyPr lIns="91429" tIns="45715" rIns="91429" bIns="45715" rtlCol="0" anchor="ctr"/>
+          <a:lstStyle/>
+          <a:p>
+            <a:pPr algn="ctr" defTabSz="914295"/>
+            <a:r>
+              <a:rPr lang="en-US" altLang="ja-JP" dirty="0"/>
               <a:t>Y</a:t>
             </a:r>
-            <a:endParaRPr kumimoji="1" lang="ja-JP" altLang="en-US" dirty="0"/>
+            <a:endParaRPr lang="ja-JP" altLang="en-US" dirty="0"/>
           </a:p>
         </p:txBody>
       </p:sp>
@@ -6655,17 +7357,17 @@
         </p:nvCxnSpPr>
         <p:spPr>
           <a:xfrm flipH="1">
-            <a:off x="4676546" y="5878374"/>
+            <a:off x="4676546" y="5978092"/>
             <a:ext cx="414106" cy="0"/>
           </a:xfrm>
           <a:prstGeom prst="straightConnector1">
             <a:avLst/>
           </a:prstGeom>
-          <a:ln w="19050">
+          <a:ln w="31750">
             <a:solidFill>
               <a:schemeClr val="tx1"/>
             </a:solidFill>
-            <a:prstDash val="sysDash"/>
+            <a:prstDash val="sysDot"/>
             <a:tailEnd type="triangle" w="lg" len="med"/>
           </a:ln>
         </p:spPr>
@@ -6686,18 +7388,85 @@
       </p:cxnSp>
       <p:sp>
         <p:nvSpPr>
-          <p:cNvPr id="50" name="円/楕円 49"/>
+          <p:cNvPr id="34" name="正方形/長方形 33"/>
           <p:cNvSpPr/>
           <p:nvPr/>
         </p:nvSpPr>
         <p:spPr>
           <a:xfrm>
-            <a:off x="1556932" y="2045569"/>
+            <a:off x="395536" y="1633363"/>
+            <a:ext cx="8352928" cy="2515717"/>
+          </a:xfrm>
+          <a:prstGeom prst="rect">
+            <a:avLst/>
+          </a:prstGeom>
+          <a:solidFill>
+            <a:srgbClr val="F7A021"/>
+          </a:solidFill>
+          <a:ln>
+            <a:noFill/>
+          </a:ln>
+        </p:spPr>
+        <p:style>
+          <a:lnRef idx="2">
+            <a:schemeClr val="accent5">
+              <a:shade val="50000"/>
+            </a:schemeClr>
+          </a:lnRef>
+          <a:fillRef idx="1">
+            <a:schemeClr val="accent5"/>
+          </a:fillRef>
+          <a:effectRef idx="0">
+            <a:schemeClr val="accent5"/>
+          </a:effectRef>
+          <a:fontRef idx="minor">
+            <a:schemeClr val="lt1"/>
+          </a:fontRef>
+        </p:style>
+        <p:txBody>
+          <a:bodyPr rtlCol="0" anchor="t" anchorCtr="0"/>
+          <a:lstStyle/>
+          <a:p>
+            <a:r>
+              <a:rPr lang="ja-JP" altLang="en-US" b="1" dirty="0">
+                <a:solidFill>
+                  <a:schemeClr val="bg1"/>
+                </a:solidFill>
+                <a:latin typeface="ＭＳ ゴシック" panose="020B0609070205080204" pitchFamily="49" charset="-128"/>
+                <a:ea typeface="ＭＳ ゴシック" panose="020B0609070205080204" pitchFamily="49" charset="-128"/>
+              </a:rPr>
+              <a:t>リモートリポジトリ</a:t>
+            </a:r>
+            <a:endParaRPr lang="ja-JP" altLang="en-US" b="1" dirty="0">
+              <a:solidFill>
+                <a:schemeClr val="bg1"/>
+              </a:solidFill>
+              <a:latin typeface="ＭＳ ゴシック" panose="020B0609070205080204" pitchFamily="49" charset="-128"/>
+              <a:ea typeface="ＭＳ ゴシック" panose="020B0609070205080204" pitchFamily="49" charset="-128"/>
+            </a:endParaRPr>
+          </a:p>
+        </p:txBody>
+      </p:sp>
+      <p:sp>
+        <p:nvSpPr>
+          <p:cNvPr id="35" name="円/楕円 34"/>
+          <p:cNvSpPr/>
+          <p:nvPr/>
+        </p:nvSpPr>
+        <p:spPr>
+          <a:xfrm>
+            <a:off x="1556932" y="2225627"/>
             <a:ext cx="540000" cy="540000"/>
           </a:xfrm>
           <a:prstGeom prst="ellipse">
             <a:avLst/>
           </a:prstGeom>
+          <a:solidFill>
+            <a:srgbClr val="FF0066"/>
+          </a:solidFill>
+          <a:ln>
+            <a:noFill/>
+          </a:ln>
         </p:spPr>
         <p:style>
           <a:lnRef idx="2">
@@ -6716,40 +7485,40 @@
           </a:fontRef>
         </p:style>
         <p:txBody>
-          <a:bodyPr rtlCol="0" anchor="ctr"/>
-          <a:lstStyle/>
-          <a:p>
-            <a:pPr algn="ctr"/>
-            <a:r>
-              <a:rPr kumimoji="1" lang="en-US" altLang="ja-JP" dirty="0" smtClean="0"/>
+          <a:bodyPr lIns="91429" tIns="45715" rIns="91429" bIns="45715" rtlCol="0" anchor="ctr"/>
+          <a:lstStyle/>
+          <a:p>
+            <a:pPr algn="ctr" defTabSz="914295"/>
+            <a:r>
+              <a:rPr lang="en-US" altLang="ja-JP" dirty="0"/>
               <a:t>A</a:t>
             </a:r>
-            <a:endParaRPr kumimoji="1" lang="ja-JP" altLang="en-US" dirty="0"/>
+            <a:endParaRPr lang="ja-JP" altLang="en-US" dirty="0"/>
           </a:p>
         </p:txBody>
       </p:sp>
       <p:cxnSp>
         <p:nvCxnSpPr>
-          <p:cNvPr id="51" name="直線矢印コネクタ 50"/>
+          <p:cNvPr id="36" name="直線矢印コネクタ 35"/>
           <p:cNvCxnSpPr>
-            <a:stCxn id="52" idx="2"/>
-            <a:endCxn id="50" idx="6"/>
+            <a:stCxn id="38" idx="2"/>
+            <a:endCxn id="35" idx="6"/>
           </p:cNvCxnSpPr>
           <p:nvPr/>
         </p:nvCxnSpPr>
         <p:spPr>
           <a:xfrm flipH="1">
-            <a:off x="2096932" y="2315569"/>
+            <a:off x="2096932" y="2495627"/>
             <a:ext cx="432168" cy="0"/>
           </a:xfrm>
           <a:prstGeom prst="straightConnector1">
             <a:avLst/>
           </a:prstGeom>
-          <a:ln w="19050">
+          <a:ln w="31750">
             <a:solidFill>
               <a:schemeClr val="tx1"/>
             </a:solidFill>
-            <a:prstDash val="sysDash"/>
+            <a:prstDash val="sysDot"/>
             <a:tailEnd type="triangle" w="lg" len="med"/>
           </a:ln>
         </p:spPr>
@@ -6770,18 +7539,24 @@
       </p:cxnSp>
       <p:sp>
         <p:nvSpPr>
-          <p:cNvPr id="52" name="円/楕円 51"/>
+          <p:cNvPr id="38" name="円/楕円 37"/>
           <p:cNvSpPr/>
           <p:nvPr/>
         </p:nvSpPr>
         <p:spPr>
           <a:xfrm>
-            <a:off x="2529100" y="2045569"/>
+            <a:off x="2529100" y="2225627"/>
             <a:ext cx="540000" cy="540000"/>
           </a:xfrm>
           <a:prstGeom prst="ellipse">
             <a:avLst/>
           </a:prstGeom>
+          <a:solidFill>
+            <a:srgbClr val="FF0066"/>
+          </a:solidFill>
+          <a:ln>
+            <a:noFill/>
+          </a:ln>
         </p:spPr>
         <p:style>
           <a:lnRef idx="2">
@@ -6800,32 +7575,38 @@
           </a:fontRef>
         </p:style>
         <p:txBody>
-          <a:bodyPr rtlCol="0" anchor="ctr"/>
-          <a:lstStyle/>
-          <a:p>
-            <a:pPr algn="ctr"/>
-            <a:r>
-              <a:rPr kumimoji="1" lang="en-US" altLang="ja-JP" dirty="0" smtClean="0"/>
+          <a:bodyPr lIns="91429" tIns="45715" rIns="91429" bIns="45715" rtlCol="0" anchor="ctr"/>
+          <a:lstStyle/>
+          <a:p>
+            <a:pPr algn="ctr" defTabSz="914295"/>
+            <a:r>
+              <a:rPr lang="en-US" altLang="ja-JP" dirty="0"/>
               <a:t>B</a:t>
             </a:r>
-            <a:endParaRPr kumimoji="1" lang="ja-JP" altLang="en-US" dirty="0"/>
-          </a:p>
-        </p:txBody>
-      </p:sp>
-      <p:sp>
-        <p:nvSpPr>
-          <p:cNvPr id="53" name="円/楕円 52"/>
+            <a:endParaRPr lang="ja-JP" altLang="en-US" dirty="0"/>
+          </a:p>
+        </p:txBody>
+      </p:sp>
+      <p:sp>
+        <p:nvSpPr>
+          <p:cNvPr id="39" name="円/楕円 38"/>
           <p:cNvSpPr/>
           <p:nvPr/>
         </p:nvSpPr>
         <p:spPr>
           <a:xfrm>
-            <a:off x="3501268" y="2045569"/>
+            <a:off x="3501268" y="2225627"/>
             <a:ext cx="540000" cy="540000"/>
           </a:xfrm>
           <a:prstGeom prst="ellipse">
             <a:avLst/>
           </a:prstGeom>
+          <a:solidFill>
+            <a:srgbClr val="FF0066"/>
+          </a:solidFill>
+          <a:ln>
+            <a:noFill/>
+          </a:ln>
         </p:spPr>
         <p:style>
           <a:lnRef idx="2">
@@ -6844,40 +7625,40 @@
           </a:fontRef>
         </p:style>
         <p:txBody>
-          <a:bodyPr rtlCol="0" anchor="ctr"/>
-          <a:lstStyle/>
-          <a:p>
-            <a:pPr algn="ctr"/>
-            <a:r>
-              <a:rPr kumimoji="1" lang="en-US" altLang="ja-JP" dirty="0" smtClean="0"/>
+          <a:bodyPr lIns="91429" tIns="45715" rIns="91429" bIns="45715" rtlCol="0" anchor="ctr"/>
+          <a:lstStyle/>
+          <a:p>
+            <a:pPr algn="ctr" defTabSz="914295"/>
+            <a:r>
+              <a:rPr lang="en-US" altLang="ja-JP" dirty="0"/>
               <a:t>C</a:t>
             </a:r>
-            <a:endParaRPr kumimoji="1" lang="ja-JP" altLang="en-US" dirty="0"/>
+            <a:endParaRPr lang="ja-JP" altLang="en-US" dirty="0"/>
           </a:p>
         </p:txBody>
       </p:sp>
       <p:cxnSp>
         <p:nvCxnSpPr>
-          <p:cNvPr id="54" name="直線矢印コネクタ 53"/>
+          <p:cNvPr id="40" name="直線矢印コネクタ 39"/>
           <p:cNvCxnSpPr>
-            <a:stCxn id="53" idx="2"/>
-            <a:endCxn id="52" idx="6"/>
+            <a:stCxn id="39" idx="2"/>
+            <a:endCxn id="38" idx="6"/>
           </p:cNvCxnSpPr>
           <p:nvPr/>
         </p:nvCxnSpPr>
         <p:spPr>
           <a:xfrm flipH="1">
-            <a:off x="3069100" y="2315569"/>
+            <a:off x="3069100" y="2495627"/>
             <a:ext cx="432168" cy="0"/>
           </a:xfrm>
           <a:prstGeom prst="straightConnector1">
             <a:avLst/>
           </a:prstGeom>
-          <a:ln w="19050">
+          <a:ln w="31750">
             <a:solidFill>
               <a:schemeClr val="tx1"/>
             </a:solidFill>
-            <a:prstDash val="sysDash"/>
+            <a:prstDash val="sysDot"/>
             <a:tailEnd type="triangle" w="lg" len="med"/>
           </a:ln>
         </p:spPr>
@@ -6898,25 +7679,25 @@
       </p:cxnSp>
       <p:cxnSp>
         <p:nvCxnSpPr>
-          <p:cNvPr id="56" name="直線矢印コネクタ 55"/>
+          <p:cNvPr id="41" name="直線矢印コネクタ 40"/>
           <p:cNvCxnSpPr>
-            <a:endCxn id="53" idx="6"/>
+            <a:endCxn id="39" idx="6"/>
           </p:cNvCxnSpPr>
           <p:nvPr/>
         </p:nvCxnSpPr>
         <p:spPr>
           <a:xfrm flipH="1">
-            <a:off x="4041268" y="2315569"/>
+            <a:off x="4041268" y="2495627"/>
             <a:ext cx="414106" cy="0"/>
           </a:xfrm>
           <a:prstGeom prst="straightConnector1">
             <a:avLst/>
           </a:prstGeom>
-          <a:ln w="19050">
+          <a:ln w="31750">
             <a:solidFill>
               <a:schemeClr val="tx1"/>
             </a:solidFill>
-            <a:prstDash val="sysDash"/>
+            <a:prstDash val="sysDot"/>
             <a:tailEnd type="triangle" w="lg" len="med"/>
           </a:ln>
         </p:spPr>
@@ -6937,25 +7718,25 @@
       </p:cxnSp>
       <p:cxnSp>
         <p:nvCxnSpPr>
-          <p:cNvPr id="57" name="直線矢印コネクタ 56"/>
+          <p:cNvPr id="42" name="直線矢印コネクタ 41"/>
           <p:cNvCxnSpPr>
-            <a:stCxn id="58" idx="1"/>
+            <a:stCxn id="47" idx="1"/>
           </p:cNvCxnSpPr>
           <p:nvPr/>
         </p:nvCxnSpPr>
         <p:spPr>
           <a:xfrm flipH="1">
-            <a:off x="5706507" y="1745170"/>
+            <a:off x="5706507" y="1925228"/>
             <a:ext cx="428406" cy="273420"/>
           </a:xfrm>
           <a:prstGeom prst="straightConnector1">
             <a:avLst/>
           </a:prstGeom>
-          <a:ln w="19050">
+          <a:ln w="31750">
             <a:solidFill>
               <a:schemeClr val="tx1"/>
             </a:solidFill>
-            <a:prstDash val="sysDash"/>
+            <a:prstDash val="sysDot"/>
             <a:tailEnd type="triangle" w="lg" len="med"/>
           </a:ln>
         </p:spPr>
@@ -6976,19 +7757,20 @@
       </p:cxnSp>
       <p:sp>
         <p:nvSpPr>
-          <p:cNvPr id="58" name="正方形/長方形 57"/>
+          <p:cNvPr id="47" name="正方形/長方形 46"/>
           <p:cNvSpPr/>
           <p:nvPr/>
         </p:nvSpPr>
         <p:spPr>
           <a:xfrm>
-            <a:off x="6134913" y="1601154"/>
+            <a:off x="6134913" y="1781212"/>
             <a:ext cx="936044" cy="288032"/>
           </a:xfrm>
           <a:prstGeom prst="rect">
             <a:avLst/>
           </a:prstGeom>
           <a:ln>
+            <a:noFill/>
             <a:prstDash val="sysDash"/>
           </a:ln>
         </p:spPr>
@@ -7009,32 +7791,38 @@
           </a:fontRef>
         </p:style>
         <p:txBody>
-          <a:bodyPr rtlCol="0" anchor="ctr"/>
-          <a:lstStyle/>
-          <a:p>
-            <a:pPr algn="ctr"/>
-            <a:r>
-              <a:rPr kumimoji="1" lang="en-US" altLang="ja-JP" dirty="0" smtClean="0"/>
+          <a:bodyPr lIns="91429" tIns="45715" rIns="91429" bIns="45715" rtlCol="0" anchor="ctr"/>
+          <a:lstStyle/>
+          <a:p>
+            <a:pPr algn="ctr" defTabSz="914295"/>
+            <a:r>
+              <a:rPr lang="en-US" altLang="ja-JP" dirty="0"/>
               <a:t>master</a:t>
             </a:r>
-            <a:endParaRPr kumimoji="1" lang="ja-JP" altLang="en-US" dirty="0"/>
-          </a:p>
-        </p:txBody>
-      </p:sp>
-      <p:sp>
-        <p:nvSpPr>
-          <p:cNvPr id="61" name="円/楕円 60"/>
+            <a:endParaRPr lang="ja-JP" altLang="en-US" dirty="0"/>
+          </a:p>
+        </p:txBody>
+      </p:sp>
+      <p:sp>
+        <p:nvSpPr>
+          <p:cNvPr id="48" name="円/楕円 47"/>
           <p:cNvSpPr/>
           <p:nvPr/>
         </p:nvSpPr>
         <p:spPr>
           <a:xfrm>
-            <a:off x="4480634" y="2045569"/>
+            <a:off x="4480634" y="2225627"/>
             <a:ext cx="540000" cy="540000"/>
           </a:xfrm>
           <a:prstGeom prst="ellipse">
             <a:avLst/>
           </a:prstGeom>
+          <a:solidFill>
+            <a:srgbClr val="FF0066"/>
+          </a:solidFill>
+          <a:ln>
+            <a:noFill/>
+          </a:ln>
         </p:spPr>
         <p:style>
           <a:lnRef idx="2">
@@ -7053,32 +7841,38 @@
           </a:fontRef>
         </p:style>
         <p:txBody>
-          <a:bodyPr rtlCol="0" anchor="ctr"/>
-          <a:lstStyle/>
-          <a:p>
-            <a:pPr algn="ctr"/>
-            <a:r>
-              <a:rPr kumimoji="1" lang="en-US" altLang="ja-JP" dirty="0" smtClean="0"/>
+          <a:bodyPr lIns="91429" tIns="45715" rIns="91429" bIns="45715" rtlCol="0" anchor="ctr"/>
+          <a:lstStyle/>
+          <a:p>
+            <a:pPr algn="ctr" defTabSz="914295"/>
+            <a:r>
+              <a:rPr lang="en-US" altLang="ja-JP" dirty="0"/>
               <a:t>X</a:t>
             </a:r>
-            <a:endParaRPr kumimoji="1" lang="ja-JP" altLang="en-US" dirty="0"/>
-          </a:p>
-        </p:txBody>
-      </p:sp>
-      <p:sp>
-        <p:nvSpPr>
-          <p:cNvPr id="63" name="円/楕円 62"/>
+            <a:endParaRPr lang="ja-JP" altLang="en-US" dirty="0"/>
+          </a:p>
+        </p:txBody>
+      </p:sp>
+      <p:sp>
+        <p:nvSpPr>
+          <p:cNvPr id="49" name="円/楕円 48"/>
           <p:cNvSpPr/>
           <p:nvPr/>
         </p:nvSpPr>
         <p:spPr>
           <a:xfrm>
-            <a:off x="5432875" y="2045569"/>
+            <a:off x="5432875" y="2225627"/>
             <a:ext cx="540000" cy="540000"/>
           </a:xfrm>
           <a:prstGeom prst="ellipse">
             <a:avLst/>
           </a:prstGeom>
+          <a:solidFill>
+            <a:srgbClr val="FF0066"/>
+          </a:solidFill>
+          <a:ln>
+            <a:noFill/>
+          </a:ln>
         </p:spPr>
         <p:style>
           <a:lnRef idx="2">
@@ -7097,39 +7891,39 @@
           </a:fontRef>
         </p:style>
         <p:txBody>
-          <a:bodyPr rtlCol="0" anchor="ctr"/>
-          <a:lstStyle/>
-          <a:p>
-            <a:pPr algn="ctr"/>
-            <a:r>
-              <a:rPr kumimoji="1" lang="en-US" altLang="ja-JP" dirty="0" smtClean="0"/>
+          <a:bodyPr lIns="91429" tIns="45715" rIns="91429" bIns="45715" rtlCol="0" anchor="ctr"/>
+          <a:lstStyle/>
+          <a:p>
+            <a:pPr algn="ctr" defTabSz="914295"/>
+            <a:r>
+              <a:rPr lang="en-US" altLang="ja-JP" dirty="0"/>
               <a:t>Y</a:t>
             </a:r>
-            <a:endParaRPr kumimoji="1" lang="ja-JP" altLang="en-US" dirty="0"/>
+            <a:endParaRPr lang="ja-JP" altLang="en-US" dirty="0"/>
           </a:p>
         </p:txBody>
       </p:sp>
       <p:cxnSp>
         <p:nvCxnSpPr>
-          <p:cNvPr id="64" name="直線矢印コネクタ 63"/>
+          <p:cNvPr id="55" name="直線矢印コネクタ 54"/>
           <p:cNvCxnSpPr>
-            <a:stCxn id="63" idx="2"/>
+            <a:stCxn id="49" idx="2"/>
           </p:cNvCxnSpPr>
           <p:nvPr/>
         </p:nvCxnSpPr>
         <p:spPr>
           <a:xfrm flipH="1">
-            <a:off x="5018769" y="2315569"/>
+            <a:off x="5018769" y="2495627"/>
             <a:ext cx="414106" cy="0"/>
           </a:xfrm>
           <a:prstGeom prst="straightConnector1">
             <a:avLst/>
           </a:prstGeom>
-          <a:ln w="19050">
+          <a:ln w="31750">
             <a:solidFill>
               <a:schemeClr val="tx1"/>
             </a:solidFill>
-            <a:prstDash val="sysDash"/>
+            <a:prstDash val="sysDot"/>
             <a:tailEnd type="triangle" w="lg" len="med"/>
           </a:ln>
         </p:spPr>
@@ -7148,6 +7942,435 @@
           </a:fontRef>
         </p:style>
       </p:cxnSp>
+      <p:sp>
+        <p:nvSpPr>
+          <p:cNvPr id="59" name="角丸四角形吹き出し 70"/>
+          <p:cNvSpPr/>
+          <p:nvPr/>
+        </p:nvSpPr>
+        <p:spPr>
+          <a:xfrm>
+            <a:off x="203401" y="123901"/>
+            <a:ext cx="8737200" cy="1433282"/>
+          </a:xfrm>
+          <a:custGeom>
+            <a:avLst/>
+            <a:gdLst>
+              <a:gd name="connsiteX0" fmla="*/ 0 w 8541658"/>
+              <a:gd name="connsiteY0" fmla="*/ 214817 h 1288876"/>
+              <a:gd name="connsiteX1" fmla="*/ 214817 w 8541658"/>
+              <a:gd name="connsiteY1" fmla="*/ 0 h 1288876"/>
+              <a:gd name="connsiteX2" fmla="*/ 1423610 w 8541658"/>
+              <a:gd name="connsiteY2" fmla="*/ 0 h 1288876"/>
+              <a:gd name="connsiteX3" fmla="*/ 1423610 w 8541658"/>
+              <a:gd name="connsiteY3" fmla="*/ 0 h 1288876"/>
+              <a:gd name="connsiteX4" fmla="*/ 3559024 w 8541658"/>
+              <a:gd name="connsiteY4" fmla="*/ 0 h 1288876"/>
+              <a:gd name="connsiteX5" fmla="*/ 8326841 w 8541658"/>
+              <a:gd name="connsiteY5" fmla="*/ 0 h 1288876"/>
+              <a:gd name="connsiteX6" fmla="*/ 8541658 w 8541658"/>
+              <a:gd name="connsiteY6" fmla="*/ 214817 h 1288876"/>
+              <a:gd name="connsiteX7" fmla="*/ 8541658 w 8541658"/>
+              <a:gd name="connsiteY7" fmla="*/ 751844 h 1288876"/>
+              <a:gd name="connsiteX8" fmla="*/ 8541658 w 8541658"/>
+              <a:gd name="connsiteY8" fmla="*/ 751844 h 1288876"/>
+              <a:gd name="connsiteX9" fmla="*/ 8541658 w 8541658"/>
+              <a:gd name="connsiteY9" fmla="*/ 1074063 h 1288876"/>
+              <a:gd name="connsiteX10" fmla="*/ 8541658 w 8541658"/>
+              <a:gd name="connsiteY10" fmla="*/ 1074059 h 1288876"/>
+              <a:gd name="connsiteX11" fmla="*/ 8326841 w 8541658"/>
+              <a:gd name="connsiteY11" fmla="*/ 1288876 h 1288876"/>
+              <a:gd name="connsiteX12" fmla="*/ 3559024 w 8541658"/>
+              <a:gd name="connsiteY12" fmla="*/ 1288876 h 1288876"/>
+              <a:gd name="connsiteX13" fmla="*/ 2230227 w 8541658"/>
+              <a:gd name="connsiteY13" fmla="*/ 1471381 h 1288876"/>
+              <a:gd name="connsiteX14" fmla="*/ 1423610 w 8541658"/>
+              <a:gd name="connsiteY14" fmla="*/ 1288876 h 1288876"/>
+              <a:gd name="connsiteX15" fmla="*/ 214817 w 8541658"/>
+              <a:gd name="connsiteY15" fmla="*/ 1288876 h 1288876"/>
+              <a:gd name="connsiteX16" fmla="*/ 0 w 8541658"/>
+              <a:gd name="connsiteY16" fmla="*/ 1074059 h 1288876"/>
+              <a:gd name="connsiteX17" fmla="*/ 0 w 8541658"/>
+              <a:gd name="connsiteY17" fmla="*/ 1074063 h 1288876"/>
+              <a:gd name="connsiteX18" fmla="*/ 0 w 8541658"/>
+              <a:gd name="connsiteY18" fmla="*/ 751844 h 1288876"/>
+              <a:gd name="connsiteX19" fmla="*/ 0 w 8541658"/>
+              <a:gd name="connsiteY19" fmla="*/ 751844 h 1288876"/>
+              <a:gd name="connsiteX20" fmla="*/ 0 w 8541658"/>
+              <a:gd name="connsiteY20" fmla="*/ 214817 h 1288876"/>
+              <a:gd name="connsiteX0" fmla="*/ 0 w 8541658"/>
+              <a:gd name="connsiteY0" fmla="*/ 214817 h 1471381"/>
+              <a:gd name="connsiteX1" fmla="*/ 214817 w 8541658"/>
+              <a:gd name="connsiteY1" fmla="*/ 0 h 1471381"/>
+              <a:gd name="connsiteX2" fmla="*/ 1423610 w 8541658"/>
+              <a:gd name="connsiteY2" fmla="*/ 0 h 1471381"/>
+              <a:gd name="connsiteX3" fmla="*/ 1423610 w 8541658"/>
+              <a:gd name="connsiteY3" fmla="*/ 0 h 1471381"/>
+              <a:gd name="connsiteX4" fmla="*/ 3559024 w 8541658"/>
+              <a:gd name="connsiteY4" fmla="*/ 0 h 1471381"/>
+              <a:gd name="connsiteX5" fmla="*/ 8326841 w 8541658"/>
+              <a:gd name="connsiteY5" fmla="*/ 0 h 1471381"/>
+              <a:gd name="connsiteX6" fmla="*/ 8541658 w 8541658"/>
+              <a:gd name="connsiteY6" fmla="*/ 214817 h 1471381"/>
+              <a:gd name="connsiteX7" fmla="*/ 8541658 w 8541658"/>
+              <a:gd name="connsiteY7" fmla="*/ 751844 h 1471381"/>
+              <a:gd name="connsiteX8" fmla="*/ 8541658 w 8541658"/>
+              <a:gd name="connsiteY8" fmla="*/ 751844 h 1471381"/>
+              <a:gd name="connsiteX9" fmla="*/ 8541658 w 8541658"/>
+              <a:gd name="connsiteY9" fmla="*/ 1074063 h 1471381"/>
+              <a:gd name="connsiteX10" fmla="*/ 8541658 w 8541658"/>
+              <a:gd name="connsiteY10" fmla="*/ 1074059 h 1471381"/>
+              <a:gd name="connsiteX11" fmla="*/ 8326841 w 8541658"/>
+              <a:gd name="connsiteY11" fmla="*/ 1288876 h 1471381"/>
+              <a:gd name="connsiteX12" fmla="*/ 1852144 w 8541658"/>
+              <a:gd name="connsiteY12" fmla="*/ 1288876 h 1471381"/>
+              <a:gd name="connsiteX13" fmla="*/ 2230227 w 8541658"/>
+              <a:gd name="connsiteY13" fmla="*/ 1471381 h 1471381"/>
+              <a:gd name="connsiteX14" fmla="*/ 1423610 w 8541658"/>
+              <a:gd name="connsiteY14" fmla="*/ 1288876 h 1471381"/>
+              <a:gd name="connsiteX15" fmla="*/ 214817 w 8541658"/>
+              <a:gd name="connsiteY15" fmla="*/ 1288876 h 1471381"/>
+              <a:gd name="connsiteX16" fmla="*/ 0 w 8541658"/>
+              <a:gd name="connsiteY16" fmla="*/ 1074059 h 1471381"/>
+              <a:gd name="connsiteX17" fmla="*/ 0 w 8541658"/>
+              <a:gd name="connsiteY17" fmla="*/ 1074063 h 1471381"/>
+              <a:gd name="connsiteX18" fmla="*/ 0 w 8541658"/>
+              <a:gd name="connsiteY18" fmla="*/ 751844 h 1471381"/>
+              <a:gd name="connsiteX19" fmla="*/ 0 w 8541658"/>
+              <a:gd name="connsiteY19" fmla="*/ 751844 h 1471381"/>
+              <a:gd name="connsiteX20" fmla="*/ 0 w 8541658"/>
+              <a:gd name="connsiteY20" fmla="*/ 214817 h 1471381"/>
+              <a:gd name="connsiteX0" fmla="*/ 0 w 8541658"/>
+              <a:gd name="connsiteY0" fmla="*/ 214817 h 1433281"/>
+              <a:gd name="connsiteX1" fmla="*/ 214817 w 8541658"/>
+              <a:gd name="connsiteY1" fmla="*/ 0 h 1433281"/>
+              <a:gd name="connsiteX2" fmla="*/ 1423610 w 8541658"/>
+              <a:gd name="connsiteY2" fmla="*/ 0 h 1433281"/>
+              <a:gd name="connsiteX3" fmla="*/ 1423610 w 8541658"/>
+              <a:gd name="connsiteY3" fmla="*/ 0 h 1433281"/>
+              <a:gd name="connsiteX4" fmla="*/ 3559024 w 8541658"/>
+              <a:gd name="connsiteY4" fmla="*/ 0 h 1433281"/>
+              <a:gd name="connsiteX5" fmla="*/ 8326841 w 8541658"/>
+              <a:gd name="connsiteY5" fmla="*/ 0 h 1433281"/>
+              <a:gd name="connsiteX6" fmla="*/ 8541658 w 8541658"/>
+              <a:gd name="connsiteY6" fmla="*/ 214817 h 1433281"/>
+              <a:gd name="connsiteX7" fmla="*/ 8541658 w 8541658"/>
+              <a:gd name="connsiteY7" fmla="*/ 751844 h 1433281"/>
+              <a:gd name="connsiteX8" fmla="*/ 8541658 w 8541658"/>
+              <a:gd name="connsiteY8" fmla="*/ 751844 h 1433281"/>
+              <a:gd name="connsiteX9" fmla="*/ 8541658 w 8541658"/>
+              <a:gd name="connsiteY9" fmla="*/ 1074063 h 1433281"/>
+              <a:gd name="connsiteX10" fmla="*/ 8541658 w 8541658"/>
+              <a:gd name="connsiteY10" fmla="*/ 1074059 h 1433281"/>
+              <a:gd name="connsiteX11" fmla="*/ 8326841 w 8541658"/>
+              <a:gd name="connsiteY11" fmla="*/ 1288876 h 1433281"/>
+              <a:gd name="connsiteX12" fmla="*/ 1852144 w 8541658"/>
+              <a:gd name="connsiteY12" fmla="*/ 1288876 h 1433281"/>
+              <a:gd name="connsiteX13" fmla="*/ 1864467 w 8541658"/>
+              <a:gd name="connsiteY13" fmla="*/ 1433281 h 1433281"/>
+              <a:gd name="connsiteX14" fmla="*/ 1423610 w 8541658"/>
+              <a:gd name="connsiteY14" fmla="*/ 1288876 h 1433281"/>
+              <a:gd name="connsiteX15" fmla="*/ 214817 w 8541658"/>
+              <a:gd name="connsiteY15" fmla="*/ 1288876 h 1433281"/>
+              <a:gd name="connsiteX16" fmla="*/ 0 w 8541658"/>
+              <a:gd name="connsiteY16" fmla="*/ 1074059 h 1433281"/>
+              <a:gd name="connsiteX17" fmla="*/ 0 w 8541658"/>
+              <a:gd name="connsiteY17" fmla="*/ 1074063 h 1433281"/>
+              <a:gd name="connsiteX18" fmla="*/ 0 w 8541658"/>
+              <a:gd name="connsiteY18" fmla="*/ 751844 h 1433281"/>
+              <a:gd name="connsiteX19" fmla="*/ 0 w 8541658"/>
+              <a:gd name="connsiteY19" fmla="*/ 751844 h 1433281"/>
+              <a:gd name="connsiteX20" fmla="*/ 0 w 8541658"/>
+              <a:gd name="connsiteY20" fmla="*/ 214817 h 1433281"/>
+            </a:gdLst>
+            <a:ahLst/>
+            <a:cxnLst>
+              <a:cxn ang="0">
+                <a:pos x="connsiteX0" y="connsiteY0"/>
+              </a:cxn>
+              <a:cxn ang="0">
+                <a:pos x="connsiteX1" y="connsiteY1"/>
+              </a:cxn>
+              <a:cxn ang="0">
+                <a:pos x="connsiteX2" y="connsiteY2"/>
+              </a:cxn>
+              <a:cxn ang="0">
+                <a:pos x="connsiteX3" y="connsiteY3"/>
+              </a:cxn>
+              <a:cxn ang="0">
+                <a:pos x="connsiteX4" y="connsiteY4"/>
+              </a:cxn>
+              <a:cxn ang="0">
+                <a:pos x="connsiteX5" y="connsiteY5"/>
+              </a:cxn>
+              <a:cxn ang="0">
+                <a:pos x="connsiteX6" y="connsiteY6"/>
+              </a:cxn>
+              <a:cxn ang="0">
+                <a:pos x="connsiteX7" y="connsiteY7"/>
+              </a:cxn>
+              <a:cxn ang="0">
+                <a:pos x="connsiteX8" y="connsiteY8"/>
+              </a:cxn>
+              <a:cxn ang="0">
+                <a:pos x="connsiteX9" y="connsiteY9"/>
+              </a:cxn>
+              <a:cxn ang="0">
+                <a:pos x="connsiteX10" y="connsiteY10"/>
+              </a:cxn>
+              <a:cxn ang="0">
+                <a:pos x="connsiteX11" y="connsiteY11"/>
+              </a:cxn>
+              <a:cxn ang="0">
+                <a:pos x="connsiteX12" y="connsiteY12"/>
+              </a:cxn>
+              <a:cxn ang="0">
+                <a:pos x="connsiteX13" y="connsiteY13"/>
+              </a:cxn>
+              <a:cxn ang="0">
+                <a:pos x="connsiteX14" y="connsiteY14"/>
+              </a:cxn>
+              <a:cxn ang="0">
+                <a:pos x="connsiteX15" y="connsiteY15"/>
+              </a:cxn>
+              <a:cxn ang="0">
+                <a:pos x="connsiteX16" y="connsiteY16"/>
+              </a:cxn>
+              <a:cxn ang="0">
+                <a:pos x="connsiteX17" y="connsiteY17"/>
+              </a:cxn>
+              <a:cxn ang="0">
+                <a:pos x="connsiteX18" y="connsiteY18"/>
+              </a:cxn>
+              <a:cxn ang="0">
+                <a:pos x="connsiteX19" y="connsiteY19"/>
+              </a:cxn>
+              <a:cxn ang="0">
+                <a:pos x="connsiteX20" y="connsiteY20"/>
+              </a:cxn>
+            </a:cxnLst>
+            <a:rect l="l" t="t" r="r" b="b"/>
+            <a:pathLst>
+              <a:path w="8541658" h="1433281">
+                <a:moveTo>
+                  <a:pt x="0" y="214817"/>
+                </a:moveTo>
+                <a:cubicBezTo>
+                  <a:pt x="0" y="96177"/>
+                  <a:pt x="96177" y="0"/>
+                  <a:pt x="214817" y="0"/>
+                </a:cubicBezTo>
+                <a:lnTo>
+                  <a:pt x="1423610" y="0"/>
+                </a:lnTo>
+                <a:lnTo>
+                  <a:pt x="1423610" y="0"/>
+                </a:lnTo>
+                <a:lnTo>
+                  <a:pt x="3559024" y="0"/>
+                </a:lnTo>
+                <a:lnTo>
+                  <a:pt x="8326841" y="0"/>
+                </a:lnTo>
+                <a:cubicBezTo>
+                  <a:pt x="8445481" y="0"/>
+                  <a:pt x="8541658" y="96177"/>
+                  <a:pt x="8541658" y="214817"/>
+                </a:cubicBezTo>
+                <a:lnTo>
+                  <a:pt x="8541658" y="751844"/>
+                </a:lnTo>
+                <a:lnTo>
+                  <a:pt x="8541658" y="751844"/>
+                </a:lnTo>
+                <a:lnTo>
+                  <a:pt x="8541658" y="1074063"/>
+                </a:lnTo>
+                <a:lnTo>
+                  <a:pt x="8541658" y="1074059"/>
+                </a:lnTo>
+                <a:cubicBezTo>
+                  <a:pt x="8541658" y="1192699"/>
+                  <a:pt x="8445481" y="1288876"/>
+                  <a:pt x="8326841" y="1288876"/>
+                </a:cubicBezTo>
+                <a:lnTo>
+                  <a:pt x="1852144" y="1288876"/>
+                </a:lnTo>
+                <a:lnTo>
+                  <a:pt x="1864467" y="1433281"/>
+                </a:lnTo>
+                <a:lnTo>
+                  <a:pt x="1423610" y="1288876"/>
+                </a:lnTo>
+                <a:lnTo>
+                  <a:pt x="214817" y="1288876"/>
+                </a:lnTo>
+                <a:cubicBezTo>
+                  <a:pt x="96177" y="1288876"/>
+                  <a:pt x="0" y="1192699"/>
+                  <a:pt x="0" y="1074059"/>
+                </a:cubicBezTo>
+                <a:lnTo>
+                  <a:pt x="0" y="1074063"/>
+                </a:lnTo>
+                <a:lnTo>
+                  <a:pt x="0" y="751844"/>
+                </a:lnTo>
+                <a:lnTo>
+                  <a:pt x="0" y="751844"/>
+                </a:lnTo>
+                <a:lnTo>
+                  <a:pt x="0" y="214817"/>
+                </a:lnTo>
+                <a:close/>
+              </a:path>
+            </a:pathLst>
+          </a:custGeom>
+          <a:solidFill>
+            <a:srgbClr val="03C924"/>
+          </a:solidFill>
+          <a:ln>
+            <a:noFill/>
+          </a:ln>
+        </p:spPr>
+        <p:style>
+          <a:lnRef idx="2">
+            <a:schemeClr val="accent1">
+              <a:shade val="50000"/>
+            </a:schemeClr>
+          </a:lnRef>
+          <a:fillRef idx="1">
+            <a:schemeClr val="accent1"/>
+          </a:fillRef>
+          <a:effectRef idx="0">
+            <a:schemeClr val="accent1"/>
+          </a:effectRef>
+          <a:fontRef idx="minor">
+            <a:schemeClr val="lt1"/>
+          </a:fontRef>
+        </p:style>
+        <p:txBody>
+          <a:bodyPr lIns="143983" tIns="143983" rIns="143983" bIns="0" rtlCol="0" anchor="ctr"/>
+          <a:lstStyle/>
+          <a:p>
+            <a:r>
+              <a:rPr lang="ja-JP" altLang="en-US" b="1" dirty="0">
+                <a:ea typeface="ＭＳ ゴシック" panose="020B0609070205080204" pitchFamily="49" charset="-128"/>
+              </a:rPr>
+              <a:t>「</a:t>
+            </a:r>
+            <a:r>
+              <a:rPr lang="en-US" altLang="ja-JP" b="1" dirty="0" err="1">
+                <a:ea typeface="ＭＳ ゴシック" panose="020B0609070205080204" pitchFamily="49" charset="-128"/>
+              </a:rPr>
+              <a:t>git</a:t>
+            </a:r>
+            <a:r>
+              <a:rPr lang="en-US" altLang="ja-JP" b="1" dirty="0">
+                <a:ea typeface="ＭＳ ゴシック" panose="020B0609070205080204" pitchFamily="49" charset="-128"/>
+              </a:rPr>
+              <a:t> rebase origin/master</a:t>
+            </a:r>
+            <a:r>
+              <a:rPr lang="ja-JP" altLang="en-US" b="1" dirty="0">
+                <a:ea typeface="ＭＳ ゴシック" panose="020B0609070205080204" pitchFamily="49" charset="-128"/>
+              </a:rPr>
+              <a:t>」を</a:t>
+            </a:r>
+            <a:r>
+              <a:rPr lang="ja-JP" altLang="en-US" b="1" dirty="0" smtClean="0">
+                <a:ea typeface="ＭＳ ゴシック" panose="020B0609070205080204" pitchFamily="49" charset="-128"/>
+              </a:rPr>
+              <a:t>実行。</a:t>
+            </a:r>
+            <a:endParaRPr lang="ja-JP" altLang="en-US" b="1" dirty="0">
+              <a:ea typeface="ＭＳ ゴシック" panose="020B0609070205080204" pitchFamily="49" charset="-128"/>
+            </a:endParaRPr>
+          </a:p>
+          <a:p>
+            <a:r>
+              <a:rPr lang="ja-JP" altLang="en-US" b="1" dirty="0" smtClean="0">
+                <a:ea typeface="ＭＳ ゴシック" panose="020B0609070205080204" pitchFamily="49" charset="-128"/>
+              </a:rPr>
+              <a:t>ローカルリポジトリの </a:t>
+            </a:r>
+            <a:r>
+              <a:rPr lang="en-US" altLang="ja-JP" b="1" dirty="0" smtClean="0">
+                <a:ea typeface="ＭＳ ゴシック" panose="020B0609070205080204" pitchFamily="49" charset="-128"/>
+              </a:rPr>
+              <a:t>master</a:t>
+            </a:r>
+            <a:r>
+              <a:rPr lang="ja-JP" altLang="en-US" b="1" dirty="0" smtClean="0">
+                <a:ea typeface="ＭＳ ゴシック" panose="020B0609070205080204" pitchFamily="49" charset="-128"/>
+              </a:rPr>
+              <a:t> ブランチ</a:t>
+            </a:r>
+            <a:r>
+              <a:rPr lang="ja-JP" altLang="en-US" b="1" dirty="0">
+                <a:ea typeface="ＭＳ ゴシック" panose="020B0609070205080204" pitchFamily="49" charset="-128"/>
+              </a:rPr>
+              <a:t>で作られた</a:t>
+            </a:r>
+            <a:r>
+              <a:rPr lang="ja-JP" altLang="en-US" b="1" dirty="0" smtClean="0">
+                <a:ea typeface="ＭＳ ゴシック" panose="020B0609070205080204" pitchFamily="49" charset="-128"/>
+              </a:rPr>
+              <a:t>コミット </a:t>
+            </a:r>
+            <a:r>
+              <a:rPr lang="en-US" altLang="ja-JP" b="1" dirty="0" smtClean="0">
+                <a:ea typeface="ＭＳ ゴシック" panose="020B0609070205080204" pitchFamily="49" charset="-128"/>
+              </a:rPr>
+              <a:t>D</a:t>
+            </a:r>
+            <a:r>
+              <a:rPr lang="ja-JP" altLang="en-US" b="1" dirty="0" smtClean="0">
+                <a:ea typeface="ＭＳ ゴシック" panose="020B0609070205080204" pitchFamily="49" charset="-128"/>
+              </a:rPr>
+              <a:t> が</a:t>
+            </a:r>
+            <a:endParaRPr lang="en-US" altLang="ja-JP" b="1" dirty="0" smtClean="0">
+              <a:ea typeface="ＭＳ ゴシック" panose="020B0609070205080204" pitchFamily="49" charset="-128"/>
+            </a:endParaRPr>
+          </a:p>
+          <a:p>
+            <a:r>
+              <a:rPr lang="en-US" altLang="ja-JP" b="1" dirty="0" smtClean="0">
+                <a:ea typeface="ＭＳ ゴシック" panose="020B0609070205080204" pitchFamily="49" charset="-128"/>
+              </a:rPr>
+              <a:t>origin/master </a:t>
+            </a:r>
+            <a:r>
+              <a:rPr lang="ja-JP" altLang="en-US" b="1" dirty="0" smtClean="0">
+                <a:ea typeface="ＭＳ ゴシック" panose="020B0609070205080204" pitchFamily="49" charset="-128"/>
+              </a:rPr>
+              <a:t>ブランチ</a:t>
+            </a:r>
+            <a:r>
+              <a:rPr lang="ja-JP" altLang="en-US" b="1" dirty="0">
+                <a:ea typeface="ＭＳ ゴシック" panose="020B0609070205080204" pitchFamily="49" charset="-128"/>
+              </a:rPr>
+              <a:t>の先頭に付け替えられた</a:t>
+            </a:r>
+            <a:r>
+              <a:rPr lang="ja-JP" altLang="en-US" b="1" dirty="0" smtClean="0">
+                <a:ea typeface="ＭＳ ゴシック" panose="020B0609070205080204" pitchFamily="49" charset="-128"/>
+              </a:rPr>
+              <a:t>。</a:t>
+            </a:r>
+            <a:endParaRPr lang="en-US" altLang="ja-JP" b="1" dirty="0" smtClean="0">
+              <a:ea typeface="ＭＳ ゴシック" panose="020B0609070205080204" pitchFamily="49" charset="-128"/>
+            </a:endParaRPr>
+          </a:p>
+          <a:p>
+            <a:endParaRPr lang="ja-JP" altLang="en-US" b="1" dirty="0">
+              <a:ea typeface="ＭＳ ゴシック" panose="020B0609070205080204" pitchFamily="49" charset="-128"/>
+            </a:endParaRPr>
+          </a:p>
+        </p:txBody>
+      </p:sp>
     </p:spTree>
     <p:extLst>
       <p:ext uri="{BB962C8B-B14F-4D97-AF65-F5344CB8AC3E}">
@@ -7180,18 +8403,85 @@
       </p:grpSpPr>
       <p:sp>
         <p:nvSpPr>
-          <p:cNvPr id="21" name="円/楕円 20"/>
+          <p:cNvPr id="30" name="正方形/長方形 29"/>
           <p:cNvSpPr/>
           <p:nvPr/>
         </p:nvSpPr>
         <p:spPr>
           <a:xfrm>
-            <a:off x="1554987" y="4741592"/>
+            <a:off x="395536" y="1630630"/>
+            <a:ext cx="8352928" cy="2515717"/>
+          </a:xfrm>
+          <a:prstGeom prst="rect">
+            <a:avLst/>
+          </a:prstGeom>
+          <a:solidFill>
+            <a:srgbClr val="F7A021"/>
+          </a:solidFill>
+          <a:ln>
+            <a:noFill/>
+          </a:ln>
+        </p:spPr>
+        <p:style>
+          <a:lnRef idx="2">
+            <a:schemeClr val="accent5">
+              <a:shade val="50000"/>
+            </a:schemeClr>
+          </a:lnRef>
+          <a:fillRef idx="1">
+            <a:schemeClr val="accent5"/>
+          </a:fillRef>
+          <a:effectRef idx="0">
+            <a:schemeClr val="accent5"/>
+          </a:effectRef>
+          <a:fontRef idx="minor">
+            <a:schemeClr val="lt1"/>
+          </a:fontRef>
+        </p:style>
+        <p:txBody>
+          <a:bodyPr rtlCol="0" anchor="t" anchorCtr="0"/>
+          <a:lstStyle/>
+          <a:p>
+            <a:r>
+              <a:rPr lang="ja-JP" altLang="en-US" b="1" dirty="0">
+                <a:solidFill>
+                  <a:schemeClr val="bg1"/>
+                </a:solidFill>
+                <a:latin typeface="ＭＳ ゴシック" panose="020B0609070205080204" pitchFamily="49" charset="-128"/>
+                <a:ea typeface="ＭＳ ゴシック" panose="020B0609070205080204" pitchFamily="49" charset="-128"/>
+              </a:rPr>
+              <a:t>リモートリポジトリ</a:t>
+            </a:r>
+            <a:endParaRPr lang="ja-JP" altLang="en-US" b="1" dirty="0">
+              <a:solidFill>
+                <a:schemeClr val="bg1"/>
+              </a:solidFill>
+              <a:latin typeface="ＭＳ ゴシック" panose="020B0609070205080204" pitchFamily="49" charset="-128"/>
+              <a:ea typeface="ＭＳ ゴシック" panose="020B0609070205080204" pitchFamily="49" charset="-128"/>
+            </a:endParaRPr>
+          </a:p>
+        </p:txBody>
+      </p:sp>
+      <p:sp>
+        <p:nvSpPr>
+          <p:cNvPr id="50" name="円/楕円 49"/>
+          <p:cNvSpPr/>
+          <p:nvPr/>
+        </p:nvSpPr>
+        <p:spPr>
+          <a:xfrm>
+            <a:off x="1556932" y="2222894"/>
             <a:ext cx="540000" cy="540000"/>
           </a:xfrm>
           <a:prstGeom prst="ellipse">
             <a:avLst/>
           </a:prstGeom>
+          <a:solidFill>
+            <a:srgbClr val="FF0066"/>
+          </a:solidFill>
+          <a:ln>
+            <a:noFill/>
+          </a:ln>
         </p:spPr>
         <p:style>
           <a:lnRef idx="2">
@@ -7210,837 +8500,15 @@
           </a:fontRef>
         </p:style>
         <p:txBody>
-          <a:bodyPr rtlCol="0" anchor="ctr"/>
-          <a:lstStyle/>
-          <a:p>
-            <a:pPr algn="ctr"/>
-            <a:r>
-              <a:rPr kumimoji="1" lang="en-US" altLang="ja-JP" dirty="0" smtClean="0"/>
+          <a:bodyPr lIns="91429" tIns="45715" rIns="91429" bIns="45715" rtlCol="0" anchor="ctr"/>
+          <a:lstStyle/>
+          <a:p>
+            <a:pPr algn="ctr" defTabSz="914295"/>
+            <a:r>
+              <a:rPr lang="en-US" altLang="ja-JP" dirty="0"/>
               <a:t>A</a:t>
             </a:r>
-            <a:endParaRPr kumimoji="1" lang="ja-JP" altLang="en-US" dirty="0"/>
-          </a:p>
-        </p:txBody>
-      </p:sp>
-      <p:cxnSp>
-        <p:nvCxnSpPr>
-          <p:cNvPr id="22" name="直線矢印コネクタ 21"/>
-          <p:cNvCxnSpPr>
-            <a:stCxn id="23" idx="2"/>
-            <a:endCxn id="21" idx="6"/>
-          </p:cNvCxnSpPr>
-          <p:nvPr/>
-        </p:nvCxnSpPr>
-        <p:spPr>
-          <a:xfrm flipH="1">
-            <a:off x="2094987" y="5011592"/>
-            <a:ext cx="432168" cy="0"/>
-          </a:xfrm>
-          <a:prstGeom prst="straightConnector1">
-            <a:avLst/>
-          </a:prstGeom>
-          <a:ln w="19050">
-            <a:solidFill>
-              <a:schemeClr val="tx1"/>
-            </a:solidFill>
-            <a:prstDash val="sysDash"/>
-            <a:tailEnd type="triangle" w="lg" len="med"/>
-          </a:ln>
-        </p:spPr>
-        <p:style>
-          <a:lnRef idx="1">
-            <a:schemeClr val="accent1"/>
-          </a:lnRef>
-          <a:fillRef idx="0">
-            <a:schemeClr val="accent1"/>
-          </a:fillRef>
-          <a:effectRef idx="0">
-            <a:schemeClr val="accent1"/>
-          </a:effectRef>
-          <a:fontRef idx="minor">
-            <a:schemeClr val="tx1"/>
-          </a:fontRef>
-        </p:style>
-      </p:cxnSp>
-      <p:sp>
-        <p:nvSpPr>
-          <p:cNvPr id="23" name="円/楕円 22"/>
-          <p:cNvSpPr/>
-          <p:nvPr/>
-        </p:nvSpPr>
-        <p:spPr>
-          <a:xfrm>
-            <a:off x="2527155" y="4741592"/>
-            <a:ext cx="540000" cy="540000"/>
-          </a:xfrm>
-          <a:prstGeom prst="ellipse">
-            <a:avLst/>
-          </a:prstGeom>
-        </p:spPr>
-        <p:style>
-          <a:lnRef idx="2">
-            <a:schemeClr val="accent2">
-              <a:shade val="50000"/>
-            </a:schemeClr>
-          </a:lnRef>
-          <a:fillRef idx="1">
-            <a:schemeClr val="accent2"/>
-          </a:fillRef>
-          <a:effectRef idx="0">
-            <a:schemeClr val="accent2"/>
-          </a:effectRef>
-          <a:fontRef idx="minor">
-            <a:schemeClr val="lt1"/>
-          </a:fontRef>
-        </p:style>
-        <p:txBody>
-          <a:bodyPr rtlCol="0" anchor="ctr"/>
-          <a:lstStyle/>
-          <a:p>
-            <a:pPr algn="ctr"/>
-            <a:r>
-              <a:rPr kumimoji="1" lang="en-US" altLang="ja-JP" dirty="0" smtClean="0"/>
-              <a:t>B</a:t>
-            </a:r>
-            <a:endParaRPr kumimoji="1" lang="ja-JP" altLang="en-US" dirty="0"/>
-          </a:p>
-        </p:txBody>
-      </p:sp>
-      <p:sp>
-        <p:nvSpPr>
-          <p:cNvPr id="24" name="円/楕円 23"/>
-          <p:cNvSpPr/>
-          <p:nvPr/>
-        </p:nvSpPr>
-        <p:spPr>
-          <a:xfrm>
-            <a:off x="3499323" y="4741592"/>
-            <a:ext cx="540000" cy="540000"/>
-          </a:xfrm>
-          <a:prstGeom prst="ellipse">
-            <a:avLst/>
-          </a:prstGeom>
-        </p:spPr>
-        <p:style>
-          <a:lnRef idx="2">
-            <a:schemeClr val="accent2">
-              <a:shade val="50000"/>
-            </a:schemeClr>
-          </a:lnRef>
-          <a:fillRef idx="1">
-            <a:schemeClr val="accent2"/>
-          </a:fillRef>
-          <a:effectRef idx="0">
-            <a:schemeClr val="accent2"/>
-          </a:effectRef>
-          <a:fontRef idx="minor">
-            <a:schemeClr val="lt1"/>
-          </a:fontRef>
-        </p:style>
-        <p:txBody>
-          <a:bodyPr rtlCol="0" anchor="ctr"/>
-          <a:lstStyle/>
-          <a:p>
-            <a:pPr algn="ctr"/>
-            <a:r>
-              <a:rPr kumimoji="1" lang="en-US" altLang="ja-JP" dirty="0" smtClean="0"/>
-              <a:t>C</a:t>
-            </a:r>
-            <a:endParaRPr kumimoji="1" lang="ja-JP" altLang="en-US" dirty="0"/>
-          </a:p>
-        </p:txBody>
-      </p:sp>
-      <p:cxnSp>
-        <p:nvCxnSpPr>
-          <p:cNvPr id="25" name="直線矢印コネクタ 24"/>
-          <p:cNvCxnSpPr>
-            <a:stCxn id="24" idx="2"/>
-            <a:endCxn id="23" idx="6"/>
-          </p:cNvCxnSpPr>
-          <p:nvPr/>
-        </p:nvCxnSpPr>
-        <p:spPr>
-          <a:xfrm flipH="1">
-            <a:off x="3067155" y="5011592"/>
-            <a:ext cx="432168" cy="0"/>
-          </a:xfrm>
-          <a:prstGeom prst="straightConnector1">
-            <a:avLst/>
-          </a:prstGeom>
-          <a:ln w="19050">
-            <a:solidFill>
-              <a:schemeClr val="tx1"/>
-            </a:solidFill>
-            <a:prstDash val="sysDash"/>
-            <a:tailEnd type="triangle" w="lg" len="med"/>
-          </a:ln>
-        </p:spPr>
-        <p:style>
-          <a:lnRef idx="1">
-            <a:schemeClr val="accent1"/>
-          </a:lnRef>
-          <a:fillRef idx="0">
-            <a:schemeClr val="accent1"/>
-          </a:fillRef>
-          <a:effectRef idx="0">
-            <a:schemeClr val="accent1"/>
-          </a:effectRef>
-          <a:fontRef idx="minor">
-            <a:schemeClr val="tx1"/>
-          </a:fontRef>
-        </p:style>
-      </p:cxnSp>
-      <p:sp>
-        <p:nvSpPr>
-          <p:cNvPr id="28" name="円/楕円 27"/>
-          <p:cNvSpPr/>
-          <p:nvPr/>
-        </p:nvSpPr>
-        <p:spPr>
-          <a:xfrm>
-            <a:off x="6048647" y="5608374"/>
-            <a:ext cx="540000" cy="540000"/>
-          </a:xfrm>
-          <a:prstGeom prst="ellipse">
-            <a:avLst/>
-          </a:prstGeom>
-        </p:spPr>
-        <p:style>
-          <a:lnRef idx="2">
-            <a:schemeClr val="accent2">
-              <a:shade val="50000"/>
-            </a:schemeClr>
-          </a:lnRef>
-          <a:fillRef idx="1">
-            <a:schemeClr val="accent2"/>
-          </a:fillRef>
-          <a:effectRef idx="0">
-            <a:schemeClr val="accent2"/>
-          </a:effectRef>
-          <a:fontRef idx="minor">
-            <a:schemeClr val="lt1"/>
-          </a:fontRef>
-        </p:style>
-        <p:txBody>
-          <a:bodyPr rtlCol="0" anchor="ctr"/>
-          <a:lstStyle/>
-          <a:p>
-            <a:pPr algn="ctr"/>
-            <a:r>
-              <a:rPr kumimoji="1" lang="en-US" altLang="ja-JP" dirty="0" smtClean="0"/>
-              <a:t>D’</a:t>
-            </a:r>
-            <a:endParaRPr kumimoji="1" lang="ja-JP" altLang="en-US" dirty="0"/>
-          </a:p>
-        </p:txBody>
-      </p:sp>
-      <p:cxnSp>
-        <p:nvCxnSpPr>
-          <p:cNvPr id="29" name="直線矢印コネクタ 28"/>
-          <p:cNvCxnSpPr>
-            <a:stCxn id="28" idx="2"/>
-          </p:cNvCxnSpPr>
-          <p:nvPr/>
-        </p:nvCxnSpPr>
-        <p:spPr>
-          <a:xfrm flipH="1">
-            <a:off x="5634541" y="5878374"/>
-            <a:ext cx="414106" cy="0"/>
-          </a:xfrm>
-          <a:prstGeom prst="straightConnector1">
-            <a:avLst/>
-          </a:prstGeom>
-          <a:ln w="19050">
-            <a:solidFill>
-              <a:schemeClr val="tx1"/>
-            </a:solidFill>
-            <a:prstDash val="sysDash"/>
-            <a:tailEnd type="triangle" w="lg" len="med"/>
-          </a:ln>
-        </p:spPr>
-        <p:style>
-          <a:lnRef idx="1">
-            <a:schemeClr val="accent1"/>
-          </a:lnRef>
-          <a:fillRef idx="0">
-            <a:schemeClr val="accent1"/>
-          </a:fillRef>
-          <a:effectRef idx="0">
-            <a:schemeClr val="accent1"/>
-          </a:effectRef>
-          <a:fontRef idx="minor">
-            <a:schemeClr val="tx1"/>
-          </a:fontRef>
-        </p:style>
-      </p:cxnSp>
-      <p:sp>
-        <p:nvSpPr>
-          <p:cNvPr id="37" name="テキスト ボックス 36"/>
-          <p:cNvSpPr txBox="1"/>
-          <p:nvPr/>
-        </p:nvSpPr>
-        <p:spPr>
-          <a:xfrm>
-            <a:off x="267552" y="201414"/>
-            <a:ext cx="8624928" cy="923330"/>
-          </a:xfrm>
-          <a:prstGeom prst="rect">
-            <a:avLst/>
-          </a:prstGeom>
-          <a:noFill/>
-        </p:spPr>
-        <p:txBody>
-          <a:bodyPr wrap="square" rtlCol="0">
-            <a:spAutoFit/>
-          </a:bodyPr>
-          <a:lstStyle/>
-          <a:p>
-            <a:r>
-              <a:rPr lang="ja-JP" altLang="en-US" dirty="0" smtClean="0"/>
-              <a:t>「</a:t>
-            </a:r>
-            <a:r>
-              <a:rPr lang="en-US" altLang="ja-JP" dirty="0" err="1" smtClean="0"/>
-              <a:t>git</a:t>
-            </a:r>
-            <a:r>
-              <a:rPr lang="en-US" altLang="ja-JP" dirty="0" smtClean="0"/>
-              <a:t> </a:t>
-            </a:r>
-            <a:r>
-              <a:rPr lang="en-US" altLang="ja-JP" dirty="0" smtClean="0"/>
-              <a:t>push</a:t>
-            </a:r>
-            <a:r>
-              <a:rPr lang="ja-JP" altLang="en-US" dirty="0" smtClean="0"/>
-              <a:t>」</a:t>
-            </a:r>
-            <a:r>
-              <a:rPr lang="ja-JP" altLang="en-US" dirty="0" smtClean="0"/>
-              <a:t>を</a:t>
-            </a:r>
-            <a:r>
-              <a:rPr lang="ja-JP" altLang="en-US" dirty="0" smtClean="0"/>
-              <a:t>実行した</a:t>
-            </a:r>
-            <a:r>
-              <a:rPr lang="ja-JP" altLang="en-US" dirty="0" smtClean="0"/>
-              <a:t>。</a:t>
-            </a:r>
-            <a:endParaRPr lang="en-US" altLang="ja-JP" dirty="0" smtClean="0"/>
-          </a:p>
-          <a:p>
-            <a:r>
-              <a:rPr lang="ja-JP" altLang="en-US" dirty="0" smtClean="0"/>
-              <a:t>ローカルレポジトリのコミット</a:t>
-            </a:r>
-            <a:r>
-              <a:rPr lang="en-US" altLang="ja-JP" dirty="0" smtClean="0"/>
-              <a:t>D’</a:t>
-            </a:r>
-            <a:r>
-              <a:rPr lang="ja-JP" altLang="en-US" smtClean="0"/>
-              <a:t>がリモートレポジトリに送られ、各参照も更新され、両レポジトリが同期した。</a:t>
-            </a:r>
-            <a:endParaRPr lang="en-US" altLang="ja-JP" dirty="0" smtClean="0"/>
-          </a:p>
-        </p:txBody>
-      </p:sp>
-      <p:cxnSp>
-        <p:nvCxnSpPr>
-          <p:cNvPr id="26" name="直線矢印コネクタ 25"/>
-          <p:cNvCxnSpPr>
-            <a:stCxn id="27" idx="1"/>
-          </p:cNvCxnSpPr>
-          <p:nvPr/>
-        </p:nvCxnSpPr>
-        <p:spPr>
-          <a:xfrm flipH="1">
-            <a:off x="6321649" y="5316212"/>
-            <a:ext cx="428406" cy="273420"/>
-          </a:xfrm>
-          <a:prstGeom prst="straightConnector1">
-            <a:avLst/>
-          </a:prstGeom>
-          <a:ln w="19050">
-            <a:solidFill>
-              <a:schemeClr val="tx1"/>
-            </a:solidFill>
-            <a:prstDash val="sysDash"/>
-            <a:tailEnd type="triangle" w="lg" len="med"/>
-          </a:ln>
-        </p:spPr>
-        <p:style>
-          <a:lnRef idx="1">
-            <a:schemeClr val="accent1"/>
-          </a:lnRef>
-          <a:fillRef idx="0">
-            <a:schemeClr val="accent1"/>
-          </a:fillRef>
-          <a:effectRef idx="0">
-            <a:schemeClr val="accent1"/>
-          </a:effectRef>
-          <a:fontRef idx="minor">
-            <a:schemeClr val="tx1"/>
-          </a:fontRef>
-        </p:style>
-      </p:cxnSp>
-      <p:sp>
-        <p:nvSpPr>
-          <p:cNvPr id="27" name="正方形/長方形 26"/>
-          <p:cNvSpPr/>
-          <p:nvPr/>
-        </p:nvSpPr>
-        <p:spPr>
-          <a:xfrm>
-            <a:off x="6750055" y="5172196"/>
-            <a:ext cx="936044" cy="288032"/>
-          </a:xfrm>
-          <a:prstGeom prst="rect">
-            <a:avLst/>
-          </a:prstGeom>
-          <a:ln>
-            <a:prstDash val="sysDash"/>
-          </a:ln>
-        </p:spPr>
-        <p:style>
-          <a:lnRef idx="2">
-            <a:schemeClr val="accent5">
-              <a:shade val="50000"/>
-            </a:schemeClr>
-          </a:lnRef>
-          <a:fillRef idx="1">
-            <a:schemeClr val="accent5"/>
-          </a:fillRef>
-          <a:effectRef idx="0">
-            <a:schemeClr val="accent5"/>
-          </a:effectRef>
-          <a:fontRef idx="minor">
-            <a:schemeClr val="lt1"/>
-          </a:fontRef>
-        </p:style>
-        <p:txBody>
-          <a:bodyPr rtlCol="0" anchor="ctr"/>
-          <a:lstStyle/>
-          <a:p>
-            <a:pPr algn="ctr"/>
-            <a:r>
-              <a:rPr kumimoji="1" lang="en-US" altLang="ja-JP" dirty="0" smtClean="0"/>
-              <a:t>master</a:t>
-            </a:r>
-            <a:endParaRPr kumimoji="1" lang="ja-JP" altLang="en-US" dirty="0"/>
-          </a:p>
-        </p:txBody>
-      </p:sp>
-      <p:cxnSp>
-        <p:nvCxnSpPr>
-          <p:cNvPr id="43" name="直線矢印コネクタ 42"/>
-          <p:cNvCxnSpPr>
-            <a:stCxn id="44" idx="1"/>
-          </p:cNvCxnSpPr>
-          <p:nvPr/>
-        </p:nvCxnSpPr>
-        <p:spPr>
-          <a:xfrm flipH="1" flipV="1">
-            <a:off x="6337969" y="6155494"/>
-            <a:ext cx="370799" cy="244341"/>
-          </a:xfrm>
-          <a:prstGeom prst="straightConnector1">
-            <a:avLst/>
-          </a:prstGeom>
-          <a:ln w="19050">
-            <a:solidFill>
-              <a:schemeClr val="tx1"/>
-            </a:solidFill>
-            <a:prstDash val="sysDash"/>
-            <a:tailEnd type="triangle" w="lg" len="med"/>
-          </a:ln>
-        </p:spPr>
-        <p:style>
-          <a:lnRef idx="1">
-            <a:schemeClr val="accent1"/>
-          </a:lnRef>
-          <a:fillRef idx="0">
-            <a:schemeClr val="accent1"/>
-          </a:fillRef>
-          <a:effectRef idx="0">
-            <a:schemeClr val="accent1"/>
-          </a:effectRef>
-          <a:fontRef idx="minor">
-            <a:schemeClr val="tx1"/>
-          </a:fontRef>
-        </p:style>
-      </p:cxnSp>
-      <p:sp>
-        <p:nvSpPr>
-          <p:cNvPr id="44" name="正方形/長方形 43"/>
-          <p:cNvSpPr/>
-          <p:nvPr/>
-        </p:nvSpPr>
-        <p:spPr>
-          <a:xfrm>
-            <a:off x="6708768" y="6255819"/>
-            <a:ext cx="1470393" cy="288032"/>
-          </a:xfrm>
-          <a:prstGeom prst="rect">
-            <a:avLst/>
-          </a:prstGeom>
-          <a:ln>
-            <a:prstDash val="sysDash"/>
-          </a:ln>
-        </p:spPr>
-        <p:style>
-          <a:lnRef idx="2">
-            <a:schemeClr val="accent5">
-              <a:shade val="50000"/>
-            </a:schemeClr>
-          </a:lnRef>
-          <a:fillRef idx="1">
-            <a:schemeClr val="accent5"/>
-          </a:fillRef>
-          <a:effectRef idx="0">
-            <a:schemeClr val="accent5"/>
-          </a:effectRef>
-          <a:fontRef idx="minor">
-            <a:schemeClr val="lt1"/>
-          </a:fontRef>
-        </p:style>
-        <p:txBody>
-          <a:bodyPr rtlCol="0" anchor="ctr"/>
-          <a:lstStyle/>
-          <a:p>
-            <a:pPr algn="ctr"/>
-            <a:r>
-              <a:rPr lang="en-US" altLang="ja-JP" dirty="0" smtClean="0"/>
-              <a:t>origin/master</a:t>
-            </a:r>
-            <a:endParaRPr kumimoji="1" lang="ja-JP" altLang="en-US" dirty="0"/>
-          </a:p>
-        </p:txBody>
-      </p:sp>
-      <p:sp>
-        <p:nvSpPr>
-          <p:cNvPr id="30" name="正方形/長方形 29"/>
-          <p:cNvSpPr/>
-          <p:nvPr/>
-        </p:nvSpPr>
-        <p:spPr>
-          <a:xfrm>
-            <a:off x="395536" y="1453305"/>
-            <a:ext cx="8352928" cy="2515717"/>
-          </a:xfrm>
-          <a:prstGeom prst="rect">
-            <a:avLst/>
-          </a:prstGeom>
-          <a:noFill/>
-          <a:ln>
-            <a:solidFill>
-              <a:schemeClr val="tx1"/>
-            </a:solidFill>
-            <a:prstDash val="sysDash"/>
-          </a:ln>
-        </p:spPr>
-        <p:style>
-          <a:lnRef idx="2">
-            <a:schemeClr val="accent1">
-              <a:shade val="50000"/>
-            </a:schemeClr>
-          </a:lnRef>
-          <a:fillRef idx="1">
-            <a:schemeClr val="accent1"/>
-          </a:fillRef>
-          <a:effectRef idx="0">
-            <a:schemeClr val="accent1"/>
-          </a:effectRef>
-          <a:fontRef idx="minor">
-            <a:schemeClr val="lt1"/>
-          </a:fontRef>
-        </p:style>
-        <p:txBody>
-          <a:bodyPr rtlCol="0" anchor="t" anchorCtr="0"/>
-          <a:lstStyle/>
-          <a:p>
-            <a:r>
-              <a:rPr lang="ja-JP" altLang="en-US" sz="1600" dirty="0" smtClean="0">
-                <a:solidFill>
-                  <a:schemeClr val="tx1"/>
-                </a:solidFill>
-              </a:rPr>
-              <a:t>リモートレポジトリ</a:t>
-            </a:r>
-            <a:endParaRPr kumimoji="1" lang="ja-JP" altLang="en-US" sz="1600" dirty="0">
-              <a:solidFill>
-                <a:schemeClr val="tx1"/>
-              </a:solidFill>
-            </a:endParaRPr>
-          </a:p>
-        </p:txBody>
-      </p:sp>
-      <p:sp>
-        <p:nvSpPr>
-          <p:cNvPr id="31" name="正方形/長方形 30"/>
-          <p:cNvSpPr/>
-          <p:nvPr/>
-        </p:nvSpPr>
-        <p:spPr>
-          <a:xfrm>
-            <a:off x="395536" y="4160467"/>
-            <a:ext cx="8352928" cy="2508893"/>
-          </a:xfrm>
-          <a:prstGeom prst="rect">
-            <a:avLst/>
-          </a:prstGeom>
-          <a:noFill/>
-          <a:ln>
-            <a:solidFill>
-              <a:schemeClr val="tx1"/>
-            </a:solidFill>
-            <a:prstDash val="sysDash"/>
-          </a:ln>
-        </p:spPr>
-        <p:style>
-          <a:lnRef idx="2">
-            <a:schemeClr val="accent1">
-              <a:shade val="50000"/>
-            </a:schemeClr>
-          </a:lnRef>
-          <a:fillRef idx="1">
-            <a:schemeClr val="accent1"/>
-          </a:fillRef>
-          <a:effectRef idx="0">
-            <a:schemeClr val="accent1"/>
-          </a:effectRef>
-          <a:fontRef idx="minor">
-            <a:schemeClr val="lt1"/>
-          </a:fontRef>
-        </p:style>
-        <p:txBody>
-          <a:bodyPr rtlCol="0" anchor="t" anchorCtr="0"/>
-          <a:lstStyle/>
-          <a:p>
-            <a:r>
-              <a:rPr lang="ja-JP" altLang="en-US" sz="1600" dirty="0" smtClean="0">
-                <a:solidFill>
-                  <a:schemeClr val="tx1"/>
-                </a:solidFill>
-              </a:rPr>
-              <a:t>ローカルレポジトリ</a:t>
-            </a:r>
-            <a:endParaRPr kumimoji="1" lang="ja-JP" altLang="en-US" sz="1600" dirty="0">
-              <a:solidFill>
-                <a:schemeClr val="tx1"/>
-              </a:solidFill>
-            </a:endParaRPr>
-          </a:p>
-        </p:txBody>
-      </p:sp>
-      <p:sp>
-        <p:nvSpPr>
-          <p:cNvPr id="32" name="円/楕円 31"/>
-          <p:cNvSpPr/>
-          <p:nvPr/>
-        </p:nvSpPr>
-        <p:spPr>
-          <a:xfrm>
-            <a:off x="4138411" y="5608374"/>
-            <a:ext cx="540000" cy="540000"/>
-          </a:xfrm>
-          <a:prstGeom prst="ellipse">
-            <a:avLst/>
-          </a:prstGeom>
-        </p:spPr>
-        <p:style>
-          <a:lnRef idx="2">
-            <a:schemeClr val="accent2">
-              <a:shade val="50000"/>
-            </a:schemeClr>
-          </a:lnRef>
-          <a:fillRef idx="1">
-            <a:schemeClr val="accent2"/>
-          </a:fillRef>
-          <a:effectRef idx="0">
-            <a:schemeClr val="accent2"/>
-          </a:effectRef>
-          <a:fontRef idx="minor">
-            <a:schemeClr val="lt1"/>
-          </a:fontRef>
-        </p:style>
-        <p:txBody>
-          <a:bodyPr rtlCol="0" anchor="ctr"/>
-          <a:lstStyle/>
-          <a:p>
-            <a:pPr algn="ctr"/>
-            <a:r>
-              <a:rPr kumimoji="1" lang="en-US" altLang="ja-JP" dirty="0" smtClean="0"/>
-              <a:t>X</a:t>
-            </a:r>
-            <a:endParaRPr kumimoji="1" lang="ja-JP" altLang="en-US" dirty="0"/>
-          </a:p>
-        </p:txBody>
-      </p:sp>
-      <p:cxnSp>
-        <p:nvCxnSpPr>
-          <p:cNvPr id="33" name="直線矢印コネクタ 32"/>
-          <p:cNvCxnSpPr>
-            <a:stCxn id="32" idx="1"/>
-          </p:cNvCxnSpPr>
-          <p:nvPr/>
-        </p:nvCxnSpPr>
-        <p:spPr>
-          <a:xfrm flipH="1" flipV="1">
-            <a:off x="3771268" y="5287636"/>
-            <a:ext cx="446224" cy="399819"/>
-          </a:xfrm>
-          <a:prstGeom prst="straightConnector1">
-            <a:avLst/>
-          </a:prstGeom>
-          <a:ln w="19050">
-            <a:solidFill>
-              <a:schemeClr val="tx1"/>
-            </a:solidFill>
-            <a:prstDash val="sysDash"/>
-            <a:tailEnd type="triangle" w="lg" len="med"/>
-          </a:ln>
-        </p:spPr>
-        <p:style>
-          <a:lnRef idx="1">
-            <a:schemeClr val="accent1"/>
-          </a:lnRef>
-          <a:fillRef idx="0">
-            <a:schemeClr val="accent1"/>
-          </a:fillRef>
-          <a:effectRef idx="0">
-            <a:schemeClr val="accent1"/>
-          </a:effectRef>
-          <a:fontRef idx="minor">
-            <a:schemeClr val="tx1"/>
-          </a:fontRef>
-        </p:style>
-      </p:cxnSp>
-      <p:sp>
-        <p:nvSpPr>
-          <p:cNvPr id="45" name="円/楕円 44"/>
-          <p:cNvSpPr/>
-          <p:nvPr/>
-        </p:nvSpPr>
-        <p:spPr>
-          <a:xfrm>
-            <a:off x="5090652" y="5608374"/>
-            <a:ext cx="540000" cy="540000"/>
-          </a:xfrm>
-          <a:prstGeom prst="ellipse">
-            <a:avLst/>
-          </a:prstGeom>
-        </p:spPr>
-        <p:style>
-          <a:lnRef idx="2">
-            <a:schemeClr val="accent2">
-              <a:shade val="50000"/>
-            </a:schemeClr>
-          </a:lnRef>
-          <a:fillRef idx="1">
-            <a:schemeClr val="accent2"/>
-          </a:fillRef>
-          <a:effectRef idx="0">
-            <a:schemeClr val="accent2"/>
-          </a:effectRef>
-          <a:fontRef idx="minor">
-            <a:schemeClr val="lt1"/>
-          </a:fontRef>
-        </p:style>
-        <p:txBody>
-          <a:bodyPr rtlCol="0" anchor="ctr"/>
-          <a:lstStyle/>
-          <a:p>
-            <a:pPr algn="ctr"/>
-            <a:r>
-              <a:rPr kumimoji="1" lang="en-US" altLang="ja-JP" dirty="0" smtClean="0"/>
-              <a:t>Y</a:t>
-            </a:r>
-            <a:endParaRPr kumimoji="1" lang="ja-JP" altLang="en-US" dirty="0"/>
-          </a:p>
-        </p:txBody>
-      </p:sp>
-      <p:cxnSp>
-        <p:nvCxnSpPr>
-          <p:cNvPr id="46" name="直線矢印コネクタ 45"/>
-          <p:cNvCxnSpPr>
-            <a:stCxn id="45" idx="2"/>
-          </p:cNvCxnSpPr>
-          <p:nvPr/>
-        </p:nvCxnSpPr>
-        <p:spPr>
-          <a:xfrm flipH="1">
-            <a:off x="4676546" y="5878374"/>
-            <a:ext cx="414106" cy="0"/>
-          </a:xfrm>
-          <a:prstGeom prst="straightConnector1">
-            <a:avLst/>
-          </a:prstGeom>
-          <a:ln w="19050">
-            <a:solidFill>
-              <a:schemeClr val="tx1"/>
-            </a:solidFill>
-            <a:prstDash val="sysDash"/>
-            <a:tailEnd type="triangle" w="lg" len="med"/>
-          </a:ln>
-        </p:spPr>
-        <p:style>
-          <a:lnRef idx="1">
-            <a:schemeClr val="accent1"/>
-          </a:lnRef>
-          <a:fillRef idx="0">
-            <a:schemeClr val="accent1"/>
-          </a:fillRef>
-          <a:effectRef idx="0">
-            <a:schemeClr val="accent1"/>
-          </a:effectRef>
-          <a:fontRef idx="minor">
-            <a:schemeClr val="tx1"/>
-          </a:fontRef>
-        </p:style>
-      </p:cxnSp>
-      <p:sp>
-        <p:nvSpPr>
-          <p:cNvPr id="50" name="円/楕円 49"/>
-          <p:cNvSpPr/>
-          <p:nvPr/>
-        </p:nvSpPr>
-        <p:spPr>
-          <a:xfrm>
-            <a:off x="1556932" y="2045569"/>
-            <a:ext cx="540000" cy="540000"/>
-          </a:xfrm>
-          <a:prstGeom prst="ellipse">
-            <a:avLst/>
-          </a:prstGeom>
-        </p:spPr>
-        <p:style>
-          <a:lnRef idx="2">
-            <a:schemeClr val="accent2">
-              <a:shade val="50000"/>
-            </a:schemeClr>
-          </a:lnRef>
-          <a:fillRef idx="1">
-            <a:schemeClr val="accent2"/>
-          </a:fillRef>
-          <a:effectRef idx="0">
-            <a:schemeClr val="accent2"/>
-          </a:effectRef>
-          <a:fontRef idx="minor">
-            <a:schemeClr val="lt1"/>
-          </a:fontRef>
-        </p:style>
-        <p:txBody>
-          <a:bodyPr rtlCol="0" anchor="ctr"/>
-          <a:lstStyle/>
-          <a:p>
-            <a:pPr algn="ctr"/>
-            <a:r>
-              <a:rPr kumimoji="1" lang="en-US" altLang="ja-JP" dirty="0" smtClean="0"/>
-              <a:t>A</a:t>
-            </a:r>
-            <a:endParaRPr kumimoji="1" lang="ja-JP" altLang="en-US" dirty="0"/>
+            <a:endParaRPr lang="ja-JP" altLang="en-US" dirty="0"/>
           </a:p>
         </p:txBody>
       </p:sp>
@@ -8055,17 +8523,17 @@
         </p:nvCxnSpPr>
         <p:spPr>
           <a:xfrm flipH="1">
-            <a:off x="2096932" y="2315569"/>
+            <a:off x="2096932" y="2492894"/>
             <a:ext cx="432168" cy="0"/>
           </a:xfrm>
           <a:prstGeom prst="straightConnector1">
             <a:avLst/>
           </a:prstGeom>
-          <a:ln w="19050">
+          <a:ln w="31750">
             <a:solidFill>
               <a:schemeClr val="tx1"/>
             </a:solidFill>
-            <a:prstDash val="sysDash"/>
+            <a:prstDash val="sysDot"/>
             <a:tailEnd type="triangle" w="lg" len="med"/>
           </a:ln>
         </p:spPr>
@@ -8092,12 +8560,18 @@
         </p:nvSpPr>
         <p:spPr>
           <a:xfrm>
-            <a:off x="2529100" y="2045569"/>
+            <a:off x="2529100" y="2222894"/>
             <a:ext cx="540000" cy="540000"/>
           </a:xfrm>
           <a:prstGeom prst="ellipse">
             <a:avLst/>
           </a:prstGeom>
+          <a:solidFill>
+            <a:srgbClr val="FF0066"/>
+          </a:solidFill>
+          <a:ln>
+            <a:noFill/>
+          </a:ln>
         </p:spPr>
         <p:style>
           <a:lnRef idx="2">
@@ -8116,15 +8590,15 @@
           </a:fontRef>
         </p:style>
         <p:txBody>
-          <a:bodyPr rtlCol="0" anchor="ctr"/>
-          <a:lstStyle/>
-          <a:p>
-            <a:pPr algn="ctr"/>
-            <a:r>
-              <a:rPr kumimoji="1" lang="en-US" altLang="ja-JP" dirty="0" smtClean="0"/>
+          <a:bodyPr lIns="91429" tIns="45715" rIns="91429" bIns="45715" rtlCol="0" anchor="ctr"/>
+          <a:lstStyle/>
+          <a:p>
+            <a:pPr algn="ctr" defTabSz="914295"/>
+            <a:r>
+              <a:rPr lang="en-US" altLang="ja-JP" dirty="0"/>
               <a:t>B</a:t>
             </a:r>
-            <a:endParaRPr kumimoji="1" lang="ja-JP" altLang="en-US" dirty="0"/>
+            <a:endParaRPr lang="ja-JP" altLang="en-US" dirty="0"/>
           </a:p>
         </p:txBody>
       </p:sp>
@@ -8136,12 +8610,18 @@
         </p:nvSpPr>
         <p:spPr>
           <a:xfrm>
-            <a:off x="3501268" y="2045569"/>
+            <a:off x="3501268" y="2222894"/>
             <a:ext cx="540000" cy="540000"/>
           </a:xfrm>
           <a:prstGeom prst="ellipse">
             <a:avLst/>
           </a:prstGeom>
+          <a:solidFill>
+            <a:srgbClr val="FF0066"/>
+          </a:solidFill>
+          <a:ln>
+            <a:noFill/>
+          </a:ln>
         </p:spPr>
         <p:style>
           <a:lnRef idx="2">
@@ -8160,15 +8640,15 @@
           </a:fontRef>
         </p:style>
         <p:txBody>
-          <a:bodyPr rtlCol="0" anchor="ctr"/>
-          <a:lstStyle/>
-          <a:p>
-            <a:pPr algn="ctr"/>
-            <a:r>
-              <a:rPr kumimoji="1" lang="en-US" altLang="ja-JP" dirty="0" smtClean="0"/>
+          <a:bodyPr lIns="91429" tIns="45715" rIns="91429" bIns="45715" rtlCol="0" anchor="ctr"/>
+          <a:lstStyle/>
+          <a:p>
+            <a:pPr algn="ctr" defTabSz="914295"/>
+            <a:r>
+              <a:rPr lang="en-US" altLang="ja-JP" dirty="0"/>
               <a:t>C</a:t>
             </a:r>
-            <a:endParaRPr kumimoji="1" lang="ja-JP" altLang="en-US" dirty="0"/>
+            <a:endParaRPr lang="ja-JP" altLang="en-US" dirty="0"/>
           </a:p>
         </p:txBody>
       </p:sp>
@@ -8183,17 +8663,17 @@
         </p:nvCxnSpPr>
         <p:spPr>
           <a:xfrm flipH="1">
-            <a:off x="3069100" y="2315569"/>
+            <a:off x="3069100" y="2492894"/>
             <a:ext cx="432168" cy="0"/>
           </a:xfrm>
           <a:prstGeom prst="straightConnector1">
             <a:avLst/>
           </a:prstGeom>
-          <a:ln w="19050">
+          <a:ln w="31750">
             <a:solidFill>
               <a:schemeClr val="tx1"/>
             </a:solidFill>
-            <a:prstDash val="sysDash"/>
+            <a:prstDash val="sysDot"/>
             <a:tailEnd type="triangle" w="lg" len="med"/>
           </a:ln>
         </p:spPr>
@@ -8222,17 +8702,17 @@
         </p:nvCxnSpPr>
         <p:spPr>
           <a:xfrm flipH="1">
-            <a:off x="4041268" y="2315569"/>
+            <a:off x="4041268" y="2492894"/>
             <a:ext cx="414106" cy="0"/>
           </a:xfrm>
           <a:prstGeom prst="straightConnector1">
             <a:avLst/>
           </a:prstGeom>
-          <a:ln w="19050">
+          <a:ln w="31750">
             <a:solidFill>
               <a:schemeClr val="tx1"/>
             </a:solidFill>
-            <a:prstDash val="sysDash"/>
+            <a:prstDash val="sysDot"/>
             <a:tailEnd type="triangle" w="lg" len="med"/>
           </a:ln>
         </p:spPr>
@@ -8261,17 +8741,17 @@
         </p:nvCxnSpPr>
         <p:spPr>
           <a:xfrm flipH="1">
-            <a:off x="6642551" y="1737864"/>
+            <a:off x="6642551" y="1915189"/>
             <a:ext cx="428406" cy="273420"/>
           </a:xfrm>
           <a:prstGeom prst="straightConnector1">
             <a:avLst/>
           </a:prstGeom>
-          <a:ln w="19050">
+          <a:ln w="31750">
             <a:solidFill>
               <a:schemeClr val="tx1"/>
             </a:solidFill>
-            <a:prstDash val="sysDash"/>
+            <a:prstDash val="sysDot"/>
             <a:tailEnd type="triangle" w="lg" len="med"/>
           </a:ln>
         </p:spPr>
@@ -8298,13 +8778,14 @@
         </p:nvSpPr>
         <p:spPr>
           <a:xfrm>
-            <a:off x="7070957" y="1593848"/>
+            <a:off x="7070957" y="1771173"/>
             <a:ext cx="936044" cy="288032"/>
           </a:xfrm>
           <a:prstGeom prst="rect">
             <a:avLst/>
           </a:prstGeom>
           <a:ln>
+            <a:noFill/>
             <a:prstDash val="sysDash"/>
           </a:ln>
         </p:spPr>
@@ -8325,15 +8806,15 @@
           </a:fontRef>
         </p:style>
         <p:txBody>
-          <a:bodyPr rtlCol="0" anchor="ctr"/>
-          <a:lstStyle/>
-          <a:p>
-            <a:pPr algn="ctr"/>
-            <a:r>
-              <a:rPr kumimoji="1" lang="en-US" altLang="ja-JP" dirty="0" smtClean="0"/>
+          <a:bodyPr lIns="91429" tIns="45715" rIns="91429" bIns="45715" rtlCol="0" anchor="ctr"/>
+          <a:lstStyle/>
+          <a:p>
+            <a:pPr algn="ctr" defTabSz="914295"/>
+            <a:r>
+              <a:rPr lang="en-US" altLang="ja-JP" dirty="0"/>
               <a:t>master</a:t>
             </a:r>
-            <a:endParaRPr kumimoji="1" lang="ja-JP" altLang="en-US" dirty="0"/>
+            <a:endParaRPr lang="ja-JP" altLang="en-US" dirty="0"/>
           </a:p>
         </p:txBody>
       </p:sp>
@@ -8345,12 +8826,18 @@
         </p:nvSpPr>
         <p:spPr>
           <a:xfrm>
-            <a:off x="4480634" y="2045569"/>
+            <a:off x="4480634" y="2222894"/>
             <a:ext cx="540000" cy="540000"/>
           </a:xfrm>
           <a:prstGeom prst="ellipse">
             <a:avLst/>
           </a:prstGeom>
+          <a:solidFill>
+            <a:srgbClr val="FF0066"/>
+          </a:solidFill>
+          <a:ln>
+            <a:noFill/>
+          </a:ln>
         </p:spPr>
         <p:style>
           <a:lnRef idx="2">
@@ -8369,15 +8856,15 @@
           </a:fontRef>
         </p:style>
         <p:txBody>
-          <a:bodyPr rtlCol="0" anchor="ctr"/>
-          <a:lstStyle/>
-          <a:p>
-            <a:pPr algn="ctr"/>
-            <a:r>
-              <a:rPr kumimoji="1" lang="en-US" altLang="ja-JP" dirty="0" smtClean="0"/>
+          <a:bodyPr lIns="91429" tIns="45715" rIns="91429" bIns="45715" rtlCol="0" anchor="ctr"/>
+          <a:lstStyle/>
+          <a:p>
+            <a:pPr algn="ctr" defTabSz="914295"/>
+            <a:r>
+              <a:rPr lang="en-US" altLang="ja-JP" dirty="0"/>
               <a:t>X</a:t>
             </a:r>
-            <a:endParaRPr kumimoji="1" lang="ja-JP" altLang="en-US" dirty="0"/>
+            <a:endParaRPr lang="ja-JP" altLang="en-US" dirty="0"/>
           </a:p>
         </p:txBody>
       </p:sp>
@@ -8389,12 +8876,18 @@
         </p:nvSpPr>
         <p:spPr>
           <a:xfrm>
-            <a:off x="5432875" y="2045569"/>
+            <a:off x="5432875" y="2222894"/>
             <a:ext cx="540000" cy="540000"/>
           </a:xfrm>
           <a:prstGeom prst="ellipse">
             <a:avLst/>
           </a:prstGeom>
+          <a:solidFill>
+            <a:srgbClr val="FF0066"/>
+          </a:solidFill>
+          <a:ln>
+            <a:noFill/>
+          </a:ln>
         </p:spPr>
         <p:style>
           <a:lnRef idx="2">
@@ -8413,15 +8906,15 @@
           </a:fontRef>
         </p:style>
         <p:txBody>
-          <a:bodyPr rtlCol="0" anchor="ctr"/>
-          <a:lstStyle/>
-          <a:p>
-            <a:pPr algn="ctr"/>
-            <a:r>
-              <a:rPr kumimoji="1" lang="en-US" altLang="ja-JP" dirty="0" smtClean="0"/>
+          <a:bodyPr lIns="91429" tIns="45715" rIns="91429" bIns="45715" rtlCol="0" anchor="ctr"/>
+          <a:lstStyle/>
+          <a:p>
+            <a:pPr algn="ctr" defTabSz="914295"/>
+            <a:r>
+              <a:rPr lang="en-US" altLang="ja-JP" dirty="0"/>
               <a:t>Y</a:t>
             </a:r>
-            <a:endParaRPr kumimoji="1" lang="ja-JP" altLang="en-US" dirty="0"/>
+            <a:endParaRPr lang="ja-JP" altLang="en-US" dirty="0"/>
           </a:p>
         </p:txBody>
       </p:sp>
@@ -8435,17 +8928,17 @@
         </p:nvCxnSpPr>
         <p:spPr>
           <a:xfrm flipH="1">
-            <a:off x="5018769" y="2315569"/>
+            <a:off x="5018769" y="2492894"/>
             <a:ext cx="414106" cy="0"/>
           </a:xfrm>
           <a:prstGeom prst="straightConnector1">
             <a:avLst/>
           </a:prstGeom>
-          <a:ln w="19050">
+          <a:ln w="31750">
             <a:solidFill>
               <a:schemeClr val="tx1"/>
             </a:solidFill>
-            <a:prstDash val="sysDash"/>
+            <a:prstDash val="sysDot"/>
             <a:tailEnd type="triangle" w="lg" len="med"/>
           </a:ln>
         </p:spPr>
@@ -8472,12 +8965,18 @@
         </p:nvSpPr>
         <p:spPr>
           <a:xfrm>
-            <a:off x="6380910" y="2045569"/>
+            <a:off x="6380910" y="2222894"/>
             <a:ext cx="540000" cy="540000"/>
           </a:xfrm>
           <a:prstGeom prst="ellipse">
             <a:avLst/>
           </a:prstGeom>
+          <a:solidFill>
+            <a:srgbClr val="FF0066"/>
+          </a:solidFill>
+          <a:ln>
+            <a:noFill/>
+          </a:ln>
         </p:spPr>
         <p:style>
           <a:lnRef idx="2">
@@ -8496,15 +8995,15 @@
           </a:fontRef>
         </p:style>
         <p:txBody>
-          <a:bodyPr rtlCol="0" anchor="ctr"/>
-          <a:lstStyle/>
-          <a:p>
-            <a:pPr algn="ctr"/>
-            <a:r>
-              <a:rPr kumimoji="1" lang="en-US" altLang="ja-JP" dirty="0" smtClean="0"/>
+          <a:bodyPr lIns="91429" tIns="45715" rIns="91429" bIns="45715" rtlCol="0" anchor="ctr"/>
+          <a:lstStyle/>
+          <a:p>
+            <a:pPr algn="ctr" defTabSz="914295"/>
+            <a:r>
+              <a:rPr lang="en-US" altLang="ja-JP" dirty="0"/>
               <a:t>D’</a:t>
             </a:r>
-            <a:endParaRPr kumimoji="1" lang="ja-JP" altLang="en-US" dirty="0"/>
+            <a:endParaRPr lang="ja-JP" altLang="en-US" dirty="0"/>
           </a:p>
         </p:txBody>
       </p:sp>
@@ -8518,17 +9017,523 @@
         </p:nvCxnSpPr>
         <p:spPr>
           <a:xfrm flipH="1">
-            <a:off x="5966804" y="2315569"/>
+            <a:off x="5966804" y="2492894"/>
             <a:ext cx="414106" cy="0"/>
           </a:xfrm>
           <a:prstGeom prst="straightConnector1">
             <a:avLst/>
           </a:prstGeom>
-          <a:ln w="19050">
+          <a:ln w="31750">
             <a:solidFill>
               <a:schemeClr val="tx1"/>
             </a:solidFill>
+            <a:prstDash val="sysDot"/>
+            <a:tailEnd type="triangle" w="lg" len="med"/>
+          </a:ln>
+        </p:spPr>
+        <p:style>
+          <a:lnRef idx="1">
+            <a:schemeClr val="accent1"/>
+          </a:lnRef>
+          <a:fillRef idx="0">
+            <a:schemeClr val="accent1"/>
+          </a:fillRef>
+          <a:effectRef idx="0">
+            <a:schemeClr val="accent1"/>
+          </a:effectRef>
+          <a:fontRef idx="minor">
+            <a:schemeClr val="tx1"/>
+          </a:fontRef>
+        </p:style>
+      </p:cxnSp>
+      <p:sp>
+        <p:nvSpPr>
+          <p:cNvPr id="36" name="正方形/長方形 35"/>
+          <p:cNvSpPr/>
+          <p:nvPr/>
+        </p:nvSpPr>
+        <p:spPr>
+          <a:xfrm>
+            <a:off x="395536" y="4260185"/>
+            <a:ext cx="8352928" cy="2508893"/>
+          </a:xfrm>
+          <a:prstGeom prst="rect">
+            <a:avLst/>
+          </a:prstGeom>
+          <a:solidFill>
+            <a:srgbClr val="F8AD3E"/>
+          </a:solidFill>
+          <a:ln>
+            <a:noFill/>
+          </a:ln>
+        </p:spPr>
+        <p:style>
+          <a:lnRef idx="2">
+            <a:schemeClr val="accent5">
+              <a:shade val="50000"/>
+            </a:schemeClr>
+          </a:lnRef>
+          <a:fillRef idx="1">
+            <a:schemeClr val="accent5"/>
+          </a:fillRef>
+          <a:effectRef idx="0">
+            <a:schemeClr val="accent5"/>
+          </a:effectRef>
+          <a:fontRef idx="minor">
+            <a:schemeClr val="lt1"/>
+          </a:fontRef>
+        </p:style>
+        <p:txBody>
+          <a:bodyPr rtlCol="0" anchor="t" anchorCtr="0"/>
+          <a:lstStyle/>
+          <a:p>
+            <a:r>
+              <a:rPr lang="ja-JP" altLang="en-US" b="1" dirty="0" smtClean="0">
+                <a:solidFill>
+                  <a:schemeClr val="bg1"/>
+                </a:solidFill>
+                <a:latin typeface="ＭＳ ゴシック" panose="020B0609070205080204" pitchFamily="49" charset="-128"/>
+                <a:ea typeface="ＭＳ ゴシック" panose="020B0609070205080204" pitchFamily="49" charset="-128"/>
+              </a:rPr>
+              <a:t>ローカルリポジトリ</a:t>
+            </a:r>
+            <a:endParaRPr lang="ja-JP" altLang="en-US" b="1" dirty="0">
+              <a:solidFill>
+                <a:schemeClr val="bg1"/>
+              </a:solidFill>
+              <a:latin typeface="ＭＳ ゴシック" panose="020B0609070205080204" pitchFamily="49" charset="-128"/>
+              <a:ea typeface="ＭＳ ゴシック" panose="020B0609070205080204" pitchFamily="49" charset="-128"/>
+            </a:endParaRPr>
+          </a:p>
+        </p:txBody>
+      </p:sp>
+      <p:sp>
+        <p:nvSpPr>
+          <p:cNvPr id="38" name="円/楕円 37"/>
+          <p:cNvSpPr/>
+          <p:nvPr/>
+        </p:nvSpPr>
+        <p:spPr>
+          <a:xfrm>
+            <a:off x="1554987" y="4841310"/>
+            <a:ext cx="540000" cy="540000"/>
+          </a:xfrm>
+          <a:prstGeom prst="ellipse">
+            <a:avLst/>
+          </a:prstGeom>
+          <a:solidFill>
+            <a:srgbClr val="FF0066"/>
+          </a:solidFill>
+          <a:ln>
+            <a:noFill/>
+          </a:ln>
+        </p:spPr>
+        <p:style>
+          <a:lnRef idx="2">
+            <a:schemeClr val="accent2">
+              <a:shade val="50000"/>
+            </a:schemeClr>
+          </a:lnRef>
+          <a:fillRef idx="1">
+            <a:schemeClr val="accent2"/>
+          </a:fillRef>
+          <a:effectRef idx="0">
+            <a:schemeClr val="accent2"/>
+          </a:effectRef>
+          <a:fontRef idx="minor">
+            <a:schemeClr val="lt1"/>
+          </a:fontRef>
+        </p:style>
+        <p:txBody>
+          <a:bodyPr lIns="91429" tIns="45715" rIns="91429" bIns="45715" rtlCol="0" anchor="ctr"/>
+          <a:lstStyle/>
+          <a:p>
+            <a:pPr algn="ctr" defTabSz="914295"/>
+            <a:r>
+              <a:rPr lang="en-US" altLang="ja-JP" dirty="0"/>
+              <a:t>A</a:t>
+            </a:r>
+            <a:endParaRPr lang="ja-JP" altLang="en-US" dirty="0"/>
+          </a:p>
+        </p:txBody>
+      </p:sp>
+      <p:cxnSp>
+        <p:nvCxnSpPr>
+          <p:cNvPr id="39" name="直線矢印コネクタ 38"/>
+          <p:cNvCxnSpPr>
+            <a:stCxn id="40" idx="2"/>
+            <a:endCxn id="38" idx="6"/>
+          </p:cNvCxnSpPr>
+          <p:nvPr/>
+        </p:nvCxnSpPr>
+        <p:spPr>
+          <a:xfrm flipH="1">
+            <a:off x="2094987" y="5111310"/>
+            <a:ext cx="432168" cy="0"/>
+          </a:xfrm>
+          <a:prstGeom prst="straightConnector1">
+            <a:avLst/>
+          </a:prstGeom>
+          <a:ln w="31750">
+            <a:solidFill>
+              <a:schemeClr val="tx1"/>
+            </a:solidFill>
+            <a:prstDash val="sysDot"/>
+            <a:tailEnd type="triangle" w="lg" len="med"/>
+          </a:ln>
+        </p:spPr>
+        <p:style>
+          <a:lnRef idx="1">
+            <a:schemeClr val="accent1"/>
+          </a:lnRef>
+          <a:fillRef idx="0">
+            <a:schemeClr val="accent1"/>
+          </a:fillRef>
+          <a:effectRef idx="0">
+            <a:schemeClr val="accent1"/>
+          </a:effectRef>
+          <a:fontRef idx="minor">
+            <a:schemeClr val="tx1"/>
+          </a:fontRef>
+        </p:style>
+      </p:cxnSp>
+      <p:sp>
+        <p:nvSpPr>
+          <p:cNvPr id="40" name="円/楕円 39"/>
+          <p:cNvSpPr/>
+          <p:nvPr/>
+        </p:nvSpPr>
+        <p:spPr>
+          <a:xfrm>
+            <a:off x="2527155" y="4841310"/>
+            <a:ext cx="540000" cy="540000"/>
+          </a:xfrm>
+          <a:prstGeom prst="ellipse">
+            <a:avLst/>
+          </a:prstGeom>
+          <a:solidFill>
+            <a:srgbClr val="FF0066"/>
+          </a:solidFill>
+          <a:ln>
+            <a:noFill/>
+          </a:ln>
+        </p:spPr>
+        <p:style>
+          <a:lnRef idx="2">
+            <a:schemeClr val="accent2">
+              <a:shade val="50000"/>
+            </a:schemeClr>
+          </a:lnRef>
+          <a:fillRef idx="1">
+            <a:schemeClr val="accent2"/>
+          </a:fillRef>
+          <a:effectRef idx="0">
+            <a:schemeClr val="accent2"/>
+          </a:effectRef>
+          <a:fontRef idx="minor">
+            <a:schemeClr val="lt1"/>
+          </a:fontRef>
+        </p:style>
+        <p:txBody>
+          <a:bodyPr lIns="91429" tIns="45715" rIns="91429" bIns="45715" rtlCol="0" anchor="ctr"/>
+          <a:lstStyle/>
+          <a:p>
+            <a:pPr algn="ctr" defTabSz="914295"/>
+            <a:r>
+              <a:rPr lang="en-US" altLang="ja-JP" dirty="0"/>
+              <a:t>B</a:t>
+            </a:r>
+            <a:endParaRPr lang="ja-JP" altLang="en-US" dirty="0"/>
+          </a:p>
+        </p:txBody>
+      </p:sp>
+      <p:sp>
+        <p:nvSpPr>
+          <p:cNvPr id="41" name="円/楕円 40"/>
+          <p:cNvSpPr/>
+          <p:nvPr/>
+        </p:nvSpPr>
+        <p:spPr>
+          <a:xfrm>
+            <a:off x="3499323" y="4841310"/>
+            <a:ext cx="540000" cy="540000"/>
+          </a:xfrm>
+          <a:prstGeom prst="ellipse">
+            <a:avLst/>
+          </a:prstGeom>
+          <a:solidFill>
+            <a:srgbClr val="FF0066"/>
+          </a:solidFill>
+          <a:ln>
+            <a:noFill/>
+          </a:ln>
+        </p:spPr>
+        <p:style>
+          <a:lnRef idx="2">
+            <a:schemeClr val="accent2">
+              <a:shade val="50000"/>
+            </a:schemeClr>
+          </a:lnRef>
+          <a:fillRef idx="1">
+            <a:schemeClr val="accent2"/>
+          </a:fillRef>
+          <a:effectRef idx="0">
+            <a:schemeClr val="accent2"/>
+          </a:effectRef>
+          <a:fontRef idx="minor">
+            <a:schemeClr val="lt1"/>
+          </a:fontRef>
+        </p:style>
+        <p:txBody>
+          <a:bodyPr lIns="91429" tIns="45715" rIns="91429" bIns="45715" rtlCol="0" anchor="ctr"/>
+          <a:lstStyle/>
+          <a:p>
+            <a:pPr algn="ctr" defTabSz="914295"/>
+            <a:r>
+              <a:rPr lang="en-US" altLang="ja-JP" dirty="0"/>
+              <a:t>C</a:t>
+            </a:r>
+            <a:endParaRPr lang="ja-JP" altLang="en-US" dirty="0"/>
+          </a:p>
+        </p:txBody>
+      </p:sp>
+      <p:cxnSp>
+        <p:nvCxnSpPr>
+          <p:cNvPr id="42" name="直線矢印コネクタ 41"/>
+          <p:cNvCxnSpPr>
+            <a:stCxn id="41" idx="2"/>
+            <a:endCxn id="40" idx="6"/>
+          </p:cNvCxnSpPr>
+          <p:nvPr/>
+        </p:nvCxnSpPr>
+        <p:spPr>
+          <a:xfrm flipH="1">
+            <a:off x="3067155" y="5111310"/>
+            <a:ext cx="432168" cy="0"/>
+          </a:xfrm>
+          <a:prstGeom prst="straightConnector1">
+            <a:avLst/>
+          </a:prstGeom>
+          <a:ln w="31750">
+            <a:solidFill>
+              <a:schemeClr val="tx1"/>
+            </a:solidFill>
+            <a:prstDash val="sysDot"/>
+            <a:tailEnd type="triangle" w="lg" len="med"/>
+          </a:ln>
+        </p:spPr>
+        <p:style>
+          <a:lnRef idx="1">
+            <a:schemeClr val="accent1"/>
+          </a:lnRef>
+          <a:fillRef idx="0">
+            <a:schemeClr val="accent1"/>
+          </a:fillRef>
+          <a:effectRef idx="0">
+            <a:schemeClr val="accent1"/>
+          </a:effectRef>
+          <a:fontRef idx="minor">
+            <a:schemeClr val="tx1"/>
+          </a:fontRef>
+        </p:style>
+      </p:cxnSp>
+      <p:sp>
+        <p:nvSpPr>
+          <p:cNvPr id="47" name="円/楕円 46"/>
+          <p:cNvSpPr/>
+          <p:nvPr/>
+        </p:nvSpPr>
+        <p:spPr>
+          <a:xfrm>
+            <a:off x="6048647" y="5708092"/>
+            <a:ext cx="540000" cy="540000"/>
+          </a:xfrm>
+          <a:prstGeom prst="ellipse">
+            <a:avLst/>
+          </a:prstGeom>
+          <a:solidFill>
+            <a:srgbClr val="FF0066"/>
+          </a:solidFill>
+          <a:ln>
+            <a:noFill/>
+          </a:ln>
+        </p:spPr>
+        <p:style>
+          <a:lnRef idx="2">
+            <a:schemeClr val="accent2">
+              <a:shade val="50000"/>
+            </a:schemeClr>
+          </a:lnRef>
+          <a:fillRef idx="1">
+            <a:schemeClr val="accent2"/>
+          </a:fillRef>
+          <a:effectRef idx="0">
+            <a:schemeClr val="accent2"/>
+          </a:effectRef>
+          <a:fontRef idx="minor">
+            <a:schemeClr val="lt1"/>
+          </a:fontRef>
+        </p:style>
+        <p:txBody>
+          <a:bodyPr lIns="91429" tIns="45715" rIns="91429" bIns="45715" rtlCol="0" anchor="ctr"/>
+          <a:lstStyle/>
+          <a:p>
+            <a:pPr algn="ctr" defTabSz="914295"/>
+            <a:r>
+              <a:rPr lang="en-US" altLang="ja-JP" dirty="0"/>
+              <a:t>D’</a:t>
+            </a:r>
+            <a:endParaRPr lang="ja-JP" altLang="en-US" dirty="0"/>
+          </a:p>
+        </p:txBody>
+      </p:sp>
+      <p:cxnSp>
+        <p:nvCxnSpPr>
+          <p:cNvPr id="48" name="直線矢印コネクタ 47"/>
+          <p:cNvCxnSpPr>
+            <a:stCxn id="47" idx="2"/>
+          </p:cNvCxnSpPr>
+          <p:nvPr/>
+        </p:nvCxnSpPr>
+        <p:spPr>
+          <a:xfrm flipH="1">
+            <a:off x="5634541" y="5978092"/>
+            <a:ext cx="414106" cy="0"/>
+          </a:xfrm>
+          <a:prstGeom prst="straightConnector1">
+            <a:avLst/>
+          </a:prstGeom>
+          <a:ln w="31750">
+            <a:solidFill>
+              <a:schemeClr val="tx1"/>
+            </a:solidFill>
+            <a:prstDash val="sysDot"/>
+            <a:tailEnd type="triangle" w="lg" len="med"/>
+          </a:ln>
+        </p:spPr>
+        <p:style>
+          <a:lnRef idx="1">
+            <a:schemeClr val="accent1"/>
+          </a:lnRef>
+          <a:fillRef idx="0">
+            <a:schemeClr val="accent1"/>
+          </a:fillRef>
+          <a:effectRef idx="0">
+            <a:schemeClr val="accent1"/>
+          </a:effectRef>
+          <a:fontRef idx="minor">
+            <a:schemeClr val="tx1"/>
+          </a:fontRef>
+        </p:style>
+      </p:cxnSp>
+      <p:cxnSp>
+        <p:nvCxnSpPr>
+          <p:cNvPr id="49" name="直線矢印コネクタ 48"/>
+          <p:cNvCxnSpPr>
+            <a:stCxn id="55" idx="1"/>
+          </p:cNvCxnSpPr>
+          <p:nvPr/>
+        </p:nvCxnSpPr>
+        <p:spPr>
+          <a:xfrm flipH="1">
+            <a:off x="6321649" y="5415930"/>
+            <a:ext cx="428406" cy="273420"/>
+          </a:xfrm>
+          <a:prstGeom prst="straightConnector1">
+            <a:avLst/>
+          </a:prstGeom>
+          <a:ln w="31750">
+            <a:solidFill>
+              <a:schemeClr val="tx1"/>
+            </a:solidFill>
+            <a:prstDash val="sysDot"/>
+            <a:tailEnd type="triangle" w="lg" len="med"/>
+          </a:ln>
+        </p:spPr>
+        <p:style>
+          <a:lnRef idx="1">
+            <a:schemeClr val="accent1"/>
+          </a:lnRef>
+          <a:fillRef idx="0">
+            <a:schemeClr val="accent1"/>
+          </a:fillRef>
+          <a:effectRef idx="0">
+            <a:schemeClr val="accent1"/>
+          </a:effectRef>
+          <a:fontRef idx="minor">
+            <a:schemeClr val="tx1"/>
+          </a:fontRef>
+        </p:style>
+      </p:cxnSp>
+      <p:sp>
+        <p:nvSpPr>
+          <p:cNvPr id="55" name="正方形/長方形 54"/>
+          <p:cNvSpPr/>
+          <p:nvPr/>
+        </p:nvSpPr>
+        <p:spPr>
+          <a:xfrm>
+            <a:off x="6750055" y="5271914"/>
+            <a:ext cx="936044" cy="288032"/>
+          </a:xfrm>
+          <a:prstGeom prst="rect">
+            <a:avLst/>
+          </a:prstGeom>
+          <a:ln>
+            <a:noFill/>
             <a:prstDash val="sysDash"/>
+          </a:ln>
+        </p:spPr>
+        <p:style>
+          <a:lnRef idx="2">
+            <a:schemeClr val="accent5">
+              <a:shade val="50000"/>
+            </a:schemeClr>
+          </a:lnRef>
+          <a:fillRef idx="1">
+            <a:schemeClr val="accent5"/>
+          </a:fillRef>
+          <a:effectRef idx="0">
+            <a:schemeClr val="accent5"/>
+          </a:effectRef>
+          <a:fontRef idx="minor">
+            <a:schemeClr val="lt1"/>
+          </a:fontRef>
+        </p:style>
+        <p:txBody>
+          <a:bodyPr lIns="91429" tIns="45715" rIns="91429" bIns="45715" rtlCol="0" anchor="ctr"/>
+          <a:lstStyle/>
+          <a:p>
+            <a:pPr algn="ctr" defTabSz="914295"/>
+            <a:r>
+              <a:rPr lang="en-US" altLang="ja-JP" dirty="0"/>
+              <a:t>master</a:t>
+            </a:r>
+            <a:endParaRPr lang="ja-JP" altLang="en-US" dirty="0"/>
+          </a:p>
+        </p:txBody>
+      </p:sp>
+      <p:cxnSp>
+        <p:nvCxnSpPr>
+          <p:cNvPr id="59" name="直線矢印コネクタ 58"/>
+          <p:cNvCxnSpPr>
+            <a:stCxn id="60" idx="1"/>
+          </p:cNvCxnSpPr>
+          <p:nvPr/>
+        </p:nvCxnSpPr>
+        <p:spPr>
+          <a:xfrm flipH="1" flipV="1">
+            <a:off x="6330635" y="6263409"/>
+            <a:ext cx="370799" cy="244341"/>
+          </a:xfrm>
+          <a:prstGeom prst="straightConnector1">
+            <a:avLst/>
+          </a:prstGeom>
+          <a:ln w="31750">
+            <a:solidFill>
+              <a:schemeClr val="tx1"/>
+            </a:solidFill>
+            <a:prstDash val="sysDot"/>
             <a:tailEnd type="triangle" w="lg" len="med"/>
           </a:ln>
         </p:spPr>
@@ -8547,6 +9552,649 @@
           </a:fontRef>
         </p:style>
       </p:cxnSp>
+      <p:sp>
+        <p:nvSpPr>
+          <p:cNvPr id="60" name="正方形/長方形 59"/>
+          <p:cNvSpPr/>
+          <p:nvPr/>
+        </p:nvSpPr>
+        <p:spPr>
+          <a:xfrm>
+            <a:off x="6701434" y="6363734"/>
+            <a:ext cx="1470393" cy="288032"/>
+          </a:xfrm>
+          <a:prstGeom prst="rect">
+            <a:avLst/>
+          </a:prstGeom>
+          <a:ln>
+            <a:noFill/>
+            <a:prstDash val="sysDash"/>
+          </a:ln>
+        </p:spPr>
+        <p:style>
+          <a:lnRef idx="2">
+            <a:schemeClr val="accent5">
+              <a:shade val="50000"/>
+            </a:schemeClr>
+          </a:lnRef>
+          <a:fillRef idx="1">
+            <a:schemeClr val="accent5"/>
+          </a:fillRef>
+          <a:effectRef idx="0">
+            <a:schemeClr val="accent5"/>
+          </a:effectRef>
+          <a:fontRef idx="minor">
+            <a:schemeClr val="lt1"/>
+          </a:fontRef>
+        </p:style>
+        <p:txBody>
+          <a:bodyPr lIns="91429" tIns="45715" rIns="91429" bIns="45715" rtlCol="0" anchor="ctr"/>
+          <a:lstStyle/>
+          <a:p>
+            <a:pPr algn="ctr" defTabSz="914295"/>
+            <a:r>
+              <a:rPr lang="en-US" altLang="ja-JP" dirty="0"/>
+              <a:t>origin/master</a:t>
+            </a:r>
+            <a:endParaRPr lang="ja-JP" altLang="en-US" dirty="0"/>
+          </a:p>
+        </p:txBody>
+      </p:sp>
+      <p:sp>
+        <p:nvSpPr>
+          <p:cNvPr id="62" name="円/楕円 61"/>
+          <p:cNvSpPr/>
+          <p:nvPr/>
+        </p:nvSpPr>
+        <p:spPr>
+          <a:xfrm>
+            <a:off x="4138411" y="5708092"/>
+            <a:ext cx="540000" cy="540000"/>
+          </a:xfrm>
+          <a:prstGeom prst="ellipse">
+            <a:avLst/>
+          </a:prstGeom>
+          <a:solidFill>
+            <a:srgbClr val="FF0066"/>
+          </a:solidFill>
+          <a:ln>
+            <a:noFill/>
+          </a:ln>
+        </p:spPr>
+        <p:style>
+          <a:lnRef idx="2">
+            <a:schemeClr val="accent2">
+              <a:shade val="50000"/>
+            </a:schemeClr>
+          </a:lnRef>
+          <a:fillRef idx="1">
+            <a:schemeClr val="accent2"/>
+          </a:fillRef>
+          <a:effectRef idx="0">
+            <a:schemeClr val="accent2"/>
+          </a:effectRef>
+          <a:fontRef idx="minor">
+            <a:schemeClr val="lt1"/>
+          </a:fontRef>
+        </p:style>
+        <p:txBody>
+          <a:bodyPr lIns="91429" tIns="45715" rIns="91429" bIns="45715" rtlCol="0" anchor="ctr"/>
+          <a:lstStyle/>
+          <a:p>
+            <a:pPr algn="ctr" defTabSz="914295"/>
+            <a:r>
+              <a:rPr lang="en-US" altLang="ja-JP" dirty="0"/>
+              <a:t>X</a:t>
+            </a:r>
+            <a:endParaRPr lang="ja-JP" altLang="en-US" dirty="0"/>
+          </a:p>
+        </p:txBody>
+      </p:sp>
+      <p:cxnSp>
+        <p:nvCxnSpPr>
+          <p:cNvPr id="65" name="直線矢印コネクタ 64"/>
+          <p:cNvCxnSpPr>
+            <a:stCxn id="62" idx="1"/>
+          </p:cNvCxnSpPr>
+          <p:nvPr/>
+        </p:nvCxnSpPr>
+        <p:spPr>
+          <a:xfrm flipH="1" flipV="1">
+            <a:off x="3771268" y="5387354"/>
+            <a:ext cx="446224" cy="399819"/>
+          </a:xfrm>
+          <a:prstGeom prst="straightConnector1">
+            <a:avLst/>
+          </a:prstGeom>
+          <a:ln w="31750">
+            <a:solidFill>
+              <a:schemeClr val="tx1"/>
+            </a:solidFill>
+            <a:prstDash val="sysDot"/>
+            <a:tailEnd type="triangle" w="lg" len="med"/>
+          </a:ln>
+        </p:spPr>
+        <p:style>
+          <a:lnRef idx="1">
+            <a:schemeClr val="accent1"/>
+          </a:lnRef>
+          <a:fillRef idx="0">
+            <a:schemeClr val="accent1"/>
+          </a:fillRef>
+          <a:effectRef idx="0">
+            <a:schemeClr val="accent1"/>
+          </a:effectRef>
+          <a:fontRef idx="minor">
+            <a:schemeClr val="tx1"/>
+          </a:fontRef>
+        </p:style>
+      </p:cxnSp>
+      <p:sp>
+        <p:nvSpPr>
+          <p:cNvPr id="66" name="円/楕円 65"/>
+          <p:cNvSpPr/>
+          <p:nvPr/>
+        </p:nvSpPr>
+        <p:spPr>
+          <a:xfrm>
+            <a:off x="5090652" y="5708092"/>
+            <a:ext cx="540000" cy="540000"/>
+          </a:xfrm>
+          <a:prstGeom prst="ellipse">
+            <a:avLst/>
+          </a:prstGeom>
+          <a:solidFill>
+            <a:srgbClr val="FF0066"/>
+          </a:solidFill>
+          <a:ln>
+            <a:noFill/>
+          </a:ln>
+        </p:spPr>
+        <p:style>
+          <a:lnRef idx="2">
+            <a:schemeClr val="accent2">
+              <a:shade val="50000"/>
+            </a:schemeClr>
+          </a:lnRef>
+          <a:fillRef idx="1">
+            <a:schemeClr val="accent2"/>
+          </a:fillRef>
+          <a:effectRef idx="0">
+            <a:schemeClr val="accent2"/>
+          </a:effectRef>
+          <a:fontRef idx="minor">
+            <a:schemeClr val="lt1"/>
+          </a:fontRef>
+        </p:style>
+        <p:txBody>
+          <a:bodyPr lIns="91429" tIns="45715" rIns="91429" bIns="45715" rtlCol="0" anchor="ctr"/>
+          <a:lstStyle/>
+          <a:p>
+            <a:pPr algn="ctr" defTabSz="914295"/>
+            <a:r>
+              <a:rPr lang="en-US" altLang="ja-JP" dirty="0"/>
+              <a:t>Y</a:t>
+            </a:r>
+            <a:endParaRPr lang="ja-JP" altLang="en-US" dirty="0"/>
+          </a:p>
+        </p:txBody>
+      </p:sp>
+      <p:cxnSp>
+        <p:nvCxnSpPr>
+          <p:cNvPr id="67" name="直線矢印コネクタ 66"/>
+          <p:cNvCxnSpPr>
+            <a:stCxn id="66" idx="2"/>
+          </p:cNvCxnSpPr>
+          <p:nvPr/>
+        </p:nvCxnSpPr>
+        <p:spPr>
+          <a:xfrm flipH="1">
+            <a:off x="4676546" y="5978092"/>
+            <a:ext cx="414106" cy="0"/>
+          </a:xfrm>
+          <a:prstGeom prst="straightConnector1">
+            <a:avLst/>
+          </a:prstGeom>
+          <a:ln w="31750">
+            <a:solidFill>
+              <a:schemeClr val="tx1"/>
+            </a:solidFill>
+            <a:prstDash val="sysDot"/>
+            <a:tailEnd type="triangle" w="lg" len="med"/>
+          </a:ln>
+        </p:spPr>
+        <p:style>
+          <a:lnRef idx="1">
+            <a:schemeClr val="accent1"/>
+          </a:lnRef>
+          <a:fillRef idx="0">
+            <a:schemeClr val="accent1"/>
+          </a:fillRef>
+          <a:effectRef idx="0">
+            <a:schemeClr val="accent1"/>
+          </a:effectRef>
+          <a:fontRef idx="minor">
+            <a:schemeClr val="tx1"/>
+          </a:fontRef>
+        </p:style>
+      </p:cxnSp>
+      <p:sp>
+        <p:nvSpPr>
+          <p:cNvPr id="68" name="角丸四角形吹き出し 70"/>
+          <p:cNvSpPr/>
+          <p:nvPr/>
+        </p:nvSpPr>
+        <p:spPr>
+          <a:xfrm>
+            <a:off x="203401" y="123901"/>
+            <a:ext cx="8737200" cy="1433282"/>
+          </a:xfrm>
+          <a:custGeom>
+            <a:avLst/>
+            <a:gdLst>
+              <a:gd name="connsiteX0" fmla="*/ 0 w 8541658"/>
+              <a:gd name="connsiteY0" fmla="*/ 214817 h 1288876"/>
+              <a:gd name="connsiteX1" fmla="*/ 214817 w 8541658"/>
+              <a:gd name="connsiteY1" fmla="*/ 0 h 1288876"/>
+              <a:gd name="connsiteX2" fmla="*/ 1423610 w 8541658"/>
+              <a:gd name="connsiteY2" fmla="*/ 0 h 1288876"/>
+              <a:gd name="connsiteX3" fmla="*/ 1423610 w 8541658"/>
+              <a:gd name="connsiteY3" fmla="*/ 0 h 1288876"/>
+              <a:gd name="connsiteX4" fmla="*/ 3559024 w 8541658"/>
+              <a:gd name="connsiteY4" fmla="*/ 0 h 1288876"/>
+              <a:gd name="connsiteX5" fmla="*/ 8326841 w 8541658"/>
+              <a:gd name="connsiteY5" fmla="*/ 0 h 1288876"/>
+              <a:gd name="connsiteX6" fmla="*/ 8541658 w 8541658"/>
+              <a:gd name="connsiteY6" fmla="*/ 214817 h 1288876"/>
+              <a:gd name="connsiteX7" fmla="*/ 8541658 w 8541658"/>
+              <a:gd name="connsiteY7" fmla="*/ 751844 h 1288876"/>
+              <a:gd name="connsiteX8" fmla="*/ 8541658 w 8541658"/>
+              <a:gd name="connsiteY8" fmla="*/ 751844 h 1288876"/>
+              <a:gd name="connsiteX9" fmla="*/ 8541658 w 8541658"/>
+              <a:gd name="connsiteY9" fmla="*/ 1074063 h 1288876"/>
+              <a:gd name="connsiteX10" fmla="*/ 8541658 w 8541658"/>
+              <a:gd name="connsiteY10" fmla="*/ 1074059 h 1288876"/>
+              <a:gd name="connsiteX11" fmla="*/ 8326841 w 8541658"/>
+              <a:gd name="connsiteY11" fmla="*/ 1288876 h 1288876"/>
+              <a:gd name="connsiteX12" fmla="*/ 3559024 w 8541658"/>
+              <a:gd name="connsiteY12" fmla="*/ 1288876 h 1288876"/>
+              <a:gd name="connsiteX13" fmla="*/ 2230227 w 8541658"/>
+              <a:gd name="connsiteY13" fmla="*/ 1471381 h 1288876"/>
+              <a:gd name="connsiteX14" fmla="*/ 1423610 w 8541658"/>
+              <a:gd name="connsiteY14" fmla="*/ 1288876 h 1288876"/>
+              <a:gd name="connsiteX15" fmla="*/ 214817 w 8541658"/>
+              <a:gd name="connsiteY15" fmla="*/ 1288876 h 1288876"/>
+              <a:gd name="connsiteX16" fmla="*/ 0 w 8541658"/>
+              <a:gd name="connsiteY16" fmla="*/ 1074059 h 1288876"/>
+              <a:gd name="connsiteX17" fmla="*/ 0 w 8541658"/>
+              <a:gd name="connsiteY17" fmla="*/ 1074063 h 1288876"/>
+              <a:gd name="connsiteX18" fmla="*/ 0 w 8541658"/>
+              <a:gd name="connsiteY18" fmla="*/ 751844 h 1288876"/>
+              <a:gd name="connsiteX19" fmla="*/ 0 w 8541658"/>
+              <a:gd name="connsiteY19" fmla="*/ 751844 h 1288876"/>
+              <a:gd name="connsiteX20" fmla="*/ 0 w 8541658"/>
+              <a:gd name="connsiteY20" fmla="*/ 214817 h 1288876"/>
+              <a:gd name="connsiteX0" fmla="*/ 0 w 8541658"/>
+              <a:gd name="connsiteY0" fmla="*/ 214817 h 1471381"/>
+              <a:gd name="connsiteX1" fmla="*/ 214817 w 8541658"/>
+              <a:gd name="connsiteY1" fmla="*/ 0 h 1471381"/>
+              <a:gd name="connsiteX2" fmla="*/ 1423610 w 8541658"/>
+              <a:gd name="connsiteY2" fmla="*/ 0 h 1471381"/>
+              <a:gd name="connsiteX3" fmla="*/ 1423610 w 8541658"/>
+              <a:gd name="connsiteY3" fmla="*/ 0 h 1471381"/>
+              <a:gd name="connsiteX4" fmla="*/ 3559024 w 8541658"/>
+              <a:gd name="connsiteY4" fmla="*/ 0 h 1471381"/>
+              <a:gd name="connsiteX5" fmla="*/ 8326841 w 8541658"/>
+              <a:gd name="connsiteY5" fmla="*/ 0 h 1471381"/>
+              <a:gd name="connsiteX6" fmla="*/ 8541658 w 8541658"/>
+              <a:gd name="connsiteY6" fmla="*/ 214817 h 1471381"/>
+              <a:gd name="connsiteX7" fmla="*/ 8541658 w 8541658"/>
+              <a:gd name="connsiteY7" fmla="*/ 751844 h 1471381"/>
+              <a:gd name="connsiteX8" fmla="*/ 8541658 w 8541658"/>
+              <a:gd name="connsiteY8" fmla="*/ 751844 h 1471381"/>
+              <a:gd name="connsiteX9" fmla="*/ 8541658 w 8541658"/>
+              <a:gd name="connsiteY9" fmla="*/ 1074063 h 1471381"/>
+              <a:gd name="connsiteX10" fmla="*/ 8541658 w 8541658"/>
+              <a:gd name="connsiteY10" fmla="*/ 1074059 h 1471381"/>
+              <a:gd name="connsiteX11" fmla="*/ 8326841 w 8541658"/>
+              <a:gd name="connsiteY11" fmla="*/ 1288876 h 1471381"/>
+              <a:gd name="connsiteX12" fmla="*/ 1852144 w 8541658"/>
+              <a:gd name="connsiteY12" fmla="*/ 1288876 h 1471381"/>
+              <a:gd name="connsiteX13" fmla="*/ 2230227 w 8541658"/>
+              <a:gd name="connsiteY13" fmla="*/ 1471381 h 1471381"/>
+              <a:gd name="connsiteX14" fmla="*/ 1423610 w 8541658"/>
+              <a:gd name="connsiteY14" fmla="*/ 1288876 h 1471381"/>
+              <a:gd name="connsiteX15" fmla="*/ 214817 w 8541658"/>
+              <a:gd name="connsiteY15" fmla="*/ 1288876 h 1471381"/>
+              <a:gd name="connsiteX16" fmla="*/ 0 w 8541658"/>
+              <a:gd name="connsiteY16" fmla="*/ 1074059 h 1471381"/>
+              <a:gd name="connsiteX17" fmla="*/ 0 w 8541658"/>
+              <a:gd name="connsiteY17" fmla="*/ 1074063 h 1471381"/>
+              <a:gd name="connsiteX18" fmla="*/ 0 w 8541658"/>
+              <a:gd name="connsiteY18" fmla="*/ 751844 h 1471381"/>
+              <a:gd name="connsiteX19" fmla="*/ 0 w 8541658"/>
+              <a:gd name="connsiteY19" fmla="*/ 751844 h 1471381"/>
+              <a:gd name="connsiteX20" fmla="*/ 0 w 8541658"/>
+              <a:gd name="connsiteY20" fmla="*/ 214817 h 1471381"/>
+              <a:gd name="connsiteX0" fmla="*/ 0 w 8541658"/>
+              <a:gd name="connsiteY0" fmla="*/ 214817 h 1433281"/>
+              <a:gd name="connsiteX1" fmla="*/ 214817 w 8541658"/>
+              <a:gd name="connsiteY1" fmla="*/ 0 h 1433281"/>
+              <a:gd name="connsiteX2" fmla="*/ 1423610 w 8541658"/>
+              <a:gd name="connsiteY2" fmla="*/ 0 h 1433281"/>
+              <a:gd name="connsiteX3" fmla="*/ 1423610 w 8541658"/>
+              <a:gd name="connsiteY3" fmla="*/ 0 h 1433281"/>
+              <a:gd name="connsiteX4" fmla="*/ 3559024 w 8541658"/>
+              <a:gd name="connsiteY4" fmla="*/ 0 h 1433281"/>
+              <a:gd name="connsiteX5" fmla="*/ 8326841 w 8541658"/>
+              <a:gd name="connsiteY5" fmla="*/ 0 h 1433281"/>
+              <a:gd name="connsiteX6" fmla="*/ 8541658 w 8541658"/>
+              <a:gd name="connsiteY6" fmla="*/ 214817 h 1433281"/>
+              <a:gd name="connsiteX7" fmla="*/ 8541658 w 8541658"/>
+              <a:gd name="connsiteY7" fmla="*/ 751844 h 1433281"/>
+              <a:gd name="connsiteX8" fmla="*/ 8541658 w 8541658"/>
+              <a:gd name="connsiteY8" fmla="*/ 751844 h 1433281"/>
+              <a:gd name="connsiteX9" fmla="*/ 8541658 w 8541658"/>
+              <a:gd name="connsiteY9" fmla="*/ 1074063 h 1433281"/>
+              <a:gd name="connsiteX10" fmla="*/ 8541658 w 8541658"/>
+              <a:gd name="connsiteY10" fmla="*/ 1074059 h 1433281"/>
+              <a:gd name="connsiteX11" fmla="*/ 8326841 w 8541658"/>
+              <a:gd name="connsiteY11" fmla="*/ 1288876 h 1433281"/>
+              <a:gd name="connsiteX12" fmla="*/ 1852144 w 8541658"/>
+              <a:gd name="connsiteY12" fmla="*/ 1288876 h 1433281"/>
+              <a:gd name="connsiteX13" fmla="*/ 1864467 w 8541658"/>
+              <a:gd name="connsiteY13" fmla="*/ 1433281 h 1433281"/>
+              <a:gd name="connsiteX14" fmla="*/ 1423610 w 8541658"/>
+              <a:gd name="connsiteY14" fmla="*/ 1288876 h 1433281"/>
+              <a:gd name="connsiteX15" fmla="*/ 214817 w 8541658"/>
+              <a:gd name="connsiteY15" fmla="*/ 1288876 h 1433281"/>
+              <a:gd name="connsiteX16" fmla="*/ 0 w 8541658"/>
+              <a:gd name="connsiteY16" fmla="*/ 1074059 h 1433281"/>
+              <a:gd name="connsiteX17" fmla="*/ 0 w 8541658"/>
+              <a:gd name="connsiteY17" fmla="*/ 1074063 h 1433281"/>
+              <a:gd name="connsiteX18" fmla="*/ 0 w 8541658"/>
+              <a:gd name="connsiteY18" fmla="*/ 751844 h 1433281"/>
+              <a:gd name="connsiteX19" fmla="*/ 0 w 8541658"/>
+              <a:gd name="connsiteY19" fmla="*/ 751844 h 1433281"/>
+              <a:gd name="connsiteX20" fmla="*/ 0 w 8541658"/>
+              <a:gd name="connsiteY20" fmla="*/ 214817 h 1433281"/>
+            </a:gdLst>
+            <a:ahLst/>
+            <a:cxnLst>
+              <a:cxn ang="0">
+                <a:pos x="connsiteX0" y="connsiteY0"/>
+              </a:cxn>
+              <a:cxn ang="0">
+                <a:pos x="connsiteX1" y="connsiteY1"/>
+              </a:cxn>
+              <a:cxn ang="0">
+                <a:pos x="connsiteX2" y="connsiteY2"/>
+              </a:cxn>
+              <a:cxn ang="0">
+                <a:pos x="connsiteX3" y="connsiteY3"/>
+              </a:cxn>
+              <a:cxn ang="0">
+                <a:pos x="connsiteX4" y="connsiteY4"/>
+              </a:cxn>
+              <a:cxn ang="0">
+                <a:pos x="connsiteX5" y="connsiteY5"/>
+              </a:cxn>
+              <a:cxn ang="0">
+                <a:pos x="connsiteX6" y="connsiteY6"/>
+              </a:cxn>
+              <a:cxn ang="0">
+                <a:pos x="connsiteX7" y="connsiteY7"/>
+              </a:cxn>
+              <a:cxn ang="0">
+                <a:pos x="connsiteX8" y="connsiteY8"/>
+              </a:cxn>
+              <a:cxn ang="0">
+                <a:pos x="connsiteX9" y="connsiteY9"/>
+              </a:cxn>
+              <a:cxn ang="0">
+                <a:pos x="connsiteX10" y="connsiteY10"/>
+              </a:cxn>
+              <a:cxn ang="0">
+                <a:pos x="connsiteX11" y="connsiteY11"/>
+              </a:cxn>
+              <a:cxn ang="0">
+                <a:pos x="connsiteX12" y="connsiteY12"/>
+              </a:cxn>
+              <a:cxn ang="0">
+                <a:pos x="connsiteX13" y="connsiteY13"/>
+              </a:cxn>
+              <a:cxn ang="0">
+                <a:pos x="connsiteX14" y="connsiteY14"/>
+              </a:cxn>
+              <a:cxn ang="0">
+                <a:pos x="connsiteX15" y="connsiteY15"/>
+              </a:cxn>
+              <a:cxn ang="0">
+                <a:pos x="connsiteX16" y="connsiteY16"/>
+              </a:cxn>
+              <a:cxn ang="0">
+                <a:pos x="connsiteX17" y="connsiteY17"/>
+              </a:cxn>
+              <a:cxn ang="0">
+                <a:pos x="connsiteX18" y="connsiteY18"/>
+              </a:cxn>
+              <a:cxn ang="0">
+                <a:pos x="connsiteX19" y="connsiteY19"/>
+              </a:cxn>
+              <a:cxn ang="0">
+                <a:pos x="connsiteX20" y="connsiteY20"/>
+              </a:cxn>
+            </a:cxnLst>
+            <a:rect l="l" t="t" r="r" b="b"/>
+            <a:pathLst>
+              <a:path w="8541658" h="1433281">
+                <a:moveTo>
+                  <a:pt x="0" y="214817"/>
+                </a:moveTo>
+                <a:cubicBezTo>
+                  <a:pt x="0" y="96177"/>
+                  <a:pt x="96177" y="0"/>
+                  <a:pt x="214817" y="0"/>
+                </a:cubicBezTo>
+                <a:lnTo>
+                  <a:pt x="1423610" y="0"/>
+                </a:lnTo>
+                <a:lnTo>
+                  <a:pt x="1423610" y="0"/>
+                </a:lnTo>
+                <a:lnTo>
+                  <a:pt x="3559024" y="0"/>
+                </a:lnTo>
+                <a:lnTo>
+                  <a:pt x="8326841" y="0"/>
+                </a:lnTo>
+                <a:cubicBezTo>
+                  <a:pt x="8445481" y="0"/>
+                  <a:pt x="8541658" y="96177"/>
+                  <a:pt x="8541658" y="214817"/>
+                </a:cubicBezTo>
+                <a:lnTo>
+                  <a:pt x="8541658" y="751844"/>
+                </a:lnTo>
+                <a:lnTo>
+                  <a:pt x="8541658" y="751844"/>
+                </a:lnTo>
+                <a:lnTo>
+                  <a:pt x="8541658" y="1074063"/>
+                </a:lnTo>
+                <a:lnTo>
+                  <a:pt x="8541658" y="1074059"/>
+                </a:lnTo>
+                <a:cubicBezTo>
+                  <a:pt x="8541658" y="1192699"/>
+                  <a:pt x="8445481" y="1288876"/>
+                  <a:pt x="8326841" y="1288876"/>
+                </a:cubicBezTo>
+                <a:lnTo>
+                  <a:pt x="1852144" y="1288876"/>
+                </a:lnTo>
+                <a:lnTo>
+                  <a:pt x="1864467" y="1433281"/>
+                </a:lnTo>
+                <a:lnTo>
+                  <a:pt x="1423610" y="1288876"/>
+                </a:lnTo>
+                <a:lnTo>
+                  <a:pt x="214817" y="1288876"/>
+                </a:lnTo>
+                <a:cubicBezTo>
+                  <a:pt x="96177" y="1288876"/>
+                  <a:pt x="0" y="1192699"/>
+                  <a:pt x="0" y="1074059"/>
+                </a:cubicBezTo>
+                <a:lnTo>
+                  <a:pt x="0" y="1074063"/>
+                </a:lnTo>
+                <a:lnTo>
+                  <a:pt x="0" y="751844"/>
+                </a:lnTo>
+                <a:lnTo>
+                  <a:pt x="0" y="751844"/>
+                </a:lnTo>
+                <a:lnTo>
+                  <a:pt x="0" y="214817"/>
+                </a:lnTo>
+                <a:close/>
+              </a:path>
+            </a:pathLst>
+          </a:custGeom>
+          <a:solidFill>
+            <a:srgbClr val="03C924"/>
+          </a:solidFill>
+          <a:ln>
+            <a:noFill/>
+          </a:ln>
+        </p:spPr>
+        <p:style>
+          <a:lnRef idx="2">
+            <a:schemeClr val="accent1">
+              <a:shade val="50000"/>
+            </a:schemeClr>
+          </a:lnRef>
+          <a:fillRef idx="1">
+            <a:schemeClr val="accent1"/>
+          </a:fillRef>
+          <a:effectRef idx="0">
+            <a:schemeClr val="accent1"/>
+          </a:effectRef>
+          <a:fontRef idx="minor">
+            <a:schemeClr val="lt1"/>
+          </a:fontRef>
+        </p:style>
+        <p:txBody>
+          <a:bodyPr lIns="143983" tIns="143983" rIns="143983" bIns="0" rtlCol="0" anchor="ctr"/>
+          <a:lstStyle/>
+          <a:p>
+            <a:r>
+              <a:rPr lang="ja-JP" altLang="en-US" b="1" dirty="0">
+                <a:ea typeface="ＭＳ ゴシック" panose="020B0609070205080204" pitchFamily="49" charset="-128"/>
+              </a:rPr>
+              <a:t>「</a:t>
+            </a:r>
+            <a:r>
+              <a:rPr lang="en-US" altLang="ja-JP" b="1" dirty="0" err="1">
+                <a:ea typeface="ＭＳ ゴシック" panose="020B0609070205080204" pitchFamily="49" charset="-128"/>
+              </a:rPr>
+              <a:t>git</a:t>
+            </a:r>
+            <a:r>
+              <a:rPr lang="en-US" altLang="ja-JP" b="1" dirty="0">
+                <a:ea typeface="ＭＳ ゴシック" panose="020B0609070205080204" pitchFamily="49" charset="-128"/>
+              </a:rPr>
+              <a:t> push</a:t>
+            </a:r>
+            <a:r>
+              <a:rPr lang="ja-JP" altLang="en-US" b="1" dirty="0">
+                <a:ea typeface="ＭＳ ゴシック" panose="020B0609070205080204" pitchFamily="49" charset="-128"/>
+              </a:rPr>
+              <a:t>」を</a:t>
+            </a:r>
+            <a:r>
+              <a:rPr lang="ja-JP" altLang="en-US" b="1" dirty="0" smtClean="0">
+                <a:ea typeface="ＭＳ ゴシック" panose="020B0609070205080204" pitchFamily="49" charset="-128"/>
+              </a:rPr>
+              <a:t>実行。</a:t>
+            </a:r>
+            <a:endParaRPr lang="ja-JP" altLang="en-US" b="1" dirty="0">
+              <a:ea typeface="ＭＳ ゴシック" panose="020B0609070205080204" pitchFamily="49" charset="-128"/>
+            </a:endParaRPr>
+          </a:p>
+          <a:p>
+            <a:r>
+              <a:rPr lang="ja-JP" altLang="en-US" b="1" dirty="0">
+                <a:ea typeface="ＭＳ ゴシック" panose="020B0609070205080204" pitchFamily="49" charset="-128"/>
+              </a:rPr>
+              <a:t>ローカルリポジトリの</a:t>
+            </a:r>
+            <a:r>
+              <a:rPr lang="ja-JP" altLang="en-US" b="1" dirty="0" smtClean="0">
+                <a:ea typeface="ＭＳ ゴシック" panose="020B0609070205080204" pitchFamily="49" charset="-128"/>
+              </a:rPr>
+              <a:t>コミット </a:t>
+            </a:r>
+            <a:r>
+              <a:rPr lang="en-US" altLang="ja-JP" b="1" dirty="0" smtClean="0">
+                <a:ea typeface="ＭＳ ゴシック" panose="020B0609070205080204" pitchFamily="49" charset="-128"/>
+              </a:rPr>
+              <a:t>D’ </a:t>
+            </a:r>
+            <a:r>
+              <a:rPr lang="ja-JP" altLang="en-US" b="1" dirty="0" smtClean="0">
+                <a:ea typeface="ＭＳ ゴシック" panose="020B0609070205080204" pitchFamily="49" charset="-128"/>
+              </a:rPr>
+              <a:t>が</a:t>
+            </a:r>
+            <a:r>
+              <a:rPr lang="ja-JP" altLang="en-US" b="1" dirty="0">
+                <a:ea typeface="ＭＳ ゴシック" panose="020B0609070205080204" pitchFamily="49" charset="-128"/>
+              </a:rPr>
+              <a:t>リモートリポジトリに送られ</a:t>
+            </a:r>
+            <a:r>
+              <a:rPr lang="ja-JP" altLang="en-US" b="1" dirty="0" smtClean="0">
+                <a:ea typeface="ＭＳ ゴシック" panose="020B0609070205080204" pitchFamily="49" charset="-128"/>
+              </a:rPr>
+              <a:t>、</a:t>
+            </a:r>
+            <a:endParaRPr lang="en-US" altLang="ja-JP" b="1" dirty="0" smtClean="0">
+              <a:ea typeface="ＭＳ ゴシック" panose="020B0609070205080204" pitchFamily="49" charset="-128"/>
+            </a:endParaRPr>
+          </a:p>
+          <a:p>
+            <a:r>
+              <a:rPr lang="ja-JP" altLang="en-US" b="1" dirty="0" smtClean="0">
+                <a:ea typeface="ＭＳ ゴシック" panose="020B0609070205080204" pitchFamily="49" charset="-128"/>
+              </a:rPr>
+              <a:t>各参照</a:t>
+            </a:r>
+            <a:r>
+              <a:rPr lang="ja-JP" altLang="en-US" b="1" dirty="0">
+                <a:ea typeface="ＭＳ ゴシック" panose="020B0609070205080204" pitchFamily="49" charset="-128"/>
+              </a:rPr>
+              <a:t>も更新され、両リポジトリが同期した</a:t>
+            </a:r>
+            <a:r>
+              <a:rPr lang="ja-JP" altLang="en-US" b="1" dirty="0" smtClean="0">
+                <a:ea typeface="ＭＳ ゴシック" panose="020B0609070205080204" pitchFamily="49" charset="-128"/>
+              </a:rPr>
+              <a:t>。</a:t>
+            </a:r>
+            <a:endParaRPr lang="en-US" altLang="ja-JP" b="1" dirty="0" smtClean="0">
+              <a:ea typeface="ＭＳ ゴシック" panose="020B0609070205080204" pitchFamily="49" charset="-128"/>
+            </a:endParaRPr>
+          </a:p>
+          <a:p>
+            <a:endParaRPr lang="ja-JP" altLang="en-US" b="1" dirty="0">
+              <a:ea typeface="ＭＳ ゴシック" panose="020B0609070205080204" pitchFamily="49" charset="-128"/>
+            </a:endParaRPr>
+          </a:p>
+        </p:txBody>
+      </p:sp>
     </p:spTree>
     <p:extLst>
       <p:ext uri="{BB962C8B-B14F-4D97-AF65-F5344CB8AC3E}">
